--- a/Presentation.pptx
+++ b/Presentation.pptx
@@ -5,7 +5,7 @@
     <p:sldMasterId id="2147483685" r:id="rId1"/>
   </p:sldMasterIdLst>
   <p:notesMasterIdLst>
-    <p:notesMasterId r:id="rId14"/>
+    <p:notesMasterId r:id="rId12"/>
   </p:notesMasterIdLst>
   <p:sldIdLst>
     <p:sldId id="260" r:id="rId2"/>
@@ -16,39 +16,28 @@
     <p:sldId id="312" r:id="rId7"/>
     <p:sldId id="313" r:id="rId8"/>
     <p:sldId id="316" r:id="rId9"/>
-    <p:sldId id="317" r:id="rId10"/>
-    <p:sldId id="315" r:id="rId11"/>
-    <p:sldId id="314" r:id="rId12"/>
-    <p:sldId id="319" r:id="rId13"/>
+    <p:sldId id="314" r:id="rId10"/>
+    <p:sldId id="319" r:id="rId11"/>
   </p:sldIdLst>
   <p:sldSz cx="9144000" cy="5143500" type="screen16x9"/>
   <p:notesSz cx="6858000" cy="9144000"/>
   <p:embeddedFontLst>
     <p:embeddedFont>
-      <p:font typeface="Noto Serif Ethiopic" panose="020B0604020202020204" charset="0"/>
+      <p:font typeface="Akatab" panose="020B0600000101010101" charset="0"/>
+      <p:regular r:id="rId13"/>
+      <p:bold r:id="rId14"/>
+    </p:embeddedFont>
+    <p:embeddedFont>
+      <p:font typeface="Bookman Old Style" panose="02050604050505020204" pitchFamily="18" charset="0"/>
       <p:regular r:id="rId15"/>
       <p:bold r:id="rId16"/>
+      <p:italic r:id="rId17"/>
+      <p:boldItalic r:id="rId18"/>
     </p:embeddedFont>
     <p:embeddedFont>
-      <p:font typeface="Ebrima" panose="02000000000000000000" pitchFamily="2" charset="0"/>
-      <p:regular r:id="rId17"/>
-      <p:bold r:id="rId18"/>
-    </p:embeddedFont>
-    <p:embeddedFont>
-      <p:font typeface="Bebas Neue" panose="020B0604020202020204" charset="0"/>
+      <p:font typeface="Noto Serif Ethiopic" panose="020B0600000101010101" charset="0"/>
       <p:regular r:id="rId19"/>
-    </p:embeddedFont>
-    <p:embeddedFont>
-      <p:font typeface="Calibri" panose="020F0502020204030204" pitchFamily="34" charset="0"/>
-      <p:regular r:id="rId20"/>
-      <p:bold r:id="rId21"/>
-      <p:italic r:id="rId22"/>
-      <p:boldItalic r:id="rId23"/>
-    </p:embeddedFont>
-    <p:embeddedFont>
-      <p:font typeface="Akatab" panose="020B0604020202020204" charset="0"/>
-      <p:regular r:id="rId24"/>
-      <p:bold r:id="rId25"/>
+      <p:bold r:id="rId20"/>
     </p:embeddedFont>
   </p:embeddedFontLst>
   <p:defaultTextStyle>
@@ -280,6 +269,11 @@
       </a:defRPr>
     </a:lvl9pPr>
   </p:defaultTextStyle>
+  <p:extLst>
+    <p:ext uri="{EFAFB233-063F-42B5-8137-9DF3F51BA10A}">
+      <p15:sldGuideLst xmlns:p15="http://schemas.microsoft.com/office/powerpoint/2012/main"/>
+    </p:ext>
+  </p:extLst>
 </p:presentation>
 </file>
 
@@ -833,224 +827,6 @@
   <p:cSld>
     <p:spTree>
       <p:nvGrpSpPr>
-        <p:cNvPr id="1" name="Shape 427"/>
-        <p:cNvGrpSpPr/>
-        <p:nvPr/>
-      </p:nvGrpSpPr>
-      <p:grpSpPr>
-        <a:xfrm>
-          <a:off x="0" y="0"/>
-          <a:ext cx="0" cy="0"/>
-          <a:chOff x="0" y="0"/>
-          <a:chExt cx="0" cy="0"/>
-        </a:xfrm>
-      </p:grpSpPr>
-      <p:sp>
-        <p:nvSpPr>
-          <p:cNvPr id="428" name="Google Shape;428;g259dc3832df_0_170:notes"/>
-          <p:cNvSpPr>
-            <a:spLocks noGrp="1" noRot="1" noChangeAspect="1"/>
-          </p:cNvSpPr>
-          <p:nvPr>
-            <p:ph type="sldImg" idx="2"/>
-          </p:nvPr>
-        </p:nvSpPr>
-        <p:spPr>
-          <a:xfrm>
-            <a:off x="381000" y="685800"/>
-            <a:ext cx="6096000" cy="3429000"/>
-          </a:xfrm>
-          <a:custGeom>
-            <a:avLst/>
-            <a:gdLst/>
-            <a:ahLst/>
-            <a:cxnLst/>
-            <a:rect l="l" t="t" r="r" b="b"/>
-            <a:pathLst>
-              <a:path w="120000" h="120000" extrusionOk="0">
-                <a:moveTo>
-                  <a:pt x="0" y="0"/>
-                </a:moveTo>
-                <a:lnTo>
-                  <a:pt x="120000" y="0"/>
-                </a:lnTo>
-                <a:lnTo>
-                  <a:pt x="120000" y="120000"/>
-                </a:lnTo>
-                <a:lnTo>
-                  <a:pt x="0" y="120000"/>
-                </a:lnTo>
-                <a:close/>
-              </a:path>
-            </a:pathLst>
-          </a:custGeom>
-        </p:spPr>
-      </p:sp>
-      <p:sp>
-        <p:nvSpPr>
-          <p:cNvPr id="429" name="Google Shape;429;g259dc3832df_0_170:notes"/>
-          <p:cNvSpPr txBox="1">
-            <a:spLocks noGrp="1"/>
-          </p:cNvSpPr>
-          <p:nvPr>
-            <p:ph type="body" idx="1"/>
-          </p:nvPr>
-        </p:nvSpPr>
-        <p:spPr>
-          <a:xfrm>
-            <a:off x="685800" y="4343400"/>
-            <a:ext cx="5486400" cy="4114800"/>
-          </a:xfrm>
-          <a:prstGeom prst="rect">
-            <a:avLst/>
-          </a:prstGeom>
-        </p:spPr>
-        <p:txBody>
-          <a:bodyPr spcFirstLastPara="1" wrap="square" lIns="91425" tIns="91425" rIns="91425" bIns="91425" anchor="t" anchorCtr="0">
-            <a:noAutofit/>
-          </a:bodyPr>
-          <a:lstStyle/>
-          <a:p>
-            <a:pPr marL="0" lvl="0" indent="0" algn="l" rtl="0">
-              <a:spcBef>
-                <a:spcPts val="0"/>
-              </a:spcBef>
-              <a:spcAft>
-                <a:spcPts val="0"/>
-              </a:spcAft>
-              <a:buNone/>
-            </a:pPr>
-            <a:endParaRPr/>
-          </a:p>
-        </p:txBody>
-      </p:sp>
-    </p:spTree>
-    <p:extLst>
-      <p:ext uri="{BB962C8B-B14F-4D97-AF65-F5344CB8AC3E}">
-        <p14:creationId xmlns:p14="http://schemas.microsoft.com/office/powerpoint/2010/main" val="2038589886"/>
-      </p:ext>
-    </p:extLst>
-  </p:cSld>
-  <p:clrMapOvr>
-    <a:masterClrMapping/>
-  </p:clrMapOvr>
-</p:notes>
-</file>
-
-<file path=ppt/notesSlides/notesSlide11.xml><?xml version="1.0" encoding="utf-8"?>
-<p:notes xmlns:a="http://schemas.openxmlformats.org/drawingml/2006/main" xmlns:r="http://schemas.openxmlformats.org/officeDocument/2006/relationships" xmlns:p="http://schemas.openxmlformats.org/presentationml/2006/main" showMasterSp="0" showMasterPhAnim="0">
-  <p:cSld>
-    <p:spTree>
-      <p:nvGrpSpPr>
-        <p:cNvPr id="1" name="Shape 415"/>
-        <p:cNvGrpSpPr/>
-        <p:nvPr/>
-      </p:nvGrpSpPr>
-      <p:grpSpPr>
-        <a:xfrm>
-          <a:off x="0" y="0"/>
-          <a:ext cx="0" cy="0"/>
-          <a:chOff x="0" y="0"/>
-          <a:chExt cx="0" cy="0"/>
-        </a:xfrm>
-      </p:grpSpPr>
-      <p:sp>
-        <p:nvSpPr>
-          <p:cNvPr id="416" name="Google Shape;416;g25a5b448001_0_31:notes"/>
-          <p:cNvSpPr>
-            <a:spLocks noGrp="1" noRot="1" noChangeAspect="1"/>
-          </p:cNvSpPr>
-          <p:nvPr>
-            <p:ph type="sldImg" idx="2"/>
-          </p:nvPr>
-        </p:nvSpPr>
-        <p:spPr>
-          <a:xfrm>
-            <a:off x="381000" y="685800"/>
-            <a:ext cx="6096000" cy="3429000"/>
-          </a:xfrm>
-          <a:custGeom>
-            <a:avLst/>
-            <a:gdLst/>
-            <a:ahLst/>
-            <a:cxnLst/>
-            <a:rect l="l" t="t" r="r" b="b"/>
-            <a:pathLst>
-              <a:path w="120000" h="120000" extrusionOk="0">
-                <a:moveTo>
-                  <a:pt x="0" y="0"/>
-                </a:moveTo>
-                <a:lnTo>
-                  <a:pt x="120000" y="0"/>
-                </a:lnTo>
-                <a:lnTo>
-                  <a:pt x="120000" y="120000"/>
-                </a:lnTo>
-                <a:lnTo>
-                  <a:pt x="0" y="120000"/>
-                </a:lnTo>
-                <a:close/>
-              </a:path>
-            </a:pathLst>
-          </a:custGeom>
-        </p:spPr>
-      </p:sp>
-      <p:sp>
-        <p:nvSpPr>
-          <p:cNvPr id="417" name="Google Shape;417;g25a5b448001_0_31:notes"/>
-          <p:cNvSpPr txBox="1">
-            <a:spLocks noGrp="1"/>
-          </p:cNvSpPr>
-          <p:nvPr>
-            <p:ph type="body" idx="1"/>
-          </p:nvPr>
-        </p:nvSpPr>
-        <p:spPr>
-          <a:xfrm>
-            <a:off x="685800" y="4343400"/>
-            <a:ext cx="5486400" cy="4114800"/>
-          </a:xfrm>
-          <a:prstGeom prst="rect">
-            <a:avLst/>
-          </a:prstGeom>
-        </p:spPr>
-        <p:txBody>
-          <a:bodyPr spcFirstLastPara="1" wrap="square" lIns="91425" tIns="91425" rIns="91425" bIns="91425" anchor="t" anchorCtr="0">
-            <a:noAutofit/>
-          </a:bodyPr>
-          <a:lstStyle/>
-          <a:p>
-            <a:pPr marL="0" lvl="0" indent="0" algn="l" rtl="0">
-              <a:spcBef>
-                <a:spcPts val="0"/>
-              </a:spcBef>
-              <a:spcAft>
-                <a:spcPts val="0"/>
-              </a:spcAft>
-              <a:buNone/>
-            </a:pPr>
-            <a:endParaRPr/>
-          </a:p>
-        </p:txBody>
-      </p:sp>
-    </p:spTree>
-    <p:extLst>
-      <p:ext uri="{BB962C8B-B14F-4D97-AF65-F5344CB8AC3E}">
-        <p14:creationId xmlns:p14="http://schemas.microsoft.com/office/powerpoint/2010/main" val="1854510405"/>
-      </p:ext>
-    </p:extLst>
-  </p:cSld>
-  <p:clrMapOvr>
-    <a:masterClrMapping/>
-  </p:clrMapOvr>
-</p:notes>
-</file>
-
-<file path=ppt/notesSlides/notesSlide12.xml><?xml version="1.0" encoding="utf-8"?>
-<p:notes xmlns:a="http://schemas.openxmlformats.org/drawingml/2006/main" xmlns:r="http://schemas.openxmlformats.org/officeDocument/2006/relationships" xmlns:p="http://schemas.openxmlformats.org/presentationml/2006/main" showMasterSp="0" showMasterPhAnim="0">
-  <p:cSld>
-    <p:spTree>
-      <p:nvGrpSpPr>
         <p:cNvPr id="1" name="Shape 487"/>
         <p:cNvGrpSpPr/>
         <p:nvPr/>
@@ -1913,7 +1689,7 @@
   <p:cSld>
     <p:spTree>
       <p:nvGrpSpPr>
-        <p:cNvPr id="1" name="Shape 427"/>
+        <p:cNvPr id="1" name="Shape 415"/>
         <p:cNvGrpSpPr/>
         <p:nvPr/>
       </p:nvGrpSpPr>
@@ -1927,7 +1703,7 @@
       </p:grpSpPr>
       <p:sp>
         <p:nvSpPr>
-          <p:cNvPr id="428" name="Google Shape;428;g259dc3832df_0_170:notes"/>
+          <p:cNvPr id="416" name="Google Shape;416;g25a5b448001_0_31:notes"/>
           <p:cNvSpPr>
             <a:spLocks noGrp="1" noRot="1" noChangeAspect="1"/>
           </p:cNvSpPr>
@@ -1968,7 +1744,7 @@
       </p:sp>
       <p:sp>
         <p:nvSpPr>
-          <p:cNvPr id="429" name="Google Shape;429;g259dc3832df_0_170:notes"/>
+          <p:cNvPr id="417" name="Google Shape;417;g25a5b448001_0_31:notes"/>
           <p:cNvSpPr txBox="1">
             <a:spLocks noGrp="1"/>
           </p:cNvSpPr>
@@ -2007,7 +1783,7 @@
     </p:spTree>
     <p:extLst>
       <p:ext uri="{BB962C8B-B14F-4D97-AF65-F5344CB8AC3E}">
-        <p14:creationId xmlns:p14="http://schemas.microsoft.com/office/powerpoint/2010/main" val="1560388058"/>
+        <p14:creationId xmlns:p14="http://schemas.microsoft.com/office/powerpoint/2010/main" val="1854510405"/>
       </p:ext>
     </p:extLst>
   </p:cSld>
@@ -5043,8 +4819,8 @@
               <a:buNone/>
             </a:pPr>
             <a:r>
-              <a:rPr lang="en-US" sz="3000" dirty="0" smtClean="0"/>
-              <a:t>Restaurant Management System with Voice Assistant</a:t>
+              <a:rPr lang="en-US" sz="3000" dirty="0"/>
+              <a:t>Banking System</a:t>
             </a:r>
             <a:endParaRPr sz="3000" dirty="0"/>
           </a:p>
@@ -5247,8 +5023,8 @@
               <a:buNone/>
             </a:pPr>
             <a:r>
-              <a:rPr lang="en" sz="4200" dirty="0" smtClean="0"/>
-              <a:t>SmartPanda</a:t>
+              <a:rPr lang="en" sz="4200" dirty="0"/>
+              <a:t>Father’s Bank</a:t>
             </a:r>
             <a:endParaRPr sz="4200" dirty="0"/>
           </a:p>
@@ -5262,17 +5038,917 @@
   <p:transition spd="slow">
     <p:wipe/>
   </p:transition>
-  <p:timing>
-    <p:tnLst>
-      <p:par>
-        <p:cTn id="1" dur="indefinite" restart="never" nodeType="tmRoot"/>
-      </p:par>
-    </p:tnLst>
-  </p:timing>
 </p:sld>
 </file>
 
 <file path=ppt/slides/slide10.xml><?xml version="1.0" encoding="utf-8"?>
+<p:sld xmlns:a="http://schemas.openxmlformats.org/drawingml/2006/main" xmlns:r="http://schemas.openxmlformats.org/officeDocument/2006/relationships" xmlns:p="http://schemas.openxmlformats.org/presentationml/2006/main">
+  <p:cSld>
+    <p:bg>
+      <p:bgPr>
+        <a:solidFill>
+          <a:schemeClr val="dk2"/>
+        </a:solidFill>
+        <a:effectLst/>
+      </p:bgPr>
+    </p:bg>
+    <p:spTree>
+      <p:nvGrpSpPr>
+        <p:cNvPr id="1" name="Shape 490"/>
+        <p:cNvGrpSpPr/>
+        <p:nvPr/>
+      </p:nvGrpSpPr>
+      <p:grpSpPr>
+        <a:xfrm>
+          <a:off x="0" y="0"/>
+          <a:ext cx="0" cy="0"/>
+          <a:chOff x="0" y="0"/>
+          <a:chExt cx="0" cy="0"/>
+        </a:xfrm>
+      </p:grpSpPr>
+      <p:sp>
+        <p:nvSpPr>
+          <p:cNvPr id="15" name="Google Shape;494;p50"/>
+          <p:cNvSpPr txBox="1">
+            <a:spLocks noGrp="1"/>
+          </p:cNvSpPr>
+          <p:nvPr>
+            <p:ph type="title"/>
+          </p:nvPr>
+        </p:nvSpPr>
+        <p:spPr>
+          <a:xfrm>
+            <a:off x="559133" y="1969024"/>
+            <a:ext cx="7704000" cy="572700"/>
+          </a:xfrm>
+          <a:prstGeom prst="rect">
+            <a:avLst/>
+          </a:prstGeom>
+        </p:spPr>
+        <p:txBody>
+          <a:bodyPr spcFirstLastPara="1" wrap="square" lIns="91425" tIns="91425" rIns="91425" bIns="91425" anchor="t" anchorCtr="0">
+            <a:noAutofit/>
+          </a:bodyPr>
+          <a:lstStyle/>
+          <a:p>
+            <a:pPr marL="0" lvl="0" indent="0" algn="ctr" rtl="0">
+              <a:spcBef>
+                <a:spcPts val="0"/>
+              </a:spcBef>
+              <a:spcAft>
+                <a:spcPts val="0"/>
+              </a:spcAft>
+              <a:buNone/>
+            </a:pPr>
+            <a:r>
+              <a:rPr lang="en-US" sz="4500" dirty="0">
+                <a:solidFill>
+                  <a:schemeClr val="bg1"/>
+                </a:solidFill>
+              </a:rPr>
+              <a:t>Thank you</a:t>
+            </a:r>
+            <a:endParaRPr sz="4500" dirty="0">
+              <a:solidFill>
+                <a:schemeClr val="bg1"/>
+              </a:solidFill>
+            </a:endParaRPr>
+          </a:p>
+        </p:txBody>
+      </p:sp>
+    </p:spTree>
+    <p:extLst>
+      <p:ext uri="{BB962C8B-B14F-4D97-AF65-F5344CB8AC3E}">
+        <p14:creationId xmlns:p14="http://schemas.microsoft.com/office/powerpoint/2010/main" val="502208486"/>
+      </p:ext>
+    </p:extLst>
+  </p:cSld>
+  <p:clrMapOvr>
+    <a:masterClrMapping/>
+  </p:clrMapOvr>
+</p:sld>
+</file>
+
+<file path=ppt/slides/slide2.xml><?xml version="1.0" encoding="utf-8"?>
+<p:sld xmlns:a="http://schemas.openxmlformats.org/drawingml/2006/main" xmlns:r="http://schemas.openxmlformats.org/officeDocument/2006/relationships" xmlns:p="http://schemas.openxmlformats.org/presentationml/2006/main">
+  <p:cSld>
+    <p:bg>
+      <p:bgPr>
+        <a:solidFill>
+          <a:schemeClr val="dk2"/>
+        </a:solidFill>
+        <a:effectLst/>
+      </p:bgPr>
+    </p:bg>
+    <p:spTree>
+      <p:nvGrpSpPr>
+        <p:cNvPr id="1" name="Shape 490"/>
+        <p:cNvGrpSpPr/>
+        <p:nvPr/>
+      </p:nvGrpSpPr>
+      <p:grpSpPr>
+        <a:xfrm>
+          <a:off x="0" y="0"/>
+          <a:ext cx="0" cy="0"/>
+          <a:chOff x="0" y="0"/>
+          <a:chExt cx="0" cy="0"/>
+        </a:xfrm>
+      </p:grpSpPr>
+      <p:sp>
+        <p:nvSpPr>
+          <p:cNvPr id="15" name="Google Shape;494;p50"/>
+          <p:cNvSpPr txBox="1">
+            <a:spLocks noGrp="1"/>
+          </p:cNvSpPr>
+          <p:nvPr>
+            <p:ph type="title"/>
+          </p:nvPr>
+        </p:nvSpPr>
+        <p:spPr>
+          <a:xfrm>
+            <a:off x="569821" y="416431"/>
+            <a:ext cx="7704000" cy="850237"/>
+          </a:xfrm>
+          <a:prstGeom prst="rect">
+            <a:avLst/>
+          </a:prstGeom>
+        </p:spPr>
+        <p:txBody>
+          <a:bodyPr spcFirstLastPara="1" wrap="square" lIns="91425" tIns="91425" rIns="91425" bIns="91425" anchor="t" anchorCtr="0">
+            <a:noAutofit/>
+          </a:bodyPr>
+          <a:lstStyle/>
+          <a:p>
+            <a:pPr marL="0" lvl="0" indent="0" algn="ctr" rtl="0">
+              <a:spcBef>
+                <a:spcPts val="0"/>
+              </a:spcBef>
+              <a:spcAft>
+                <a:spcPts val="0"/>
+              </a:spcAft>
+              <a:buNone/>
+            </a:pPr>
+            <a:r>
+              <a:rPr lang="en-US" sz="4500" dirty="0">
+                <a:solidFill>
+                  <a:schemeClr val="bg1"/>
+                </a:solidFill>
+              </a:rPr>
+              <a:t>Team #04 </a:t>
+            </a:r>
+            <a:endParaRPr sz="4500" dirty="0">
+              <a:solidFill>
+                <a:schemeClr val="bg1"/>
+              </a:solidFill>
+            </a:endParaRPr>
+          </a:p>
+        </p:txBody>
+      </p:sp>
+      <p:sp>
+        <p:nvSpPr>
+          <p:cNvPr id="30" name="Google Shape;432;p44"/>
+          <p:cNvSpPr txBox="1">
+            <a:spLocks/>
+          </p:cNvSpPr>
+          <p:nvPr/>
+        </p:nvSpPr>
+        <p:spPr>
+          <a:xfrm>
+            <a:off x="985012" y="1209900"/>
+            <a:ext cx="7184627" cy="3639418"/>
+          </a:xfrm>
+          <a:prstGeom prst="rect">
+            <a:avLst/>
+          </a:prstGeom>
+        </p:spPr>
+        <p:txBody>
+          <a:bodyPr spcFirstLastPara="1" wrap="square" lIns="91425" tIns="91425" rIns="91425" bIns="91425" anchor="t" anchorCtr="0">
+            <a:noAutofit/>
+          </a:bodyPr>
+          <a:lstStyle>
+            <a:defPPr marR="0" lvl="0" algn="l" rtl="0">
+              <a:lnSpc>
+                <a:spcPct val="100000"/>
+              </a:lnSpc>
+              <a:spcBef>
+                <a:spcPts val="0"/>
+              </a:spcBef>
+              <a:spcAft>
+                <a:spcPts val="0"/>
+              </a:spcAft>
+            </a:defPPr>
+            <a:lvl1pPr marR="0" lvl="0" algn="l" rtl="0">
+              <a:lnSpc>
+                <a:spcPct val="100000"/>
+              </a:lnSpc>
+              <a:spcBef>
+                <a:spcPts val="0"/>
+              </a:spcBef>
+              <a:spcAft>
+                <a:spcPts val="0"/>
+              </a:spcAft>
+              <a:buClr>
+                <a:srgbClr val="000000"/>
+              </a:buClr>
+              <a:buFont typeface="Arial"/>
+              <a:defRPr sz="1400" b="0" i="0" u="none" strike="noStrike" cap="none">
+                <a:solidFill>
+                  <a:srgbClr val="000000"/>
+                </a:solidFill>
+                <a:latin typeface="Arial"/>
+                <a:ea typeface="Arial"/>
+                <a:cs typeface="Arial"/>
+                <a:sym typeface="Arial"/>
+              </a:defRPr>
+            </a:lvl1pPr>
+            <a:lvl2pPr marR="0" lvl="1" algn="l" rtl="0">
+              <a:lnSpc>
+                <a:spcPct val="100000"/>
+              </a:lnSpc>
+              <a:spcBef>
+                <a:spcPts val="0"/>
+              </a:spcBef>
+              <a:spcAft>
+                <a:spcPts val="0"/>
+              </a:spcAft>
+              <a:buClr>
+                <a:srgbClr val="000000"/>
+              </a:buClr>
+              <a:buFont typeface="Arial"/>
+              <a:defRPr sz="1400" b="0" i="0" u="none" strike="noStrike" cap="none">
+                <a:solidFill>
+                  <a:srgbClr val="000000"/>
+                </a:solidFill>
+                <a:latin typeface="Arial"/>
+                <a:ea typeface="Arial"/>
+                <a:cs typeface="Arial"/>
+                <a:sym typeface="Arial"/>
+              </a:defRPr>
+            </a:lvl2pPr>
+            <a:lvl3pPr marR="0" lvl="2" algn="l" rtl="0">
+              <a:lnSpc>
+                <a:spcPct val="100000"/>
+              </a:lnSpc>
+              <a:spcBef>
+                <a:spcPts val="0"/>
+              </a:spcBef>
+              <a:spcAft>
+                <a:spcPts val="0"/>
+              </a:spcAft>
+              <a:buClr>
+                <a:srgbClr val="000000"/>
+              </a:buClr>
+              <a:buFont typeface="Arial"/>
+              <a:defRPr sz="1400" b="0" i="0" u="none" strike="noStrike" cap="none">
+                <a:solidFill>
+                  <a:srgbClr val="000000"/>
+                </a:solidFill>
+                <a:latin typeface="Arial"/>
+                <a:ea typeface="Arial"/>
+                <a:cs typeface="Arial"/>
+                <a:sym typeface="Arial"/>
+              </a:defRPr>
+            </a:lvl3pPr>
+            <a:lvl4pPr marR="0" lvl="3" algn="l" rtl="0">
+              <a:lnSpc>
+                <a:spcPct val="100000"/>
+              </a:lnSpc>
+              <a:spcBef>
+                <a:spcPts val="0"/>
+              </a:spcBef>
+              <a:spcAft>
+                <a:spcPts val="0"/>
+              </a:spcAft>
+              <a:buClr>
+                <a:srgbClr val="000000"/>
+              </a:buClr>
+              <a:buFont typeface="Arial"/>
+              <a:defRPr sz="1400" b="0" i="0" u="none" strike="noStrike" cap="none">
+                <a:solidFill>
+                  <a:srgbClr val="000000"/>
+                </a:solidFill>
+                <a:latin typeface="Arial"/>
+                <a:ea typeface="Arial"/>
+                <a:cs typeface="Arial"/>
+                <a:sym typeface="Arial"/>
+              </a:defRPr>
+            </a:lvl4pPr>
+            <a:lvl5pPr marR="0" lvl="4" algn="l" rtl="0">
+              <a:lnSpc>
+                <a:spcPct val="100000"/>
+              </a:lnSpc>
+              <a:spcBef>
+                <a:spcPts val="0"/>
+              </a:spcBef>
+              <a:spcAft>
+                <a:spcPts val="0"/>
+              </a:spcAft>
+              <a:buClr>
+                <a:srgbClr val="000000"/>
+              </a:buClr>
+              <a:buFont typeface="Arial"/>
+              <a:defRPr sz="1400" b="0" i="0" u="none" strike="noStrike" cap="none">
+                <a:solidFill>
+                  <a:srgbClr val="000000"/>
+                </a:solidFill>
+                <a:latin typeface="Arial"/>
+                <a:ea typeface="Arial"/>
+                <a:cs typeface="Arial"/>
+                <a:sym typeface="Arial"/>
+              </a:defRPr>
+            </a:lvl5pPr>
+            <a:lvl6pPr marR="0" lvl="5" algn="l" rtl="0">
+              <a:lnSpc>
+                <a:spcPct val="100000"/>
+              </a:lnSpc>
+              <a:spcBef>
+                <a:spcPts val="0"/>
+              </a:spcBef>
+              <a:spcAft>
+                <a:spcPts val="0"/>
+              </a:spcAft>
+              <a:buClr>
+                <a:srgbClr val="000000"/>
+              </a:buClr>
+              <a:buFont typeface="Arial"/>
+              <a:defRPr sz="1400" b="0" i="0" u="none" strike="noStrike" cap="none">
+                <a:solidFill>
+                  <a:srgbClr val="000000"/>
+                </a:solidFill>
+                <a:latin typeface="Arial"/>
+                <a:ea typeface="Arial"/>
+                <a:cs typeface="Arial"/>
+                <a:sym typeface="Arial"/>
+              </a:defRPr>
+            </a:lvl6pPr>
+            <a:lvl7pPr marR="0" lvl="6" algn="l" rtl="0">
+              <a:lnSpc>
+                <a:spcPct val="100000"/>
+              </a:lnSpc>
+              <a:spcBef>
+                <a:spcPts val="0"/>
+              </a:spcBef>
+              <a:spcAft>
+                <a:spcPts val="0"/>
+              </a:spcAft>
+              <a:buClr>
+                <a:srgbClr val="000000"/>
+              </a:buClr>
+              <a:buFont typeface="Arial"/>
+              <a:defRPr sz="1400" b="0" i="0" u="none" strike="noStrike" cap="none">
+                <a:solidFill>
+                  <a:srgbClr val="000000"/>
+                </a:solidFill>
+                <a:latin typeface="Arial"/>
+                <a:ea typeface="Arial"/>
+                <a:cs typeface="Arial"/>
+                <a:sym typeface="Arial"/>
+              </a:defRPr>
+            </a:lvl7pPr>
+            <a:lvl8pPr marR="0" lvl="7" algn="l" rtl="0">
+              <a:lnSpc>
+                <a:spcPct val="100000"/>
+              </a:lnSpc>
+              <a:spcBef>
+                <a:spcPts val="0"/>
+              </a:spcBef>
+              <a:spcAft>
+                <a:spcPts val="0"/>
+              </a:spcAft>
+              <a:buClr>
+                <a:srgbClr val="000000"/>
+              </a:buClr>
+              <a:buFont typeface="Arial"/>
+              <a:defRPr sz="1400" b="0" i="0" u="none" strike="noStrike" cap="none">
+                <a:solidFill>
+                  <a:srgbClr val="000000"/>
+                </a:solidFill>
+                <a:latin typeface="Arial"/>
+                <a:ea typeface="Arial"/>
+                <a:cs typeface="Arial"/>
+                <a:sym typeface="Arial"/>
+              </a:defRPr>
+            </a:lvl8pPr>
+            <a:lvl9pPr marR="0" lvl="8" algn="l" rtl="0">
+              <a:lnSpc>
+                <a:spcPct val="100000"/>
+              </a:lnSpc>
+              <a:spcBef>
+                <a:spcPts val="0"/>
+              </a:spcBef>
+              <a:spcAft>
+                <a:spcPts val="0"/>
+              </a:spcAft>
+              <a:buClr>
+                <a:srgbClr val="000000"/>
+              </a:buClr>
+              <a:buFont typeface="Arial"/>
+              <a:defRPr sz="1400" b="0" i="0" u="none" strike="noStrike" cap="none">
+                <a:solidFill>
+                  <a:srgbClr val="000000"/>
+                </a:solidFill>
+                <a:latin typeface="Arial"/>
+                <a:ea typeface="Arial"/>
+                <a:cs typeface="Arial"/>
+                <a:sym typeface="Arial"/>
+              </a:defRPr>
+            </a:lvl9pPr>
+          </a:lstStyle>
+          <a:p>
+            <a:pPr marL="285750" indent="-285750">
+              <a:lnSpc>
+                <a:spcPct val="150000"/>
+              </a:lnSpc>
+              <a:buClrTx/>
+              <a:buFont typeface="Wingdings" panose="05000000000000000000" pitchFamily="2" charset="2"/>
+              <a:buChar char="q"/>
+            </a:pPr>
+            <a:r>
+              <a:rPr lang="en-GB" sz="2400" dirty="0">
+                <a:latin typeface="Bookman Old Style" panose="02050604050505020204" pitchFamily="18" charset="0"/>
+                <a:ea typeface="Calibri" panose="020F0502020204030204" pitchFamily="34" charset="0"/>
+                <a:cs typeface="Calibri" panose="020F0502020204030204" pitchFamily="34" charset="0"/>
+              </a:rPr>
+              <a:t>Hosen </a:t>
+            </a:r>
+            <a:r>
+              <a:rPr lang="en-GB" sz="2400" dirty="0" err="1">
+                <a:latin typeface="Bookman Old Style" panose="02050604050505020204" pitchFamily="18" charset="0"/>
+                <a:ea typeface="Calibri" panose="020F0502020204030204" pitchFamily="34" charset="0"/>
+                <a:cs typeface="Calibri" panose="020F0502020204030204" pitchFamily="34" charset="0"/>
+              </a:rPr>
+              <a:t>Md</a:t>
+            </a:r>
+            <a:r>
+              <a:rPr lang="en-GB" sz="2400" dirty="0">
+                <a:latin typeface="Bookman Old Style" panose="02050604050505020204" pitchFamily="18" charset="0"/>
+                <a:ea typeface="Calibri" panose="020F0502020204030204" pitchFamily="34" charset="0"/>
+                <a:cs typeface="Calibri" panose="020F0502020204030204" pitchFamily="34" charset="0"/>
+              </a:rPr>
+              <a:t> Anwar (20243204)</a:t>
+            </a:r>
+          </a:p>
+          <a:p>
+            <a:pPr marL="285750" indent="-285750">
+              <a:lnSpc>
+                <a:spcPct val="150000"/>
+              </a:lnSpc>
+              <a:buClrTx/>
+              <a:buFont typeface="Wingdings" panose="05000000000000000000" pitchFamily="2" charset="2"/>
+              <a:buChar char="q"/>
+            </a:pPr>
+            <a:r>
+              <a:rPr lang="en-GB" sz="2400" dirty="0">
+                <a:latin typeface="Bookman Old Style" panose="02050604050505020204" pitchFamily="18" charset="0"/>
+                <a:ea typeface="Calibri" panose="020F0502020204030204" pitchFamily="34" charset="0"/>
+                <a:cs typeface="Calibri" panose="020F0502020204030204" pitchFamily="34" charset="0"/>
+              </a:rPr>
+              <a:t>Hossain Md Arafat (20243215)</a:t>
+            </a:r>
+          </a:p>
+          <a:p>
+            <a:pPr marL="285750" indent="-285750">
+              <a:lnSpc>
+                <a:spcPct val="150000"/>
+              </a:lnSpc>
+              <a:buClrTx/>
+              <a:buFont typeface="Wingdings" panose="05000000000000000000" pitchFamily="2" charset="2"/>
+              <a:buChar char="q"/>
+            </a:pPr>
+            <a:r>
+              <a:rPr lang="en-GB" sz="2400" dirty="0">
+                <a:latin typeface="Bookman Old Style" panose="02050604050505020204" pitchFamily="18" charset="0"/>
+                <a:ea typeface="Calibri" panose="020F0502020204030204" pitchFamily="34" charset="0"/>
+                <a:cs typeface="Calibri" panose="020F0502020204030204" pitchFamily="34" charset="0"/>
+              </a:rPr>
+              <a:t>Md Shoheb Islam (20243202)</a:t>
+            </a:r>
+          </a:p>
+          <a:p>
+            <a:pPr marL="285750" indent="-285750">
+              <a:lnSpc>
+                <a:spcPct val="150000"/>
+              </a:lnSpc>
+              <a:buClrTx/>
+              <a:buFont typeface="Wingdings" panose="05000000000000000000" pitchFamily="2" charset="2"/>
+              <a:buChar char="q"/>
+            </a:pPr>
+            <a:r>
+              <a:rPr lang="en-GB" sz="2400" dirty="0">
+                <a:latin typeface="Bookman Old Style" panose="02050604050505020204" pitchFamily="18" charset="0"/>
+                <a:ea typeface="Calibri" panose="020F0502020204030204" pitchFamily="34" charset="0"/>
+                <a:cs typeface="Calibri" panose="020F0502020204030204" pitchFamily="34" charset="0"/>
+              </a:rPr>
+              <a:t>Islam </a:t>
+            </a:r>
+            <a:r>
+              <a:rPr lang="en-GB" sz="2400" dirty="0" err="1">
+                <a:latin typeface="Bookman Old Style" panose="02050604050505020204" pitchFamily="18" charset="0"/>
+                <a:ea typeface="Calibri" panose="020F0502020204030204" pitchFamily="34" charset="0"/>
+                <a:cs typeface="Calibri" panose="020F0502020204030204" pitchFamily="34" charset="0"/>
+              </a:rPr>
+              <a:t>Taohidul</a:t>
+            </a:r>
+            <a:r>
+              <a:rPr lang="en-GB" sz="2400" dirty="0">
+                <a:latin typeface="Bookman Old Style" panose="02050604050505020204" pitchFamily="18" charset="0"/>
+                <a:ea typeface="Calibri" panose="020F0502020204030204" pitchFamily="34" charset="0"/>
+                <a:cs typeface="Calibri" panose="020F0502020204030204" pitchFamily="34" charset="0"/>
+              </a:rPr>
+              <a:t> (20243225)</a:t>
+            </a:r>
+          </a:p>
+          <a:p>
+            <a:pPr marL="285750" indent="-285750">
+              <a:lnSpc>
+                <a:spcPct val="150000"/>
+              </a:lnSpc>
+              <a:buClrTx/>
+              <a:buFont typeface="Wingdings" panose="05000000000000000000" pitchFamily="2" charset="2"/>
+              <a:buChar char="q"/>
+            </a:pPr>
+            <a:r>
+              <a:rPr lang="en-GB" sz="2400" dirty="0" err="1">
+                <a:latin typeface="Bookman Old Style" panose="02050604050505020204" pitchFamily="18" charset="0"/>
+                <a:ea typeface="Calibri" panose="020F0502020204030204" pitchFamily="34" charset="0"/>
+                <a:cs typeface="Calibri" panose="020F0502020204030204" pitchFamily="34" charset="0"/>
+              </a:rPr>
+              <a:t>Bahronov</a:t>
+            </a:r>
+            <a:r>
+              <a:rPr lang="en-GB" sz="2400" dirty="0">
+                <a:latin typeface="Bookman Old Style" panose="02050604050505020204" pitchFamily="18" charset="0"/>
+                <a:ea typeface="Calibri" panose="020F0502020204030204" pitchFamily="34" charset="0"/>
+                <a:cs typeface="Calibri" panose="020F0502020204030204" pitchFamily="34" charset="0"/>
+              </a:rPr>
+              <a:t> Javohir Bakhtiyor Ugli (20243289)</a:t>
+            </a:r>
+          </a:p>
+          <a:p>
+            <a:pPr marL="285750" indent="-285750">
+              <a:lnSpc>
+                <a:spcPct val="150000"/>
+              </a:lnSpc>
+              <a:buClrTx/>
+              <a:buFont typeface="Wingdings" panose="05000000000000000000" pitchFamily="2" charset="2"/>
+              <a:buChar char="q"/>
+            </a:pPr>
+            <a:r>
+              <a:rPr lang="en-GB" sz="2400" dirty="0">
+                <a:latin typeface="Bookman Old Style" panose="02050604050505020204" pitchFamily="18" charset="0"/>
+                <a:ea typeface="Calibri" panose="020F0502020204030204" pitchFamily="34" charset="0"/>
+                <a:cs typeface="Calibri" panose="020F0502020204030204" pitchFamily="34" charset="0"/>
+              </a:rPr>
+              <a:t>Azad </a:t>
+            </a:r>
+            <a:r>
+              <a:rPr lang="en-GB" sz="2400" dirty="0" err="1">
+                <a:latin typeface="Bookman Old Style" panose="02050604050505020204" pitchFamily="18" charset="0"/>
+                <a:ea typeface="Calibri" panose="020F0502020204030204" pitchFamily="34" charset="0"/>
+                <a:cs typeface="Calibri" panose="020F0502020204030204" pitchFamily="34" charset="0"/>
+              </a:rPr>
+              <a:t>Al-Rafi</a:t>
+            </a:r>
+            <a:r>
+              <a:rPr lang="en-GB" sz="2400" dirty="0">
+                <a:latin typeface="Bookman Old Style" panose="02050604050505020204" pitchFamily="18" charset="0"/>
+                <a:ea typeface="Calibri" panose="020F0502020204030204" pitchFamily="34" charset="0"/>
+                <a:cs typeface="Calibri" panose="020F0502020204030204" pitchFamily="34" charset="0"/>
+              </a:rPr>
+              <a:t> (20243233)</a:t>
+            </a:r>
+          </a:p>
+          <a:p>
+            <a:pPr marL="285750" indent="-285750">
+              <a:lnSpc>
+                <a:spcPct val="150000"/>
+              </a:lnSpc>
+              <a:buClrTx/>
+              <a:buFont typeface="Wingdings" panose="05000000000000000000" pitchFamily="2" charset="2"/>
+              <a:buChar char="q"/>
+            </a:pPr>
+            <a:endParaRPr lang="en-GB" sz="2400" dirty="0">
+              <a:latin typeface="Calibri" panose="020F0502020204030204" pitchFamily="34" charset="0"/>
+              <a:ea typeface="Calibri" panose="020F0502020204030204" pitchFamily="34" charset="0"/>
+              <a:cs typeface="Calibri" panose="020F0502020204030204" pitchFamily="34" charset="0"/>
+            </a:endParaRPr>
+          </a:p>
+        </p:txBody>
+      </p:sp>
+    </p:spTree>
+    <p:extLst>
+      <p:ext uri="{BB962C8B-B14F-4D97-AF65-F5344CB8AC3E}">
+        <p14:creationId xmlns:p14="http://schemas.microsoft.com/office/powerpoint/2010/main" val="3681773408"/>
+      </p:ext>
+    </p:extLst>
+  </p:cSld>
+  <p:clrMapOvr>
+    <a:masterClrMapping/>
+  </p:clrMapOvr>
+  <p:transition spd="med">
+    <p:pull/>
+  </p:transition>
+</p:sld>
+</file>
+
+<file path=ppt/slides/slide3.xml><?xml version="1.0" encoding="utf-8"?>
+<p:sld xmlns:a="http://schemas.openxmlformats.org/drawingml/2006/main" xmlns:r="http://schemas.openxmlformats.org/officeDocument/2006/relationships" xmlns:p="http://schemas.openxmlformats.org/presentationml/2006/main">
+  <p:cSld>
+    <p:spTree>
+      <p:nvGrpSpPr>
+        <p:cNvPr id="1" name="Shape 418"/>
+        <p:cNvGrpSpPr/>
+        <p:nvPr/>
+      </p:nvGrpSpPr>
+      <p:grpSpPr>
+        <a:xfrm>
+          <a:off x="0" y="0"/>
+          <a:ext cx="0" cy="0"/>
+          <a:chOff x="0" y="0"/>
+          <a:chExt cx="0" cy="0"/>
+        </a:xfrm>
+      </p:grpSpPr>
+      <p:sp>
+        <p:nvSpPr>
+          <p:cNvPr id="420" name="Google Shape;420;p43"/>
+          <p:cNvSpPr txBox="1">
+            <a:spLocks noGrp="1"/>
+          </p:cNvSpPr>
+          <p:nvPr>
+            <p:ph type="title"/>
+          </p:nvPr>
+        </p:nvSpPr>
+        <p:spPr>
+          <a:xfrm>
+            <a:off x="5411448" y="1326630"/>
+            <a:ext cx="3155611" cy="2408249"/>
+          </a:xfrm>
+          <a:prstGeom prst="rect">
+            <a:avLst/>
+          </a:prstGeom>
+        </p:spPr>
+        <p:txBody>
+          <a:bodyPr spcFirstLastPara="1" wrap="square" lIns="91425" tIns="91425" rIns="91425" bIns="91425" anchor="b" anchorCtr="0">
+            <a:noAutofit/>
+          </a:bodyPr>
+          <a:lstStyle/>
+          <a:p>
+            <a:pPr marL="0" lvl="0" indent="0" algn="r" rtl="0">
+              <a:spcBef>
+                <a:spcPts val="0"/>
+              </a:spcBef>
+              <a:spcAft>
+                <a:spcPts val="0"/>
+              </a:spcAft>
+              <a:buNone/>
+            </a:pPr>
+            <a:r>
+              <a:rPr lang="en-US" sz="3500" dirty="0"/>
+              <a:t>User </a:t>
+            </a:r>
+            <a:br>
+              <a:rPr lang="en-US" sz="3500" dirty="0"/>
+            </a:br>
+            <a:r>
+              <a:rPr lang="en-US" sz="3500" dirty="0">
+                <a:solidFill>
+                  <a:schemeClr val="bg1"/>
+                </a:solidFill>
+              </a:rPr>
+              <a:t>Registration</a:t>
+            </a:r>
+            <a:r>
+              <a:rPr lang="en-US" sz="3500" dirty="0"/>
+              <a:t> </a:t>
+            </a:r>
+            <a:br>
+              <a:rPr lang="en-US" sz="3500" dirty="0"/>
+            </a:br>
+            <a:endParaRPr sz="3500" dirty="0"/>
+          </a:p>
+        </p:txBody>
+      </p:sp>
+      <p:grpSp>
+        <p:nvGrpSpPr>
+          <p:cNvPr id="421" name="Google Shape;421;p43"/>
+          <p:cNvGrpSpPr/>
+          <p:nvPr/>
+        </p:nvGrpSpPr>
+        <p:grpSpPr>
+          <a:xfrm>
+            <a:off x="181160" y="508623"/>
+            <a:ext cx="8385900" cy="90900"/>
+            <a:chOff x="160950" y="480600"/>
+            <a:chExt cx="8385900" cy="90900"/>
+          </a:xfrm>
+        </p:grpSpPr>
+        <p:cxnSp>
+          <p:nvCxnSpPr>
+            <p:cNvPr id="422" name="Google Shape;422;p43"/>
+            <p:cNvCxnSpPr/>
+            <p:nvPr/>
+          </p:nvCxnSpPr>
+          <p:spPr>
+            <a:xfrm>
+              <a:off x="160950" y="571500"/>
+              <a:ext cx="8385900" cy="0"/>
+            </a:xfrm>
+            <a:prstGeom prst="straightConnector1">
+              <a:avLst/>
+            </a:prstGeom>
+            <a:noFill/>
+            <a:ln w="9525" cap="flat" cmpd="sng">
+              <a:solidFill>
+                <a:schemeClr val="lt1"/>
+              </a:solidFill>
+              <a:prstDash val="solid"/>
+              <a:round/>
+              <a:headEnd type="none" w="med" len="med"/>
+              <a:tailEnd type="none" w="med" len="med"/>
+            </a:ln>
+          </p:spPr>
+        </p:cxnSp>
+        <p:sp>
+          <p:nvSpPr>
+            <p:cNvPr id="423" name="Google Shape;423;p43"/>
+            <p:cNvSpPr/>
+            <p:nvPr/>
+          </p:nvSpPr>
+          <p:spPr>
+            <a:xfrm>
+              <a:off x="8041650" y="480600"/>
+              <a:ext cx="505200" cy="90900"/>
+            </a:xfrm>
+            <a:prstGeom prst="rect">
+              <a:avLst/>
+            </a:prstGeom>
+            <a:solidFill>
+              <a:schemeClr val="lt1"/>
+            </a:solidFill>
+            <a:ln>
+              <a:noFill/>
+            </a:ln>
+          </p:spPr>
+          <p:txBody>
+            <a:bodyPr spcFirstLastPara="1" wrap="square" lIns="91425" tIns="91425" rIns="91425" bIns="91425" anchor="ctr" anchorCtr="0">
+              <a:noAutofit/>
+            </a:bodyPr>
+            <a:lstStyle/>
+            <a:p>
+              <a:pPr marL="0" lvl="0" indent="0" algn="l" rtl="0">
+                <a:spcBef>
+                  <a:spcPts val="0"/>
+                </a:spcBef>
+                <a:spcAft>
+                  <a:spcPts val="0"/>
+                </a:spcAft>
+                <a:buNone/>
+              </a:pPr>
+              <a:endParaRPr/>
+            </a:p>
+          </p:txBody>
+        </p:sp>
+      </p:grpSp>
+      <p:grpSp>
+        <p:nvGrpSpPr>
+          <p:cNvPr id="424" name="Google Shape;424;p43"/>
+          <p:cNvGrpSpPr/>
+          <p:nvPr/>
+        </p:nvGrpSpPr>
+        <p:grpSpPr>
+          <a:xfrm>
+            <a:off x="1113520" y="156298"/>
+            <a:ext cx="90900" cy="3697200"/>
+            <a:chOff x="1113520" y="156298"/>
+            <a:chExt cx="90900" cy="3697200"/>
+          </a:xfrm>
+        </p:grpSpPr>
+        <p:sp>
+          <p:nvSpPr>
+            <p:cNvPr id="425" name="Google Shape;425;p43"/>
+            <p:cNvSpPr/>
+            <p:nvPr/>
+          </p:nvSpPr>
+          <p:spPr>
+            <a:xfrm rot="-5400000">
+              <a:off x="906370" y="3555448"/>
+              <a:ext cx="505200" cy="90900"/>
+            </a:xfrm>
+            <a:prstGeom prst="rect">
+              <a:avLst/>
+            </a:prstGeom>
+            <a:solidFill>
+              <a:schemeClr val="lt1"/>
+            </a:solidFill>
+            <a:ln>
+              <a:noFill/>
+            </a:ln>
+          </p:spPr>
+          <p:txBody>
+            <a:bodyPr spcFirstLastPara="1" wrap="square" lIns="91425" tIns="91425" rIns="91425" bIns="91425" anchor="ctr" anchorCtr="0">
+              <a:noAutofit/>
+            </a:bodyPr>
+            <a:lstStyle/>
+            <a:p>
+              <a:pPr marL="0" lvl="0" indent="0" algn="l" rtl="0">
+                <a:spcBef>
+                  <a:spcPts val="0"/>
+                </a:spcBef>
+                <a:spcAft>
+                  <a:spcPts val="0"/>
+                </a:spcAft>
+                <a:buNone/>
+              </a:pPr>
+              <a:endParaRPr/>
+            </a:p>
+          </p:txBody>
+        </p:sp>
+        <p:cxnSp>
+          <p:nvCxnSpPr>
+            <p:cNvPr id="426" name="Google Shape;426;p43"/>
+            <p:cNvCxnSpPr/>
+            <p:nvPr/>
+          </p:nvCxnSpPr>
+          <p:spPr>
+            <a:xfrm rot="10800000">
+              <a:off x="1121185" y="156298"/>
+              <a:ext cx="0" cy="3434700"/>
+            </a:xfrm>
+            <a:prstGeom prst="straightConnector1">
+              <a:avLst/>
+            </a:prstGeom>
+            <a:noFill/>
+            <a:ln w="9525" cap="flat" cmpd="sng">
+              <a:solidFill>
+                <a:schemeClr val="lt1"/>
+              </a:solidFill>
+              <a:prstDash val="solid"/>
+              <a:round/>
+              <a:headEnd type="none" w="med" len="med"/>
+              <a:tailEnd type="none" w="med" len="med"/>
+            </a:ln>
+          </p:spPr>
+        </p:cxnSp>
+      </p:grpSp>
+      <p:pic>
+        <p:nvPicPr>
+          <p:cNvPr id="2" name="Picture 1"/>
+          <p:cNvPicPr>
+            <a:picLocks noChangeAspect="1"/>
+          </p:cNvPicPr>
+          <p:nvPr/>
+        </p:nvPicPr>
+        <p:blipFill>
+          <a:blip r:embed="rId3"/>
+          <a:srcRect/>
+          <a:stretch/>
+        </p:blipFill>
+        <p:spPr>
+          <a:xfrm>
+            <a:off x="1113519" y="1484029"/>
+            <a:ext cx="4231372" cy="2780672"/>
+          </a:xfrm>
+          <a:prstGeom prst="rect">
+            <a:avLst/>
+          </a:prstGeom>
+          <a:ln w="127000" cap="rnd">
+            <a:solidFill>
+              <a:srgbClr val="FFFFFF"/>
+            </a:solidFill>
+          </a:ln>
+          <a:effectLst>
+            <a:outerShdw blurRad="76200" dist="95250" dir="10500000" sx="97000" sy="23000" kx="900000" algn="br" rotWithShape="0">
+              <a:srgbClr val="000000">
+                <a:alpha val="20000"/>
+              </a:srgbClr>
+            </a:outerShdw>
+          </a:effectLst>
+          <a:scene3d>
+            <a:camera prst="orthographicFront"/>
+            <a:lightRig rig="twoPt" dir="t">
+              <a:rot lat="0" lon="0" rev="7800000"/>
+            </a:lightRig>
+          </a:scene3d>
+          <a:sp3d contourW="6350">
+            <a:bevelT w="50800" h="16510"/>
+            <a:contourClr>
+              <a:srgbClr val="C0C0C0"/>
+            </a:contourClr>
+          </a:sp3d>
+        </p:spPr>
+      </p:pic>
+    </p:spTree>
+  </p:cSld>
+  <p:clrMapOvr>
+    <a:masterClrMapping/>
+  </p:clrMapOvr>
+  <p:transition spd="med">
+    <p:pull/>
+  </p:transition>
+</p:sld>
+</file>
+
+<file path=ppt/slides/slide4.xml><?xml version="1.0" encoding="utf-8"?>
 <p:sld xmlns:a="http://schemas.openxmlformats.org/drawingml/2006/main" xmlns:r="http://schemas.openxmlformats.org/officeDocument/2006/relationships" xmlns:p="http://schemas.openxmlformats.org/presentationml/2006/main">
   <p:cSld>
     <p:spTree>
@@ -5301,8 +5977,8 @@
         </p:nvSpPr>
         <p:spPr>
           <a:xfrm>
-            <a:off x="303784" y="1548198"/>
-            <a:ext cx="3012503" cy="1282500"/>
+            <a:off x="576156" y="1558098"/>
+            <a:ext cx="2873975" cy="2116850"/>
           </a:xfrm>
           <a:prstGeom prst="rect">
             <a:avLst/>
@@ -5324,152 +6000,27 @@
               <a:buNone/>
             </a:pPr>
             <a:r>
-              <a:rPr lang="en-US" sz="3000" dirty="0" smtClean="0"/>
-              <a:t>Voice Assistant</a:t>
+              <a:rPr lang="en-US" sz="3000" dirty="0"/>
+              <a:t>Users </a:t>
             </a:r>
             <a:br>
-              <a:rPr lang="en-US" sz="3000" dirty="0" smtClean="0"/>
+              <a:rPr lang="en-US" sz="3000" dirty="0"/>
             </a:br>
             <a:r>
-              <a:rPr lang="en-US" sz="3000" dirty="0" smtClean="0"/>
-              <a:t>for </a:t>
+              <a:rPr lang="en-US" sz="3000" dirty="0"/>
+              <a:t>Login</a:t>
             </a:r>
             <a:br>
-              <a:rPr lang="en-US" sz="3000" dirty="0" smtClean="0"/>
+              <a:rPr lang="en-US" sz="3000" dirty="0"/>
             </a:br>
             <a:r>
-              <a:rPr lang="en-US" sz="3000" dirty="0" smtClean="0"/>
-              <a:t>Guiding User</a:t>
+              <a:rPr lang="en-US" sz="3000" dirty="0"/>
+              <a:t>System </a:t>
             </a:r>
+            <a:br>
+              <a:rPr lang="en-US" sz="3000" dirty="0"/>
+            </a:br>
             <a:endParaRPr sz="3000" dirty="0"/>
-          </a:p>
-        </p:txBody>
-      </p:sp>
-      <p:sp>
-        <p:nvSpPr>
-          <p:cNvPr id="432" name="Google Shape;432;p44"/>
-          <p:cNvSpPr txBox="1">
-            <a:spLocks noGrp="1"/>
-          </p:cNvSpPr>
-          <p:nvPr>
-            <p:ph type="subTitle" idx="1"/>
-          </p:nvPr>
-        </p:nvSpPr>
-        <p:spPr>
-          <a:xfrm>
-            <a:off x="303784" y="2791196"/>
-            <a:ext cx="4360200" cy="403800"/>
-          </a:xfrm>
-          <a:prstGeom prst="rect">
-            <a:avLst/>
-          </a:prstGeom>
-        </p:spPr>
-        <p:txBody>
-          <a:bodyPr spcFirstLastPara="1" wrap="square" lIns="91425" tIns="91425" rIns="91425" bIns="91425" anchor="t" anchorCtr="0">
-            <a:noAutofit/>
-          </a:bodyPr>
-          <a:lstStyle/>
-          <a:p>
-            <a:pPr marL="285750" lvl="0" indent="-285750" algn="l" rtl="0">
-              <a:spcBef>
-                <a:spcPts val="0"/>
-              </a:spcBef>
-              <a:spcAft>
-                <a:spcPts val="0"/>
-              </a:spcAft>
-              <a:buClrTx/>
-              <a:buFont typeface="Wingdings" panose="05000000000000000000" pitchFamily="2" charset="2"/>
-              <a:buChar char="q"/>
-            </a:pPr>
-            <a:r>
-              <a:rPr lang="en-US" dirty="0" smtClean="0">
-                <a:latin typeface="Calibri" panose="020F0502020204030204" pitchFamily="34" charset="0"/>
-                <a:ea typeface="Calibri" panose="020F0502020204030204" pitchFamily="34" charset="0"/>
-                <a:cs typeface="Calibri" panose="020F0502020204030204" pitchFamily="34" charset="0"/>
-              </a:rPr>
-              <a:t>Redirecting to menu page</a:t>
-            </a:r>
-          </a:p>
-          <a:p>
-            <a:pPr marL="285750" indent="-285750">
-              <a:buClrTx/>
-              <a:buFont typeface="Wingdings" panose="05000000000000000000" pitchFamily="2" charset="2"/>
-              <a:buChar char="q"/>
-            </a:pPr>
-            <a:r>
-              <a:rPr lang="en-US" dirty="0">
-                <a:latin typeface="Calibri" panose="020F0502020204030204" pitchFamily="34" charset="0"/>
-                <a:ea typeface="Calibri" panose="020F0502020204030204" pitchFamily="34" charset="0"/>
-                <a:cs typeface="Calibri" panose="020F0502020204030204" pitchFamily="34" charset="0"/>
-              </a:rPr>
-              <a:t>Redirecting to </a:t>
-            </a:r>
-            <a:r>
-              <a:rPr lang="en-US" dirty="0" smtClean="0">
-                <a:latin typeface="Calibri" panose="020F0502020204030204" pitchFamily="34" charset="0"/>
-                <a:ea typeface="Calibri" panose="020F0502020204030204" pitchFamily="34" charset="0"/>
-                <a:cs typeface="Calibri" panose="020F0502020204030204" pitchFamily="34" charset="0"/>
-              </a:rPr>
-              <a:t>order page</a:t>
-            </a:r>
-          </a:p>
-          <a:p>
-            <a:pPr marL="285750" indent="-285750">
-              <a:buClrTx/>
-              <a:buFont typeface="Wingdings" panose="05000000000000000000" pitchFamily="2" charset="2"/>
-              <a:buChar char="q"/>
-            </a:pPr>
-            <a:r>
-              <a:rPr lang="en-US" dirty="0">
-                <a:latin typeface="Calibri" panose="020F0502020204030204" pitchFamily="34" charset="0"/>
-                <a:ea typeface="Calibri" panose="020F0502020204030204" pitchFamily="34" charset="0"/>
-                <a:cs typeface="Calibri" panose="020F0502020204030204" pitchFamily="34" charset="0"/>
-              </a:rPr>
-              <a:t>Redirecting to </a:t>
-            </a:r>
-            <a:r>
-              <a:rPr lang="en-US" dirty="0" smtClean="0">
-                <a:latin typeface="Calibri" panose="020F0502020204030204" pitchFamily="34" charset="0"/>
-                <a:ea typeface="Calibri" panose="020F0502020204030204" pitchFamily="34" charset="0"/>
-                <a:cs typeface="Calibri" panose="020F0502020204030204" pitchFamily="34" charset="0"/>
-              </a:rPr>
-              <a:t>my orders page</a:t>
-            </a:r>
-          </a:p>
-          <a:p>
-            <a:pPr marL="285750" indent="-285750">
-              <a:buClrTx/>
-              <a:buFont typeface="Wingdings" panose="05000000000000000000" pitchFamily="2" charset="2"/>
-              <a:buChar char="q"/>
-            </a:pPr>
-            <a:r>
-              <a:rPr lang="en-US" dirty="0" smtClean="0">
-                <a:latin typeface="Calibri" panose="020F0502020204030204" pitchFamily="34" charset="0"/>
-                <a:ea typeface="Calibri" panose="020F0502020204030204" pitchFamily="34" charset="0"/>
-                <a:cs typeface="Calibri" panose="020F0502020204030204" pitchFamily="34" charset="0"/>
-              </a:rPr>
-              <a:t>Redirecting to Update, and </a:t>
-            </a:r>
-          </a:p>
-          <a:p>
-            <a:pPr marL="285750" indent="-285750">
-              <a:buClrTx/>
-              <a:buFont typeface="Wingdings" panose="05000000000000000000" pitchFamily="2" charset="2"/>
-              <a:buChar char="q"/>
-            </a:pPr>
-            <a:r>
-              <a:rPr lang="en-US" dirty="0" smtClean="0">
-                <a:latin typeface="Calibri" panose="020F0502020204030204" pitchFamily="34" charset="0"/>
-                <a:ea typeface="Calibri" panose="020F0502020204030204" pitchFamily="34" charset="0"/>
-                <a:cs typeface="Calibri" panose="020F0502020204030204" pitchFamily="34" charset="0"/>
-              </a:rPr>
-              <a:t>Redirecting to Cancel order page</a:t>
-            </a:r>
-            <a:endParaRPr lang="en-US" dirty="0">
-              <a:latin typeface="Calibri" panose="020F0502020204030204" pitchFamily="34" charset="0"/>
-              <a:ea typeface="Calibri" panose="020F0502020204030204" pitchFamily="34" charset="0"/>
-              <a:cs typeface="Calibri" panose="020F0502020204030204" pitchFamily="34" charset="0"/>
-            </a:endParaRPr>
           </a:p>
         </p:txBody>
       </p:sp>
@@ -5645,37 +6196,48 @@
         </p:nvPicPr>
         <p:blipFill>
           <a:blip r:embed="rId3"/>
-          <a:stretch>
-            <a:fillRect/>
-          </a:stretch>
+          <a:stretch/>
         </p:blipFill>
         <p:spPr>
           <a:xfrm>
-            <a:off x="3316287" y="431276"/>
-            <a:ext cx="5116513" cy="4440232"/>
+            <a:off x="3692470" y="1235073"/>
+            <a:ext cx="4360200" cy="2389628"/>
           </a:xfrm>
           <a:prstGeom prst="roundRect">
             <a:avLst>
-              <a:gd name="adj" fmla="val 8594"/>
+              <a:gd name="adj" fmla="val 4167"/>
             </a:avLst>
           </a:prstGeom>
           <a:solidFill>
-            <a:srgbClr val="FFFFFF">
-              <a:shade val="85000"/>
-            </a:srgbClr>
+            <a:srgbClr val="FFFFFF"/>
           </a:solidFill>
-          <a:ln>
-            <a:noFill/>
+          <a:ln w="76200" cap="sq">
+            <a:solidFill>
+              <a:srgbClr val="EAEAEA"/>
+            </a:solidFill>
+            <a:miter lim="800000"/>
           </a:ln>
           <a:effectLst>
-            <a:reflection blurRad="12700" stA="38000" endPos="28000" dist="5000" dir="5400000" sy="-100000" algn="bl" rotWithShape="0"/>
+            <a:reflection blurRad="12700" stA="33000" endPos="28000" dist="5000" dir="5400000" sy="-100000" algn="bl" rotWithShape="0"/>
           </a:effectLst>
+          <a:scene3d>
+            <a:camera prst="orthographicFront"/>
+            <a:lightRig rig="threePt" dir="t">
+              <a:rot lat="0" lon="0" rev="2700000"/>
+            </a:lightRig>
+          </a:scene3d>
+          <a:sp3d contourW="6350">
+            <a:bevelT h="38100"/>
+            <a:contourClr>
+              <a:srgbClr val="C0C0C0"/>
+            </a:contourClr>
+          </a:sp3d>
         </p:spPr>
       </p:pic>
     </p:spTree>
     <p:extLst>
       <p:ext uri="{BB962C8B-B14F-4D97-AF65-F5344CB8AC3E}">
-        <p14:creationId xmlns:p14="http://schemas.microsoft.com/office/powerpoint/2010/main" val="4235465006"/>
+        <p14:creationId xmlns:p14="http://schemas.microsoft.com/office/powerpoint/2010/main" val="1500649986"/>
       </p:ext>
     </p:extLst>
   </p:cSld>
@@ -5685,17 +6247,605 @@
   <p:transition spd="med">
     <p:pull/>
   </p:transition>
-  <p:timing>
-    <p:tnLst>
-      <p:par>
-        <p:cTn id="1" dur="indefinite" restart="never" nodeType="tmRoot"/>
-      </p:par>
-    </p:tnLst>
-  </p:timing>
 </p:sld>
 </file>
 
-<file path=ppt/slides/slide11.xml><?xml version="1.0" encoding="utf-8"?>
+<file path=ppt/slides/slide5.xml><?xml version="1.0" encoding="utf-8"?>
+<p:sld xmlns:a="http://schemas.openxmlformats.org/drawingml/2006/main" xmlns:r="http://schemas.openxmlformats.org/officeDocument/2006/relationships" xmlns:p="http://schemas.openxmlformats.org/presentationml/2006/main">
+  <p:cSld>
+    <p:spTree>
+      <p:nvGrpSpPr>
+        <p:cNvPr id="1" name="Shape 533"/>
+        <p:cNvGrpSpPr/>
+        <p:nvPr/>
+      </p:nvGrpSpPr>
+      <p:grpSpPr>
+        <a:xfrm>
+          <a:off x="0" y="0"/>
+          <a:ext cx="0" cy="0"/>
+          <a:chOff x="0" y="0"/>
+          <a:chExt cx="0" cy="0"/>
+        </a:xfrm>
+      </p:grpSpPr>
+      <p:sp>
+        <p:nvSpPr>
+          <p:cNvPr id="4" name="Google Shape;620;p62"/>
+          <p:cNvSpPr txBox="1">
+            <a:spLocks noGrp="1"/>
+          </p:cNvSpPr>
+          <p:nvPr>
+            <p:ph type="title"/>
+          </p:nvPr>
+        </p:nvSpPr>
+        <p:spPr>
+          <a:xfrm>
+            <a:off x="1539230" y="400512"/>
+            <a:ext cx="5879050" cy="572700"/>
+          </a:xfrm>
+          <a:prstGeom prst="rect">
+            <a:avLst/>
+          </a:prstGeom>
+        </p:spPr>
+        <p:txBody>
+          <a:bodyPr spcFirstLastPara="1" wrap="square" lIns="91425" tIns="91425" rIns="91425" bIns="91425" anchor="t" anchorCtr="0">
+            <a:noAutofit/>
+          </a:bodyPr>
+          <a:lstStyle/>
+          <a:p>
+            <a:pPr marL="0" lvl="0" indent="0" algn="ctr" rtl="0">
+              <a:spcBef>
+                <a:spcPts val="0"/>
+              </a:spcBef>
+              <a:spcAft>
+                <a:spcPts val="0"/>
+              </a:spcAft>
+              <a:buNone/>
+            </a:pPr>
+            <a:r>
+              <a:rPr lang="en" sz="3000" dirty="0"/>
+              <a:t>Logged in Users Menu </a:t>
+            </a:r>
+            <a:endParaRPr sz="3000" dirty="0"/>
+          </a:p>
+        </p:txBody>
+      </p:sp>
+      <p:pic>
+        <p:nvPicPr>
+          <p:cNvPr id="3" name="Picture 2"/>
+          <p:cNvPicPr>
+            <a:picLocks noChangeAspect="1"/>
+          </p:cNvPicPr>
+          <p:nvPr/>
+        </p:nvPicPr>
+        <p:blipFill>
+          <a:blip r:embed="rId3"/>
+          <a:srcRect/>
+          <a:stretch/>
+        </p:blipFill>
+        <p:spPr>
+          <a:xfrm>
+            <a:off x="994392" y="1670601"/>
+            <a:ext cx="7155215" cy="2819480"/>
+          </a:xfrm>
+          <a:prstGeom prst="rect">
+            <a:avLst/>
+          </a:prstGeom>
+          <a:ln w="127000" cap="rnd">
+            <a:solidFill>
+              <a:srgbClr val="FFFFFF"/>
+            </a:solidFill>
+          </a:ln>
+          <a:effectLst>
+            <a:outerShdw blurRad="76200" dist="95250" dir="10500000" sx="97000" sy="23000" kx="900000" algn="br" rotWithShape="0">
+              <a:srgbClr val="000000">
+                <a:alpha val="20000"/>
+              </a:srgbClr>
+            </a:outerShdw>
+          </a:effectLst>
+          <a:scene3d>
+            <a:camera prst="orthographicFront"/>
+            <a:lightRig rig="twoPt" dir="t">
+              <a:rot lat="0" lon="0" rev="7800000"/>
+            </a:lightRig>
+          </a:scene3d>
+          <a:sp3d contourW="6350">
+            <a:bevelT w="50800" h="16510"/>
+            <a:contourClr>
+              <a:srgbClr val="C0C0C0"/>
+            </a:contourClr>
+          </a:sp3d>
+        </p:spPr>
+      </p:pic>
+    </p:spTree>
+  </p:cSld>
+  <p:clrMapOvr>
+    <a:masterClrMapping/>
+  </p:clrMapOvr>
+  <p:transition spd="med">
+    <p:pull/>
+  </p:transition>
+</p:sld>
+</file>
+
+<file path=ppt/slides/slide6.xml><?xml version="1.0" encoding="utf-8"?>
+<p:sld xmlns:a="http://schemas.openxmlformats.org/drawingml/2006/main" xmlns:r="http://schemas.openxmlformats.org/officeDocument/2006/relationships" xmlns:p="http://schemas.openxmlformats.org/presentationml/2006/main">
+  <p:cSld>
+    <p:spTree>
+      <p:nvGrpSpPr>
+        <p:cNvPr id="1" name="Shape 418"/>
+        <p:cNvGrpSpPr/>
+        <p:nvPr/>
+      </p:nvGrpSpPr>
+      <p:grpSpPr>
+        <a:xfrm>
+          <a:off x="0" y="0"/>
+          <a:ext cx="0" cy="0"/>
+          <a:chOff x="0" y="0"/>
+          <a:chExt cx="0" cy="0"/>
+        </a:xfrm>
+      </p:grpSpPr>
+      <p:grpSp>
+        <p:nvGrpSpPr>
+          <p:cNvPr id="421" name="Google Shape;421;p43"/>
+          <p:cNvGrpSpPr/>
+          <p:nvPr/>
+        </p:nvGrpSpPr>
+        <p:grpSpPr>
+          <a:xfrm>
+            <a:off x="181160" y="508623"/>
+            <a:ext cx="8385900" cy="90900"/>
+            <a:chOff x="160950" y="480600"/>
+            <a:chExt cx="8385900" cy="90900"/>
+          </a:xfrm>
+        </p:grpSpPr>
+        <p:cxnSp>
+          <p:nvCxnSpPr>
+            <p:cNvPr id="422" name="Google Shape;422;p43"/>
+            <p:cNvCxnSpPr/>
+            <p:nvPr/>
+          </p:nvCxnSpPr>
+          <p:spPr>
+            <a:xfrm>
+              <a:off x="160950" y="571500"/>
+              <a:ext cx="8385900" cy="0"/>
+            </a:xfrm>
+            <a:prstGeom prst="straightConnector1">
+              <a:avLst/>
+            </a:prstGeom>
+            <a:noFill/>
+            <a:ln w="9525" cap="flat" cmpd="sng">
+              <a:solidFill>
+                <a:schemeClr val="lt1"/>
+              </a:solidFill>
+              <a:prstDash val="solid"/>
+              <a:round/>
+              <a:headEnd type="none" w="med" len="med"/>
+              <a:tailEnd type="none" w="med" len="med"/>
+            </a:ln>
+          </p:spPr>
+        </p:cxnSp>
+        <p:sp>
+          <p:nvSpPr>
+            <p:cNvPr id="423" name="Google Shape;423;p43"/>
+            <p:cNvSpPr/>
+            <p:nvPr/>
+          </p:nvSpPr>
+          <p:spPr>
+            <a:xfrm>
+              <a:off x="8041650" y="480600"/>
+              <a:ext cx="505200" cy="90900"/>
+            </a:xfrm>
+            <a:prstGeom prst="rect">
+              <a:avLst/>
+            </a:prstGeom>
+            <a:solidFill>
+              <a:schemeClr val="lt1"/>
+            </a:solidFill>
+            <a:ln>
+              <a:noFill/>
+            </a:ln>
+          </p:spPr>
+          <p:txBody>
+            <a:bodyPr spcFirstLastPara="1" wrap="square" lIns="91425" tIns="91425" rIns="91425" bIns="91425" anchor="ctr" anchorCtr="0">
+              <a:noAutofit/>
+            </a:bodyPr>
+            <a:lstStyle/>
+            <a:p>
+              <a:pPr marL="0" lvl="0" indent="0" algn="l" rtl="0">
+                <a:spcBef>
+                  <a:spcPts val="0"/>
+                </a:spcBef>
+                <a:spcAft>
+                  <a:spcPts val="0"/>
+                </a:spcAft>
+                <a:buNone/>
+              </a:pPr>
+              <a:endParaRPr/>
+            </a:p>
+          </p:txBody>
+        </p:sp>
+      </p:grpSp>
+      <p:grpSp>
+        <p:nvGrpSpPr>
+          <p:cNvPr id="424" name="Google Shape;424;p43"/>
+          <p:cNvGrpSpPr/>
+          <p:nvPr/>
+        </p:nvGrpSpPr>
+        <p:grpSpPr>
+          <a:xfrm>
+            <a:off x="1113520" y="156298"/>
+            <a:ext cx="90900" cy="3697200"/>
+            <a:chOff x="1113520" y="156298"/>
+            <a:chExt cx="90900" cy="3697200"/>
+          </a:xfrm>
+        </p:grpSpPr>
+        <p:sp>
+          <p:nvSpPr>
+            <p:cNvPr id="425" name="Google Shape;425;p43"/>
+            <p:cNvSpPr/>
+            <p:nvPr/>
+          </p:nvSpPr>
+          <p:spPr>
+            <a:xfrm rot="-5400000">
+              <a:off x="906370" y="3555448"/>
+              <a:ext cx="505200" cy="90900"/>
+            </a:xfrm>
+            <a:prstGeom prst="rect">
+              <a:avLst/>
+            </a:prstGeom>
+            <a:solidFill>
+              <a:schemeClr val="lt1"/>
+            </a:solidFill>
+            <a:ln>
+              <a:noFill/>
+            </a:ln>
+          </p:spPr>
+          <p:txBody>
+            <a:bodyPr spcFirstLastPara="1" wrap="square" lIns="91425" tIns="91425" rIns="91425" bIns="91425" anchor="ctr" anchorCtr="0">
+              <a:noAutofit/>
+            </a:bodyPr>
+            <a:lstStyle/>
+            <a:p>
+              <a:pPr marL="0" lvl="0" indent="0" algn="l" rtl="0">
+                <a:spcBef>
+                  <a:spcPts val="0"/>
+                </a:spcBef>
+                <a:spcAft>
+                  <a:spcPts val="0"/>
+                </a:spcAft>
+                <a:buNone/>
+              </a:pPr>
+              <a:endParaRPr/>
+            </a:p>
+          </p:txBody>
+        </p:sp>
+        <p:cxnSp>
+          <p:nvCxnSpPr>
+            <p:cNvPr id="426" name="Google Shape;426;p43"/>
+            <p:cNvCxnSpPr/>
+            <p:nvPr/>
+          </p:nvCxnSpPr>
+          <p:spPr>
+            <a:xfrm rot="10800000">
+              <a:off x="1121185" y="156298"/>
+              <a:ext cx="0" cy="3434700"/>
+            </a:xfrm>
+            <a:prstGeom prst="straightConnector1">
+              <a:avLst/>
+            </a:prstGeom>
+            <a:noFill/>
+            <a:ln w="9525" cap="flat" cmpd="sng">
+              <a:solidFill>
+                <a:schemeClr val="lt1"/>
+              </a:solidFill>
+              <a:prstDash val="solid"/>
+              <a:round/>
+              <a:headEnd type="none" w="med" len="med"/>
+              <a:tailEnd type="none" w="med" len="med"/>
+            </a:ln>
+          </p:spPr>
+        </p:cxnSp>
+      </p:grpSp>
+      <p:pic>
+        <p:nvPicPr>
+          <p:cNvPr id="3" name="Picture 2"/>
+          <p:cNvPicPr>
+            <a:picLocks noChangeAspect="1"/>
+          </p:cNvPicPr>
+          <p:nvPr/>
+        </p:nvPicPr>
+        <p:blipFill>
+          <a:blip r:embed="rId3"/>
+          <a:stretch/>
+        </p:blipFill>
+        <p:spPr>
+          <a:xfrm>
+            <a:off x="858383" y="1195677"/>
+            <a:ext cx="4458967" cy="2776965"/>
+          </a:xfrm>
+          <a:prstGeom prst="roundRect">
+            <a:avLst>
+              <a:gd name="adj" fmla="val 4167"/>
+            </a:avLst>
+          </a:prstGeom>
+          <a:solidFill>
+            <a:srgbClr val="FFFFFF"/>
+          </a:solidFill>
+          <a:ln w="76200" cap="sq">
+            <a:solidFill>
+              <a:srgbClr val="EAEAEA"/>
+            </a:solidFill>
+            <a:miter lim="800000"/>
+          </a:ln>
+          <a:effectLst>
+            <a:reflection blurRad="12700" stA="33000" endPos="28000" dist="5000" dir="5400000" sy="-100000" algn="bl" rotWithShape="0"/>
+          </a:effectLst>
+          <a:scene3d>
+            <a:camera prst="orthographicFront"/>
+            <a:lightRig rig="threePt" dir="t">
+              <a:rot lat="0" lon="0" rev="2700000"/>
+            </a:lightRig>
+          </a:scene3d>
+          <a:sp3d contourW="6350">
+            <a:bevelT h="38100"/>
+            <a:contourClr>
+              <a:srgbClr val="C0C0C0"/>
+            </a:contourClr>
+          </a:sp3d>
+        </p:spPr>
+      </p:pic>
+      <p:sp>
+        <p:nvSpPr>
+          <p:cNvPr id="5" name="TextBox 4">
+            <a:extLst>
+              <a:ext uri="{FF2B5EF4-FFF2-40B4-BE49-F238E27FC236}">
+                <a16:creationId xmlns:a16="http://schemas.microsoft.com/office/drawing/2014/main" id="{923D93B0-07EF-47EA-21DD-FC383EE9D88A}"/>
+              </a:ext>
+            </a:extLst>
+          </p:cNvPr>
+          <p:cNvSpPr txBox="1"/>
+          <p:nvPr/>
+        </p:nvSpPr>
+        <p:spPr>
+          <a:xfrm>
+            <a:off x="5677378" y="2162245"/>
+            <a:ext cx="3273398" cy="1200329"/>
+          </a:xfrm>
+          <a:prstGeom prst="rect">
+            <a:avLst/>
+          </a:prstGeom>
+          <a:noFill/>
+        </p:spPr>
+        <p:txBody>
+          <a:bodyPr wrap="square" rtlCol="0">
+            <a:spAutoFit/>
+          </a:bodyPr>
+          <a:lstStyle/>
+          <a:p>
+            <a:r>
+              <a:rPr lang="en-US" sz="3600" dirty="0">
+                <a:solidFill>
+                  <a:schemeClr val="bg1"/>
+                </a:solidFill>
+              </a:rPr>
+              <a:t>User Balance Check</a:t>
+            </a:r>
+          </a:p>
+        </p:txBody>
+      </p:sp>
+    </p:spTree>
+    <p:extLst>
+      <p:ext uri="{BB962C8B-B14F-4D97-AF65-F5344CB8AC3E}">
+        <p14:creationId xmlns:p14="http://schemas.microsoft.com/office/powerpoint/2010/main" val="73784244"/>
+      </p:ext>
+    </p:extLst>
+  </p:cSld>
+  <p:clrMapOvr>
+    <a:masterClrMapping/>
+  </p:clrMapOvr>
+  <p:transition spd="med">
+    <p:pull/>
+  </p:transition>
+</p:sld>
+</file>
+
+<file path=ppt/slides/slide7.xml><?xml version="1.0" encoding="utf-8"?>
+<p:sld xmlns:a="http://schemas.openxmlformats.org/drawingml/2006/main" xmlns:r="http://schemas.openxmlformats.org/officeDocument/2006/relationships" xmlns:p="http://schemas.openxmlformats.org/presentationml/2006/main">
+  <p:cSld>
+    <p:spTree>
+      <p:nvGrpSpPr>
+        <p:cNvPr id="1" name="Shape 430"/>
+        <p:cNvGrpSpPr/>
+        <p:nvPr/>
+      </p:nvGrpSpPr>
+      <p:grpSpPr>
+        <a:xfrm>
+          <a:off x="0" y="0"/>
+          <a:ext cx="0" cy="0"/>
+          <a:chOff x="0" y="0"/>
+          <a:chExt cx="0" cy="0"/>
+        </a:xfrm>
+      </p:grpSpPr>
+      <p:sp>
+        <p:nvSpPr>
+          <p:cNvPr id="431" name="Google Shape;431;p44"/>
+          <p:cNvSpPr txBox="1">
+            <a:spLocks noGrp="1"/>
+          </p:cNvSpPr>
+          <p:nvPr>
+            <p:ph type="title"/>
+          </p:nvPr>
+        </p:nvSpPr>
+        <p:spPr>
+          <a:xfrm>
+            <a:off x="576156" y="2148927"/>
+            <a:ext cx="2574353" cy="1206390"/>
+          </a:xfrm>
+          <a:prstGeom prst="rect">
+            <a:avLst/>
+          </a:prstGeom>
+        </p:spPr>
+        <p:txBody>
+          <a:bodyPr spcFirstLastPara="1" wrap="square" lIns="91425" tIns="91425" rIns="91425" bIns="91425" anchor="b" anchorCtr="0">
+            <a:noAutofit/>
+          </a:bodyPr>
+          <a:lstStyle/>
+          <a:p>
+            <a:pPr marL="0" lvl="0" indent="0" algn="l" rtl="0">
+              <a:spcBef>
+                <a:spcPts val="0"/>
+              </a:spcBef>
+              <a:spcAft>
+                <a:spcPts val="0"/>
+              </a:spcAft>
+              <a:buNone/>
+            </a:pPr>
+            <a:r>
+              <a:rPr lang="en-US" sz="3000" dirty="0"/>
+              <a:t>Money</a:t>
+            </a:r>
+            <a:br>
+              <a:rPr lang="en-US" sz="3000" dirty="0"/>
+            </a:br>
+            <a:r>
+              <a:rPr lang="en-US" sz="3000" dirty="0"/>
+              <a:t>Deposit</a:t>
+            </a:r>
+            <a:endParaRPr sz="3000" dirty="0"/>
+          </a:p>
+        </p:txBody>
+      </p:sp>
+      <p:grpSp>
+        <p:nvGrpSpPr>
+          <p:cNvPr id="434" name="Google Shape;434;p44"/>
+          <p:cNvGrpSpPr/>
+          <p:nvPr/>
+        </p:nvGrpSpPr>
+        <p:grpSpPr>
+          <a:xfrm flipH="1">
+            <a:off x="576156" y="508623"/>
+            <a:ext cx="8385900" cy="90900"/>
+            <a:chOff x="160950" y="480600"/>
+            <a:chExt cx="8385900" cy="90900"/>
+          </a:xfrm>
+        </p:grpSpPr>
+        <p:cxnSp>
+          <p:nvCxnSpPr>
+            <p:cNvPr id="435" name="Google Shape;435;p44"/>
+            <p:cNvCxnSpPr/>
+            <p:nvPr/>
+          </p:nvCxnSpPr>
+          <p:spPr>
+            <a:xfrm>
+              <a:off x="160950" y="571500"/>
+              <a:ext cx="8385900" cy="0"/>
+            </a:xfrm>
+            <a:prstGeom prst="straightConnector1">
+              <a:avLst/>
+            </a:prstGeom>
+            <a:noFill/>
+            <a:ln w="9525" cap="flat" cmpd="sng">
+              <a:solidFill>
+                <a:schemeClr val="lt1"/>
+              </a:solidFill>
+              <a:prstDash val="solid"/>
+              <a:round/>
+              <a:headEnd type="none" w="med" len="med"/>
+              <a:tailEnd type="none" w="med" len="med"/>
+            </a:ln>
+          </p:spPr>
+        </p:cxnSp>
+        <p:sp>
+          <p:nvSpPr>
+            <p:cNvPr id="436" name="Google Shape;436;p44"/>
+            <p:cNvSpPr/>
+            <p:nvPr/>
+          </p:nvSpPr>
+          <p:spPr>
+            <a:xfrm>
+              <a:off x="8041650" y="480600"/>
+              <a:ext cx="505200" cy="90900"/>
+            </a:xfrm>
+            <a:prstGeom prst="rect">
+              <a:avLst/>
+            </a:prstGeom>
+            <a:solidFill>
+              <a:schemeClr val="lt1"/>
+            </a:solidFill>
+            <a:ln>
+              <a:noFill/>
+            </a:ln>
+          </p:spPr>
+          <p:txBody>
+            <a:bodyPr spcFirstLastPara="1" wrap="square" lIns="91425" tIns="91425" rIns="91425" bIns="91425" anchor="ctr" anchorCtr="0">
+              <a:noAutofit/>
+            </a:bodyPr>
+            <a:lstStyle/>
+            <a:p>
+              <a:pPr marL="0" lvl="0" indent="0" algn="l" rtl="0">
+                <a:spcBef>
+                  <a:spcPts val="0"/>
+                </a:spcBef>
+                <a:spcAft>
+                  <a:spcPts val="0"/>
+                </a:spcAft>
+                <a:buNone/>
+              </a:pPr>
+              <a:endParaRPr/>
+            </a:p>
+          </p:txBody>
+        </p:sp>
+      </p:grpSp>
+      <p:pic>
+        <p:nvPicPr>
+          <p:cNvPr id="3" name="Picture 2"/>
+          <p:cNvPicPr>
+            <a:picLocks noChangeAspect="1"/>
+          </p:cNvPicPr>
+          <p:nvPr/>
+        </p:nvPicPr>
+        <p:blipFill>
+          <a:blip r:embed="rId3"/>
+          <a:srcRect/>
+          <a:stretch/>
+        </p:blipFill>
+        <p:spPr>
+          <a:xfrm>
+            <a:off x="3236383" y="1314138"/>
+            <a:ext cx="5594351" cy="2875969"/>
+          </a:xfrm>
+          <a:prstGeom prst="rect">
+            <a:avLst/>
+          </a:prstGeom>
+          <a:ln>
+            <a:noFill/>
+          </a:ln>
+          <a:effectLst>
+            <a:outerShdw blurRad="292100" dist="139700" dir="2700000" algn="tl" rotWithShape="0">
+              <a:srgbClr val="333333">
+                <a:alpha val="65000"/>
+              </a:srgbClr>
+            </a:outerShdw>
+          </a:effectLst>
+        </p:spPr>
+      </p:pic>
+    </p:spTree>
+    <p:extLst>
+      <p:ext uri="{BB962C8B-B14F-4D97-AF65-F5344CB8AC3E}">
+        <p14:creationId xmlns:p14="http://schemas.microsoft.com/office/powerpoint/2010/main" val="300682649"/>
+      </p:ext>
+    </p:extLst>
+  </p:cSld>
+  <p:clrMapOvr>
+    <a:masterClrMapping/>
+  </p:clrMapOvr>
+  <p:transition spd="med">
+    <p:pull/>
+  </p:transition>
+</p:sld>
+</file>
+
+<file path=ppt/slides/slide8.xml><?xml version="1.0" encoding="utf-8"?>
 <p:sld xmlns:a="http://schemas.openxmlformats.org/drawingml/2006/main" xmlns:r="http://schemas.openxmlformats.org/officeDocument/2006/relationships" xmlns:p="http://schemas.openxmlformats.org/presentationml/2006/main">
   <p:cSld>
     <p:spTree>
@@ -5724,8 +6874,8 @@
         </p:nvSpPr>
         <p:spPr>
           <a:xfrm>
-            <a:off x="5723465" y="1297914"/>
-            <a:ext cx="3064933" cy="1948606"/>
+            <a:off x="5432071" y="1376082"/>
+            <a:ext cx="3171369" cy="1972216"/>
           </a:xfrm>
           <a:prstGeom prst="rect">
             <a:avLst/>
@@ -5747,8 +6897,294 @@
               <a:buNone/>
             </a:pPr>
             <a:r>
-              <a:rPr lang="en-US" sz="3500" dirty="0" smtClean="0"/>
-              <a:t>Order Management for Backend</a:t>
+              <a:rPr lang="en-US" sz="3500" dirty="0"/>
+              <a:t>Money Withdraw</a:t>
+            </a:r>
+            <a:endParaRPr sz="3500" dirty="0"/>
+          </a:p>
+        </p:txBody>
+      </p:sp>
+      <p:grpSp>
+        <p:nvGrpSpPr>
+          <p:cNvPr id="421" name="Google Shape;421;p43"/>
+          <p:cNvGrpSpPr/>
+          <p:nvPr/>
+        </p:nvGrpSpPr>
+        <p:grpSpPr>
+          <a:xfrm>
+            <a:off x="181160" y="508623"/>
+            <a:ext cx="8385900" cy="90900"/>
+            <a:chOff x="160950" y="480600"/>
+            <a:chExt cx="8385900" cy="90900"/>
+          </a:xfrm>
+        </p:grpSpPr>
+        <p:cxnSp>
+          <p:nvCxnSpPr>
+            <p:cNvPr id="422" name="Google Shape;422;p43"/>
+            <p:cNvCxnSpPr/>
+            <p:nvPr/>
+          </p:nvCxnSpPr>
+          <p:spPr>
+            <a:xfrm>
+              <a:off x="160950" y="571500"/>
+              <a:ext cx="8385900" cy="0"/>
+            </a:xfrm>
+            <a:prstGeom prst="straightConnector1">
+              <a:avLst/>
+            </a:prstGeom>
+            <a:noFill/>
+            <a:ln w="9525" cap="flat" cmpd="sng">
+              <a:solidFill>
+                <a:schemeClr val="lt1"/>
+              </a:solidFill>
+              <a:prstDash val="solid"/>
+              <a:round/>
+              <a:headEnd type="none" w="med" len="med"/>
+              <a:tailEnd type="none" w="med" len="med"/>
+            </a:ln>
+          </p:spPr>
+        </p:cxnSp>
+        <p:sp>
+          <p:nvSpPr>
+            <p:cNvPr id="423" name="Google Shape;423;p43"/>
+            <p:cNvSpPr/>
+            <p:nvPr/>
+          </p:nvSpPr>
+          <p:spPr>
+            <a:xfrm>
+              <a:off x="8041650" y="480600"/>
+              <a:ext cx="505200" cy="90900"/>
+            </a:xfrm>
+            <a:prstGeom prst="rect">
+              <a:avLst/>
+            </a:prstGeom>
+            <a:solidFill>
+              <a:schemeClr val="lt1"/>
+            </a:solidFill>
+            <a:ln>
+              <a:noFill/>
+            </a:ln>
+          </p:spPr>
+          <p:txBody>
+            <a:bodyPr spcFirstLastPara="1" wrap="square" lIns="91425" tIns="91425" rIns="91425" bIns="91425" anchor="ctr" anchorCtr="0">
+              <a:noAutofit/>
+            </a:bodyPr>
+            <a:lstStyle/>
+            <a:p>
+              <a:pPr marL="0" lvl="0" indent="0" algn="l" rtl="0">
+                <a:spcBef>
+                  <a:spcPts val="0"/>
+                </a:spcBef>
+                <a:spcAft>
+                  <a:spcPts val="0"/>
+                </a:spcAft>
+                <a:buNone/>
+              </a:pPr>
+              <a:endParaRPr/>
+            </a:p>
+          </p:txBody>
+        </p:sp>
+      </p:grpSp>
+      <p:grpSp>
+        <p:nvGrpSpPr>
+          <p:cNvPr id="424" name="Google Shape;424;p43"/>
+          <p:cNvGrpSpPr/>
+          <p:nvPr/>
+        </p:nvGrpSpPr>
+        <p:grpSpPr>
+          <a:xfrm>
+            <a:off x="1113520" y="156298"/>
+            <a:ext cx="90900" cy="3697200"/>
+            <a:chOff x="1113520" y="156298"/>
+            <a:chExt cx="90900" cy="3697200"/>
+          </a:xfrm>
+        </p:grpSpPr>
+        <p:sp>
+          <p:nvSpPr>
+            <p:cNvPr id="425" name="Google Shape;425;p43"/>
+            <p:cNvSpPr/>
+            <p:nvPr/>
+          </p:nvSpPr>
+          <p:spPr>
+            <a:xfrm rot="-5400000">
+              <a:off x="906370" y="3555448"/>
+              <a:ext cx="505200" cy="90900"/>
+            </a:xfrm>
+            <a:prstGeom prst="rect">
+              <a:avLst/>
+            </a:prstGeom>
+            <a:solidFill>
+              <a:schemeClr val="lt1"/>
+            </a:solidFill>
+            <a:ln>
+              <a:noFill/>
+            </a:ln>
+          </p:spPr>
+          <p:txBody>
+            <a:bodyPr spcFirstLastPara="1" wrap="square" lIns="91425" tIns="91425" rIns="91425" bIns="91425" anchor="ctr" anchorCtr="0">
+              <a:noAutofit/>
+            </a:bodyPr>
+            <a:lstStyle/>
+            <a:p>
+              <a:pPr marL="0" lvl="0" indent="0" algn="l" rtl="0">
+                <a:spcBef>
+                  <a:spcPts val="0"/>
+                </a:spcBef>
+                <a:spcAft>
+                  <a:spcPts val="0"/>
+                </a:spcAft>
+                <a:buNone/>
+              </a:pPr>
+              <a:endParaRPr/>
+            </a:p>
+          </p:txBody>
+        </p:sp>
+        <p:cxnSp>
+          <p:nvCxnSpPr>
+            <p:cNvPr id="426" name="Google Shape;426;p43"/>
+            <p:cNvCxnSpPr/>
+            <p:nvPr/>
+          </p:nvCxnSpPr>
+          <p:spPr>
+            <a:xfrm rot="10800000">
+              <a:off x="1121185" y="156298"/>
+              <a:ext cx="0" cy="3434700"/>
+            </a:xfrm>
+            <a:prstGeom prst="straightConnector1">
+              <a:avLst/>
+            </a:prstGeom>
+            <a:noFill/>
+            <a:ln w="9525" cap="flat" cmpd="sng">
+              <a:solidFill>
+                <a:schemeClr val="lt1"/>
+              </a:solidFill>
+              <a:prstDash val="solid"/>
+              <a:round/>
+              <a:headEnd type="none" w="med" len="med"/>
+              <a:tailEnd type="none" w="med" len="med"/>
+            </a:ln>
+          </p:spPr>
+        </p:cxnSp>
+      </p:grpSp>
+      <p:pic>
+        <p:nvPicPr>
+          <p:cNvPr id="3" name="Picture 2"/>
+          <p:cNvPicPr>
+            <a:picLocks noChangeAspect="1"/>
+          </p:cNvPicPr>
+          <p:nvPr/>
+        </p:nvPicPr>
+        <p:blipFill>
+          <a:blip r:embed="rId3"/>
+          <a:srcRect t="406" b="406"/>
+          <a:stretch/>
+        </p:blipFill>
+        <p:spPr>
+          <a:xfrm>
+            <a:off x="363117" y="813423"/>
+            <a:ext cx="5061289" cy="3332374"/>
+          </a:xfrm>
+          <a:prstGeom prst="roundRect">
+            <a:avLst>
+              <a:gd name="adj" fmla="val 4167"/>
+            </a:avLst>
+          </a:prstGeom>
+          <a:solidFill>
+            <a:srgbClr val="FFFFFF"/>
+          </a:solidFill>
+          <a:ln w="76200" cap="sq">
+            <a:solidFill>
+              <a:srgbClr val="EAEAEA"/>
+            </a:solidFill>
+            <a:miter lim="800000"/>
+          </a:ln>
+          <a:effectLst>
+            <a:reflection blurRad="12700" stA="33000" endPos="28000" dist="5000" dir="5400000" sy="-100000" algn="bl" rotWithShape="0"/>
+          </a:effectLst>
+          <a:scene3d>
+            <a:camera prst="orthographicFront"/>
+            <a:lightRig rig="threePt" dir="t">
+              <a:rot lat="0" lon="0" rev="2700000"/>
+            </a:lightRig>
+          </a:scene3d>
+          <a:sp3d contourW="6350">
+            <a:bevelT h="38100"/>
+            <a:contourClr>
+              <a:srgbClr val="C0C0C0"/>
+            </a:contourClr>
+          </a:sp3d>
+        </p:spPr>
+      </p:pic>
+    </p:spTree>
+    <p:extLst>
+      <p:ext uri="{BB962C8B-B14F-4D97-AF65-F5344CB8AC3E}">
+        <p14:creationId xmlns:p14="http://schemas.microsoft.com/office/powerpoint/2010/main" val="2602400844"/>
+      </p:ext>
+    </p:extLst>
+  </p:cSld>
+  <p:clrMapOvr>
+    <a:masterClrMapping/>
+  </p:clrMapOvr>
+  <p:transition spd="med">
+    <p:pull/>
+  </p:transition>
+</p:sld>
+</file>
+
+<file path=ppt/slides/slide9.xml><?xml version="1.0" encoding="utf-8"?>
+<p:sld xmlns:a="http://schemas.openxmlformats.org/drawingml/2006/main" xmlns:r="http://schemas.openxmlformats.org/officeDocument/2006/relationships" xmlns:p="http://schemas.openxmlformats.org/presentationml/2006/main">
+  <p:cSld>
+    <p:spTree>
+      <p:nvGrpSpPr>
+        <p:cNvPr id="1" name="Shape 418"/>
+        <p:cNvGrpSpPr/>
+        <p:nvPr/>
+      </p:nvGrpSpPr>
+      <p:grpSpPr>
+        <a:xfrm>
+          <a:off x="0" y="0"/>
+          <a:ext cx="0" cy="0"/>
+          <a:chOff x="0" y="0"/>
+          <a:chExt cx="0" cy="0"/>
+        </a:xfrm>
+      </p:grpSpPr>
+      <p:sp>
+        <p:nvSpPr>
+          <p:cNvPr id="420" name="Google Shape;420;p43"/>
+          <p:cNvSpPr txBox="1">
+            <a:spLocks noGrp="1"/>
+          </p:cNvSpPr>
+          <p:nvPr>
+            <p:ph type="title"/>
+          </p:nvPr>
+        </p:nvSpPr>
+        <p:spPr>
+          <a:xfrm>
+            <a:off x="5281521" y="1297912"/>
+            <a:ext cx="3064933" cy="2050386"/>
+          </a:xfrm>
+          <a:prstGeom prst="rect">
+            <a:avLst/>
+          </a:prstGeom>
+        </p:spPr>
+        <p:txBody>
+          <a:bodyPr spcFirstLastPara="1" wrap="square" lIns="91425" tIns="91425" rIns="91425" bIns="91425" anchor="b" anchorCtr="0">
+            <a:noAutofit/>
+          </a:bodyPr>
+          <a:lstStyle/>
+          <a:p>
+            <a:pPr marL="0" lvl="0" indent="0" algn="r" rtl="0">
+              <a:spcBef>
+                <a:spcPts val="0"/>
+              </a:spcBef>
+              <a:spcAft>
+                <a:spcPts val="0"/>
+              </a:spcAft>
+              <a:buNone/>
+            </a:pPr>
+            <a:r>
+              <a:rPr lang="en-US" sz="3500" dirty="0"/>
+              <a:t>Log Out</a:t>
             </a:r>
             <a:endParaRPr sz="3500" dirty="0"/>
           </a:p>
@@ -5926,1015 +7362,13 @@
         </p:nvPicPr>
         <p:blipFill>
           <a:blip r:embed="rId3"/>
-          <a:stretch>
-            <a:fillRect/>
-          </a:stretch>
+          <a:srcRect/>
+          <a:stretch/>
         </p:blipFill>
         <p:spPr>
           <a:xfrm>
-            <a:off x="761472" y="963613"/>
-            <a:ext cx="4845758" cy="3371322"/>
-          </a:xfrm>
-          <a:prstGeom prst="rect">
-            <a:avLst/>
-          </a:prstGeom>
-          <a:ln w="127000" cap="rnd">
-            <a:solidFill>
-              <a:srgbClr val="FFFFFF"/>
-            </a:solidFill>
-          </a:ln>
-          <a:effectLst>
-            <a:outerShdw blurRad="76200" dist="95250" dir="10500000" sx="97000" sy="23000" kx="900000" algn="br" rotWithShape="0">
-              <a:srgbClr val="000000">
-                <a:alpha val="20000"/>
-              </a:srgbClr>
-            </a:outerShdw>
-          </a:effectLst>
-          <a:scene3d>
-            <a:camera prst="orthographicFront"/>
-            <a:lightRig rig="twoPt" dir="t">
-              <a:rot lat="0" lon="0" rev="7800000"/>
-            </a:lightRig>
-          </a:scene3d>
-          <a:sp3d contourW="6350">
-            <a:bevelT w="50800" h="16510"/>
-            <a:contourClr>
-              <a:srgbClr val="C0C0C0"/>
-            </a:contourClr>
-          </a:sp3d>
-        </p:spPr>
-      </p:pic>
-      <p:sp>
-        <p:nvSpPr>
-          <p:cNvPr id="12" name="Google Shape;432;p44"/>
-          <p:cNvSpPr txBox="1">
-            <a:spLocks noGrp="1"/>
-          </p:cNvSpPr>
-          <p:nvPr>
-            <p:ph type="subTitle" idx="1"/>
-          </p:nvPr>
-        </p:nvSpPr>
-        <p:spPr>
-          <a:xfrm>
-            <a:off x="6029897" y="3146398"/>
-            <a:ext cx="4360200" cy="403800"/>
-          </a:xfrm>
-          <a:prstGeom prst="rect">
-            <a:avLst/>
-          </a:prstGeom>
-        </p:spPr>
-        <p:txBody>
-          <a:bodyPr spcFirstLastPara="1" wrap="square" lIns="91425" tIns="91425" rIns="91425" bIns="91425" anchor="t" anchorCtr="0">
-            <a:noAutofit/>
-          </a:bodyPr>
-          <a:lstStyle/>
-          <a:p>
-            <a:pPr marL="285750" lvl="0" indent="-285750" algn="l" rtl="0">
-              <a:spcBef>
-                <a:spcPts val="0"/>
-              </a:spcBef>
-              <a:spcAft>
-                <a:spcPts val="0"/>
-              </a:spcAft>
-              <a:buClrTx/>
-              <a:buFont typeface="Wingdings" panose="05000000000000000000" pitchFamily="2" charset="2"/>
-              <a:buChar char="q"/>
-            </a:pPr>
-            <a:r>
-              <a:rPr lang="en-US" dirty="0" smtClean="0">
-                <a:latin typeface="Calibri" panose="020F0502020204030204" pitchFamily="34" charset="0"/>
-                <a:ea typeface="Calibri" panose="020F0502020204030204" pitchFamily="34" charset="0"/>
-                <a:cs typeface="Calibri" panose="020F0502020204030204" pitchFamily="34" charset="0"/>
-              </a:rPr>
-              <a:t>View all Orders with Total </a:t>
-            </a:r>
-            <a:br>
-              <a:rPr lang="en-US" dirty="0" smtClean="0">
-                <a:latin typeface="Calibri" panose="020F0502020204030204" pitchFamily="34" charset="0"/>
-                <a:ea typeface="Calibri" panose="020F0502020204030204" pitchFamily="34" charset="0"/>
-                <a:cs typeface="Calibri" panose="020F0502020204030204" pitchFamily="34" charset="0"/>
-              </a:rPr>
-            </a:br>
-            <a:r>
-              <a:rPr lang="en-US" dirty="0" smtClean="0">
-                <a:latin typeface="Calibri" panose="020F0502020204030204" pitchFamily="34" charset="0"/>
-                <a:ea typeface="Calibri" panose="020F0502020204030204" pitchFamily="34" charset="0"/>
-                <a:cs typeface="Calibri" panose="020F0502020204030204" pitchFamily="34" charset="0"/>
-              </a:rPr>
-              <a:t>Sell Amount</a:t>
-            </a:r>
-          </a:p>
-          <a:p>
-            <a:pPr marL="285750" lvl="0" indent="-285750" algn="l" rtl="0">
-              <a:spcBef>
-                <a:spcPts val="0"/>
-              </a:spcBef>
-              <a:spcAft>
-                <a:spcPts val="0"/>
-              </a:spcAft>
-              <a:buClrTx/>
-              <a:buFont typeface="Wingdings" panose="05000000000000000000" pitchFamily="2" charset="2"/>
-              <a:buChar char="q"/>
-            </a:pPr>
-            <a:r>
-              <a:rPr lang="en-US" dirty="0" smtClean="0">
-                <a:latin typeface="Calibri" panose="020F0502020204030204" pitchFamily="34" charset="0"/>
-                <a:ea typeface="Calibri" panose="020F0502020204030204" pitchFamily="34" charset="0"/>
-                <a:cs typeface="Calibri" panose="020F0502020204030204" pitchFamily="34" charset="0"/>
-              </a:rPr>
-              <a:t>Update Status: Pending, </a:t>
-            </a:r>
-            <a:br>
-              <a:rPr lang="en-US" dirty="0" smtClean="0">
-                <a:latin typeface="Calibri" panose="020F0502020204030204" pitchFamily="34" charset="0"/>
-                <a:ea typeface="Calibri" panose="020F0502020204030204" pitchFamily="34" charset="0"/>
-                <a:cs typeface="Calibri" panose="020F0502020204030204" pitchFamily="34" charset="0"/>
-              </a:rPr>
-            </a:br>
-            <a:r>
-              <a:rPr lang="en-US" dirty="0" smtClean="0">
-                <a:latin typeface="Calibri" panose="020F0502020204030204" pitchFamily="34" charset="0"/>
-                <a:ea typeface="Calibri" panose="020F0502020204030204" pitchFamily="34" charset="0"/>
-                <a:cs typeface="Calibri" panose="020F0502020204030204" pitchFamily="34" charset="0"/>
-              </a:rPr>
-              <a:t>Completed, and Cancelled</a:t>
-            </a:r>
-          </a:p>
-          <a:p>
-            <a:pPr marL="285750" lvl="0" indent="-285750" algn="l" rtl="0">
-              <a:spcBef>
-                <a:spcPts val="0"/>
-              </a:spcBef>
-              <a:spcAft>
-                <a:spcPts val="0"/>
-              </a:spcAft>
-              <a:buClrTx/>
-              <a:buFont typeface="Wingdings" panose="05000000000000000000" pitchFamily="2" charset="2"/>
-              <a:buChar char="q"/>
-            </a:pPr>
-            <a:r>
-              <a:rPr lang="en-US" dirty="0" smtClean="0">
-                <a:latin typeface="Calibri" panose="020F0502020204030204" pitchFamily="34" charset="0"/>
-                <a:ea typeface="Calibri" panose="020F0502020204030204" pitchFamily="34" charset="0"/>
-                <a:cs typeface="Calibri" panose="020F0502020204030204" pitchFamily="34" charset="0"/>
-              </a:rPr>
-              <a:t>Cancel Order from Admin</a:t>
-            </a:r>
-            <a:endParaRPr dirty="0">
-              <a:latin typeface="Calibri" panose="020F0502020204030204" pitchFamily="34" charset="0"/>
-              <a:ea typeface="Calibri" panose="020F0502020204030204" pitchFamily="34" charset="0"/>
-              <a:cs typeface="Calibri" panose="020F0502020204030204" pitchFamily="34" charset="0"/>
-            </a:endParaRPr>
-          </a:p>
-        </p:txBody>
-      </p:sp>
-    </p:spTree>
-    <p:extLst>
-      <p:ext uri="{BB962C8B-B14F-4D97-AF65-F5344CB8AC3E}">
-        <p14:creationId xmlns:p14="http://schemas.microsoft.com/office/powerpoint/2010/main" val="2480069136"/>
-      </p:ext>
-    </p:extLst>
-  </p:cSld>
-  <p:clrMapOvr>
-    <a:masterClrMapping/>
-  </p:clrMapOvr>
-  <p:transition spd="med">
-    <p:pull/>
-  </p:transition>
-  <p:timing>
-    <p:tnLst>
-      <p:par>
-        <p:cTn id="1" dur="indefinite" restart="never" nodeType="tmRoot"/>
-      </p:par>
-    </p:tnLst>
-  </p:timing>
-</p:sld>
-</file>
-
-<file path=ppt/slides/slide12.xml><?xml version="1.0" encoding="utf-8"?>
-<p:sld xmlns:a="http://schemas.openxmlformats.org/drawingml/2006/main" xmlns:r="http://schemas.openxmlformats.org/officeDocument/2006/relationships" xmlns:p="http://schemas.openxmlformats.org/presentationml/2006/main">
-  <p:cSld>
-    <p:bg>
-      <p:bgPr>
-        <a:solidFill>
-          <a:schemeClr val="dk2"/>
-        </a:solidFill>
-        <a:effectLst/>
-      </p:bgPr>
-    </p:bg>
-    <p:spTree>
-      <p:nvGrpSpPr>
-        <p:cNvPr id="1" name="Shape 490"/>
-        <p:cNvGrpSpPr/>
-        <p:nvPr/>
-      </p:nvGrpSpPr>
-      <p:grpSpPr>
-        <a:xfrm>
-          <a:off x="0" y="0"/>
-          <a:ext cx="0" cy="0"/>
-          <a:chOff x="0" y="0"/>
-          <a:chExt cx="0" cy="0"/>
-        </a:xfrm>
-      </p:grpSpPr>
-      <p:sp>
-        <p:nvSpPr>
-          <p:cNvPr id="15" name="Google Shape;494;p50"/>
-          <p:cNvSpPr txBox="1">
-            <a:spLocks noGrp="1"/>
-          </p:cNvSpPr>
-          <p:nvPr>
-            <p:ph type="title"/>
-          </p:nvPr>
-        </p:nvSpPr>
-        <p:spPr>
-          <a:xfrm>
-            <a:off x="559133" y="1969024"/>
-            <a:ext cx="7704000" cy="572700"/>
-          </a:xfrm>
-          <a:prstGeom prst="rect">
-            <a:avLst/>
-          </a:prstGeom>
-        </p:spPr>
-        <p:txBody>
-          <a:bodyPr spcFirstLastPara="1" wrap="square" lIns="91425" tIns="91425" rIns="91425" bIns="91425" anchor="t" anchorCtr="0">
-            <a:noAutofit/>
-          </a:bodyPr>
-          <a:lstStyle/>
-          <a:p>
-            <a:pPr marL="0" lvl="0" indent="0" algn="ctr" rtl="0">
-              <a:spcBef>
-                <a:spcPts val="0"/>
-              </a:spcBef>
-              <a:spcAft>
-                <a:spcPts val="0"/>
-              </a:spcAft>
-              <a:buNone/>
-            </a:pPr>
-            <a:r>
-              <a:rPr lang="en-US" sz="4500" dirty="0" smtClean="0">
-                <a:solidFill>
-                  <a:schemeClr val="bg1"/>
-                </a:solidFill>
-              </a:rPr>
-              <a:t>Thank you</a:t>
-            </a:r>
-            <a:endParaRPr sz="4500" dirty="0">
-              <a:solidFill>
-                <a:schemeClr val="bg1"/>
-              </a:solidFill>
-            </a:endParaRPr>
-          </a:p>
-        </p:txBody>
-      </p:sp>
-    </p:spTree>
-    <p:extLst>
-      <p:ext uri="{BB962C8B-B14F-4D97-AF65-F5344CB8AC3E}">
-        <p14:creationId xmlns:p14="http://schemas.microsoft.com/office/powerpoint/2010/main" val="502208486"/>
-      </p:ext>
-    </p:extLst>
-  </p:cSld>
-  <p:clrMapOvr>
-    <a:masterClrMapping/>
-  </p:clrMapOvr>
-</p:sld>
-</file>
-
-<file path=ppt/slides/slide2.xml><?xml version="1.0" encoding="utf-8"?>
-<p:sld xmlns:a="http://schemas.openxmlformats.org/drawingml/2006/main" xmlns:r="http://schemas.openxmlformats.org/officeDocument/2006/relationships" xmlns:p="http://schemas.openxmlformats.org/presentationml/2006/main">
-  <p:cSld>
-    <p:bg>
-      <p:bgPr>
-        <a:solidFill>
-          <a:schemeClr val="dk2"/>
-        </a:solidFill>
-        <a:effectLst/>
-      </p:bgPr>
-    </p:bg>
-    <p:spTree>
-      <p:nvGrpSpPr>
-        <p:cNvPr id="1" name="Shape 490"/>
-        <p:cNvGrpSpPr/>
-        <p:nvPr/>
-      </p:nvGrpSpPr>
-      <p:grpSpPr>
-        <a:xfrm>
-          <a:off x="0" y="0"/>
-          <a:ext cx="0" cy="0"/>
-          <a:chOff x="0" y="0"/>
-          <a:chExt cx="0" cy="0"/>
-        </a:xfrm>
-      </p:grpSpPr>
-      <p:sp>
-        <p:nvSpPr>
-          <p:cNvPr id="15" name="Google Shape;494;p50"/>
-          <p:cNvSpPr txBox="1">
-            <a:spLocks noGrp="1"/>
-          </p:cNvSpPr>
-          <p:nvPr>
-            <p:ph type="title"/>
-          </p:nvPr>
-        </p:nvSpPr>
-        <p:spPr>
-          <a:xfrm>
-            <a:off x="652267" y="783691"/>
-            <a:ext cx="7704000" cy="572700"/>
-          </a:xfrm>
-          <a:prstGeom prst="rect">
-            <a:avLst/>
-          </a:prstGeom>
-        </p:spPr>
-        <p:txBody>
-          <a:bodyPr spcFirstLastPara="1" wrap="square" lIns="91425" tIns="91425" rIns="91425" bIns="91425" anchor="t" anchorCtr="0">
-            <a:noAutofit/>
-          </a:bodyPr>
-          <a:lstStyle/>
-          <a:p>
-            <a:pPr marL="0" lvl="0" indent="0" algn="ctr" rtl="0">
-              <a:spcBef>
-                <a:spcPts val="0"/>
-              </a:spcBef>
-              <a:spcAft>
-                <a:spcPts val="0"/>
-              </a:spcAft>
-              <a:buNone/>
-            </a:pPr>
-            <a:r>
-              <a:rPr lang="en-US" sz="4500" dirty="0" smtClean="0">
-                <a:solidFill>
-                  <a:schemeClr val="bg1"/>
-                </a:solidFill>
-              </a:rPr>
-              <a:t>Team #06 Parenthesis</a:t>
-            </a:r>
-            <a:endParaRPr sz="4500" dirty="0">
-              <a:solidFill>
-                <a:schemeClr val="bg1"/>
-              </a:solidFill>
-            </a:endParaRPr>
-          </a:p>
-        </p:txBody>
-      </p:sp>
-      <p:sp>
-        <p:nvSpPr>
-          <p:cNvPr id="30" name="Google Shape;432;p44"/>
-          <p:cNvSpPr txBox="1">
-            <a:spLocks/>
-          </p:cNvSpPr>
-          <p:nvPr/>
-        </p:nvSpPr>
-        <p:spPr>
-          <a:xfrm>
-            <a:off x="1059963" y="1921933"/>
-            <a:ext cx="5603303" cy="1751681"/>
-          </a:xfrm>
-          <a:prstGeom prst="rect">
-            <a:avLst/>
-          </a:prstGeom>
-        </p:spPr>
-        <p:txBody>
-          <a:bodyPr spcFirstLastPara="1" wrap="square" lIns="91425" tIns="91425" rIns="91425" bIns="91425" anchor="t" anchorCtr="0">
-            <a:noAutofit/>
-          </a:bodyPr>
-          <a:lstStyle>
-            <a:defPPr marR="0" lvl="0" algn="l" rtl="0">
-              <a:lnSpc>
-                <a:spcPct val="100000"/>
-              </a:lnSpc>
-              <a:spcBef>
-                <a:spcPts val="0"/>
-              </a:spcBef>
-              <a:spcAft>
-                <a:spcPts val="0"/>
-              </a:spcAft>
-            </a:defPPr>
-            <a:lvl1pPr marR="0" lvl="0" algn="l" rtl="0">
-              <a:lnSpc>
-                <a:spcPct val="100000"/>
-              </a:lnSpc>
-              <a:spcBef>
-                <a:spcPts val="0"/>
-              </a:spcBef>
-              <a:spcAft>
-                <a:spcPts val="0"/>
-              </a:spcAft>
-              <a:buClr>
-                <a:srgbClr val="000000"/>
-              </a:buClr>
-              <a:buFont typeface="Arial"/>
-              <a:defRPr sz="1400" b="0" i="0" u="none" strike="noStrike" cap="none">
-                <a:solidFill>
-                  <a:srgbClr val="000000"/>
-                </a:solidFill>
-                <a:latin typeface="Arial"/>
-                <a:ea typeface="Arial"/>
-                <a:cs typeface="Arial"/>
-                <a:sym typeface="Arial"/>
-              </a:defRPr>
-            </a:lvl1pPr>
-            <a:lvl2pPr marR="0" lvl="1" algn="l" rtl="0">
-              <a:lnSpc>
-                <a:spcPct val="100000"/>
-              </a:lnSpc>
-              <a:spcBef>
-                <a:spcPts val="0"/>
-              </a:spcBef>
-              <a:spcAft>
-                <a:spcPts val="0"/>
-              </a:spcAft>
-              <a:buClr>
-                <a:srgbClr val="000000"/>
-              </a:buClr>
-              <a:buFont typeface="Arial"/>
-              <a:defRPr sz="1400" b="0" i="0" u="none" strike="noStrike" cap="none">
-                <a:solidFill>
-                  <a:srgbClr val="000000"/>
-                </a:solidFill>
-                <a:latin typeface="Arial"/>
-                <a:ea typeface="Arial"/>
-                <a:cs typeface="Arial"/>
-                <a:sym typeface="Arial"/>
-              </a:defRPr>
-            </a:lvl2pPr>
-            <a:lvl3pPr marR="0" lvl="2" algn="l" rtl="0">
-              <a:lnSpc>
-                <a:spcPct val="100000"/>
-              </a:lnSpc>
-              <a:spcBef>
-                <a:spcPts val="0"/>
-              </a:spcBef>
-              <a:spcAft>
-                <a:spcPts val="0"/>
-              </a:spcAft>
-              <a:buClr>
-                <a:srgbClr val="000000"/>
-              </a:buClr>
-              <a:buFont typeface="Arial"/>
-              <a:defRPr sz="1400" b="0" i="0" u="none" strike="noStrike" cap="none">
-                <a:solidFill>
-                  <a:srgbClr val="000000"/>
-                </a:solidFill>
-                <a:latin typeface="Arial"/>
-                <a:ea typeface="Arial"/>
-                <a:cs typeface="Arial"/>
-                <a:sym typeface="Arial"/>
-              </a:defRPr>
-            </a:lvl3pPr>
-            <a:lvl4pPr marR="0" lvl="3" algn="l" rtl="0">
-              <a:lnSpc>
-                <a:spcPct val="100000"/>
-              </a:lnSpc>
-              <a:spcBef>
-                <a:spcPts val="0"/>
-              </a:spcBef>
-              <a:spcAft>
-                <a:spcPts val="0"/>
-              </a:spcAft>
-              <a:buClr>
-                <a:srgbClr val="000000"/>
-              </a:buClr>
-              <a:buFont typeface="Arial"/>
-              <a:defRPr sz="1400" b="0" i="0" u="none" strike="noStrike" cap="none">
-                <a:solidFill>
-                  <a:srgbClr val="000000"/>
-                </a:solidFill>
-                <a:latin typeface="Arial"/>
-                <a:ea typeface="Arial"/>
-                <a:cs typeface="Arial"/>
-                <a:sym typeface="Arial"/>
-              </a:defRPr>
-            </a:lvl4pPr>
-            <a:lvl5pPr marR="0" lvl="4" algn="l" rtl="0">
-              <a:lnSpc>
-                <a:spcPct val="100000"/>
-              </a:lnSpc>
-              <a:spcBef>
-                <a:spcPts val="0"/>
-              </a:spcBef>
-              <a:spcAft>
-                <a:spcPts val="0"/>
-              </a:spcAft>
-              <a:buClr>
-                <a:srgbClr val="000000"/>
-              </a:buClr>
-              <a:buFont typeface="Arial"/>
-              <a:defRPr sz="1400" b="0" i="0" u="none" strike="noStrike" cap="none">
-                <a:solidFill>
-                  <a:srgbClr val="000000"/>
-                </a:solidFill>
-                <a:latin typeface="Arial"/>
-                <a:ea typeface="Arial"/>
-                <a:cs typeface="Arial"/>
-                <a:sym typeface="Arial"/>
-              </a:defRPr>
-            </a:lvl5pPr>
-            <a:lvl6pPr marR="0" lvl="5" algn="l" rtl="0">
-              <a:lnSpc>
-                <a:spcPct val="100000"/>
-              </a:lnSpc>
-              <a:spcBef>
-                <a:spcPts val="0"/>
-              </a:spcBef>
-              <a:spcAft>
-                <a:spcPts val="0"/>
-              </a:spcAft>
-              <a:buClr>
-                <a:srgbClr val="000000"/>
-              </a:buClr>
-              <a:buFont typeface="Arial"/>
-              <a:defRPr sz="1400" b="0" i="0" u="none" strike="noStrike" cap="none">
-                <a:solidFill>
-                  <a:srgbClr val="000000"/>
-                </a:solidFill>
-                <a:latin typeface="Arial"/>
-                <a:ea typeface="Arial"/>
-                <a:cs typeface="Arial"/>
-                <a:sym typeface="Arial"/>
-              </a:defRPr>
-            </a:lvl6pPr>
-            <a:lvl7pPr marR="0" lvl="6" algn="l" rtl="0">
-              <a:lnSpc>
-                <a:spcPct val="100000"/>
-              </a:lnSpc>
-              <a:spcBef>
-                <a:spcPts val="0"/>
-              </a:spcBef>
-              <a:spcAft>
-                <a:spcPts val="0"/>
-              </a:spcAft>
-              <a:buClr>
-                <a:srgbClr val="000000"/>
-              </a:buClr>
-              <a:buFont typeface="Arial"/>
-              <a:defRPr sz="1400" b="0" i="0" u="none" strike="noStrike" cap="none">
-                <a:solidFill>
-                  <a:srgbClr val="000000"/>
-                </a:solidFill>
-                <a:latin typeface="Arial"/>
-                <a:ea typeface="Arial"/>
-                <a:cs typeface="Arial"/>
-                <a:sym typeface="Arial"/>
-              </a:defRPr>
-            </a:lvl7pPr>
-            <a:lvl8pPr marR="0" lvl="7" algn="l" rtl="0">
-              <a:lnSpc>
-                <a:spcPct val="100000"/>
-              </a:lnSpc>
-              <a:spcBef>
-                <a:spcPts val="0"/>
-              </a:spcBef>
-              <a:spcAft>
-                <a:spcPts val="0"/>
-              </a:spcAft>
-              <a:buClr>
-                <a:srgbClr val="000000"/>
-              </a:buClr>
-              <a:buFont typeface="Arial"/>
-              <a:defRPr sz="1400" b="0" i="0" u="none" strike="noStrike" cap="none">
-                <a:solidFill>
-                  <a:srgbClr val="000000"/>
-                </a:solidFill>
-                <a:latin typeface="Arial"/>
-                <a:ea typeface="Arial"/>
-                <a:cs typeface="Arial"/>
-                <a:sym typeface="Arial"/>
-              </a:defRPr>
-            </a:lvl8pPr>
-            <a:lvl9pPr marR="0" lvl="8" algn="l" rtl="0">
-              <a:lnSpc>
-                <a:spcPct val="100000"/>
-              </a:lnSpc>
-              <a:spcBef>
-                <a:spcPts val="0"/>
-              </a:spcBef>
-              <a:spcAft>
-                <a:spcPts val="0"/>
-              </a:spcAft>
-              <a:buClr>
-                <a:srgbClr val="000000"/>
-              </a:buClr>
-              <a:buFont typeface="Arial"/>
-              <a:defRPr sz="1400" b="0" i="0" u="none" strike="noStrike" cap="none">
-                <a:solidFill>
-                  <a:srgbClr val="000000"/>
-                </a:solidFill>
-                <a:latin typeface="Arial"/>
-                <a:ea typeface="Arial"/>
-                <a:cs typeface="Arial"/>
-                <a:sym typeface="Arial"/>
-              </a:defRPr>
-            </a:lvl9pPr>
-          </a:lstStyle>
-          <a:p>
-            <a:pPr marL="285750" indent="-285750">
-              <a:lnSpc>
-                <a:spcPct val="150000"/>
-              </a:lnSpc>
-              <a:buClrTx/>
-              <a:buFont typeface="Wingdings" panose="05000000000000000000" pitchFamily="2" charset="2"/>
-              <a:buChar char="q"/>
-            </a:pPr>
-            <a:r>
-              <a:rPr lang="en-GB" sz="2400" dirty="0" smtClean="0">
-                <a:latin typeface="Calibri" panose="020F0502020204030204" pitchFamily="34" charset="0"/>
-                <a:ea typeface="Calibri" panose="020F0502020204030204" pitchFamily="34" charset="0"/>
-                <a:cs typeface="Calibri" panose="020F0502020204030204" pitchFamily="34" charset="0"/>
-              </a:rPr>
-              <a:t>Hosen </a:t>
-            </a:r>
-            <a:r>
-              <a:rPr lang="en-GB" sz="2400" dirty="0" err="1" smtClean="0">
-                <a:latin typeface="Calibri" panose="020F0502020204030204" pitchFamily="34" charset="0"/>
-                <a:ea typeface="Calibri" panose="020F0502020204030204" pitchFamily="34" charset="0"/>
-                <a:cs typeface="Calibri" panose="020F0502020204030204" pitchFamily="34" charset="0"/>
-              </a:rPr>
-              <a:t>Md</a:t>
-            </a:r>
-            <a:r>
-              <a:rPr lang="en-GB" sz="2400" dirty="0" smtClean="0">
-                <a:latin typeface="Calibri" panose="020F0502020204030204" pitchFamily="34" charset="0"/>
-                <a:ea typeface="Calibri" panose="020F0502020204030204" pitchFamily="34" charset="0"/>
-                <a:cs typeface="Calibri" panose="020F0502020204030204" pitchFamily="34" charset="0"/>
-              </a:rPr>
-              <a:t> Anwar (20243204)</a:t>
-            </a:r>
-          </a:p>
-          <a:p>
-            <a:pPr marL="285750" indent="-285750">
-              <a:lnSpc>
-                <a:spcPct val="150000"/>
-              </a:lnSpc>
-              <a:buClrTx/>
-              <a:buFont typeface="Wingdings" panose="05000000000000000000" pitchFamily="2" charset="2"/>
-              <a:buChar char="q"/>
-            </a:pPr>
-            <a:r>
-              <a:rPr lang="en-GB" sz="2400" dirty="0" smtClean="0">
-                <a:latin typeface="Calibri" panose="020F0502020204030204" pitchFamily="34" charset="0"/>
-                <a:ea typeface="Calibri" panose="020F0502020204030204" pitchFamily="34" charset="0"/>
-                <a:cs typeface="Calibri" panose="020F0502020204030204" pitchFamily="34" charset="0"/>
-              </a:rPr>
-              <a:t>Hossain </a:t>
-            </a:r>
-            <a:r>
-              <a:rPr lang="en-GB" sz="2400" dirty="0" err="1" smtClean="0">
-                <a:latin typeface="Calibri" panose="020F0502020204030204" pitchFamily="34" charset="0"/>
-                <a:ea typeface="Calibri" panose="020F0502020204030204" pitchFamily="34" charset="0"/>
-                <a:cs typeface="Calibri" panose="020F0502020204030204" pitchFamily="34" charset="0"/>
-              </a:rPr>
-              <a:t>Md</a:t>
-            </a:r>
-            <a:r>
-              <a:rPr lang="en-GB" sz="2400" dirty="0" smtClean="0">
-                <a:latin typeface="Calibri" panose="020F0502020204030204" pitchFamily="34" charset="0"/>
-                <a:ea typeface="Calibri" panose="020F0502020204030204" pitchFamily="34" charset="0"/>
-                <a:cs typeface="Calibri" panose="020F0502020204030204" pitchFamily="34" charset="0"/>
-              </a:rPr>
-              <a:t> Arafat (20243215)</a:t>
-            </a:r>
-          </a:p>
-          <a:p>
-            <a:pPr marL="285750" indent="-285750">
-              <a:lnSpc>
-                <a:spcPct val="150000"/>
-              </a:lnSpc>
-              <a:buClrTx/>
-              <a:buFont typeface="Wingdings" panose="05000000000000000000" pitchFamily="2" charset="2"/>
-              <a:buChar char="q"/>
-            </a:pPr>
-            <a:r>
-              <a:rPr lang="en-GB" sz="2400" dirty="0" smtClean="0">
-                <a:latin typeface="Calibri" panose="020F0502020204030204" pitchFamily="34" charset="0"/>
-                <a:ea typeface="Calibri" panose="020F0502020204030204" pitchFamily="34" charset="0"/>
-                <a:cs typeface="Calibri" panose="020F0502020204030204" pitchFamily="34" charset="0"/>
-              </a:rPr>
-              <a:t>Azad Al-Rafi (20243233)</a:t>
-            </a:r>
-          </a:p>
-          <a:p>
-            <a:pPr marL="285750" indent="-285750">
-              <a:lnSpc>
-                <a:spcPct val="150000"/>
-              </a:lnSpc>
-              <a:buClrTx/>
-              <a:buFont typeface="Wingdings" panose="05000000000000000000" pitchFamily="2" charset="2"/>
-              <a:buChar char="q"/>
-            </a:pPr>
-            <a:r>
-              <a:rPr lang="en-GB" sz="2400" dirty="0" smtClean="0">
-                <a:latin typeface="Calibri" panose="020F0502020204030204" pitchFamily="34" charset="0"/>
-                <a:ea typeface="Calibri" panose="020F0502020204030204" pitchFamily="34" charset="0"/>
-                <a:cs typeface="Calibri" panose="020F0502020204030204" pitchFamily="34" charset="0"/>
-              </a:rPr>
-              <a:t>Islam </a:t>
-            </a:r>
-            <a:r>
-              <a:rPr lang="en-GB" sz="2400" dirty="0" err="1" smtClean="0">
-                <a:latin typeface="Calibri" panose="020F0502020204030204" pitchFamily="34" charset="0"/>
-                <a:ea typeface="Calibri" panose="020F0502020204030204" pitchFamily="34" charset="0"/>
-                <a:cs typeface="Calibri" panose="020F0502020204030204" pitchFamily="34" charset="0"/>
-              </a:rPr>
-              <a:t>Taohidul</a:t>
-            </a:r>
-            <a:r>
-              <a:rPr lang="en-GB" sz="2400" dirty="0" smtClean="0">
-                <a:latin typeface="Calibri" panose="020F0502020204030204" pitchFamily="34" charset="0"/>
-                <a:ea typeface="Calibri" panose="020F0502020204030204" pitchFamily="34" charset="0"/>
-                <a:cs typeface="Calibri" panose="020F0502020204030204" pitchFamily="34" charset="0"/>
-              </a:rPr>
-              <a:t> (20243225)</a:t>
-            </a:r>
-          </a:p>
-        </p:txBody>
-      </p:sp>
-    </p:spTree>
-    <p:extLst>
-      <p:ext uri="{BB962C8B-B14F-4D97-AF65-F5344CB8AC3E}">
-        <p14:creationId xmlns:p14="http://schemas.microsoft.com/office/powerpoint/2010/main" val="3681773408"/>
-      </p:ext>
-    </p:extLst>
-  </p:cSld>
-  <p:clrMapOvr>
-    <a:masterClrMapping/>
-  </p:clrMapOvr>
-  <p:transition spd="med">
-    <p:pull/>
-  </p:transition>
-  <p:timing>
-    <p:tnLst>
-      <p:par>
-        <p:cTn id="1" dur="indefinite" restart="never" nodeType="tmRoot"/>
-      </p:par>
-    </p:tnLst>
-  </p:timing>
-</p:sld>
-</file>
-
-<file path=ppt/slides/slide3.xml><?xml version="1.0" encoding="utf-8"?>
-<p:sld xmlns:a="http://schemas.openxmlformats.org/drawingml/2006/main" xmlns:r="http://schemas.openxmlformats.org/officeDocument/2006/relationships" xmlns:p="http://schemas.openxmlformats.org/presentationml/2006/main">
-  <p:cSld>
-    <p:spTree>
-      <p:nvGrpSpPr>
-        <p:cNvPr id="1" name="Shape 418"/>
-        <p:cNvGrpSpPr/>
-        <p:nvPr/>
-      </p:nvGrpSpPr>
-      <p:grpSpPr>
-        <a:xfrm>
-          <a:off x="0" y="0"/>
-          <a:ext cx="0" cy="0"/>
-          <a:chOff x="0" y="0"/>
-          <a:chExt cx="0" cy="0"/>
-        </a:xfrm>
-      </p:grpSpPr>
-      <p:sp>
-        <p:nvSpPr>
-          <p:cNvPr id="420" name="Google Shape;420;p43"/>
-          <p:cNvSpPr txBox="1">
-            <a:spLocks noGrp="1"/>
-          </p:cNvSpPr>
-          <p:nvPr>
-            <p:ph type="title"/>
-          </p:nvPr>
-        </p:nvSpPr>
-        <p:spPr>
-          <a:xfrm>
-            <a:off x="3905960" y="2753579"/>
-            <a:ext cx="4661100" cy="981300"/>
-          </a:xfrm>
-          <a:prstGeom prst="rect">
-            <a:avLst/>
-          </a:prstGeom>
-        </p:spPr>
-        <p:txBody>
-          <a:bodyPr spcFirstLastPara="1" wrap="square" lIns="91425" tIns="91425" rIns="91425" bIns="91425" anchor="b" anchorCtr="0">
-            <a:noAutofit/>
-          </a:bodyPr>
-          <a:lstStyle/>
-          <a:p>
-            <a:pPr marL="0" lvl="0" indent="0" algn="r" rtl="0">
-              <a:spcBef>
-                <a:spcPts val="0"/>
-              </a:spcBef>
-              <a:spcAft>
-                <a:spcPts val="0"/>
-              </a:spcAft>
-              <a:buNone/>
-            </a:pPr>
-            <a:r>
-              <a:rPr lang="en-US" sz="3500" dirty="0" smtClean="0"/>
-              <a:t>User </a:t>
-            </a:r>
-            <a:br>
-              <a:rPr lang="en-US" sz="3500" dirty="0" smtClean="0"/>
-            </a:br>
-            <a:r>
-              <a:rPr lang="en-US" sz="3500" dirty="0" smtClean="0"/>
-              <a:t>Registration </a:t>
-            </a:r>
-            <a:br>
-              <a:rPr lang="en-US" sz="3500" dirty="0" smtClean="0"/>
-            </a:br>
-            <a:r>
-              <a:rPr lang="en-US" sz="3500" dirty="0" smtClean="0"/>
-              <a:t>Error </a:t>
-            </a:r>
-            <a:br>
-              <a:rPr lang="en-US" sz="3500" dirty="0" smtClean="0"/>
-            </a:br>
-            <a:r>
-              <a:rPr lang="en-US" sz="3500" dirty="0" smtClean="0"/>
-              <a:t>Handling</a:t>
-            </a:r>
-            <a:endParaRPr sz="3500" dirty="0"/>
-          </a:p>
-        </p:txBody>
-      </p:sp>
-      <p:grpSp>
-        <p:nvGrpSpPr>
-          <p:cNvPr id="421" name="Google Shape;421;p43"/>
-          <p:cNvGrpSpPr/>
-          <p:nvPr/>
-        </p:nvGrpSpPr>
-        <p:grpSpPr>
-          <a:xfrm>
-            <a:off x="181160" y="508623"/>
-            <a:ext cx="8385900" cy="90900"/>
-            <a:chOff x="160950" y="480600"/>
-            <a:chExt cx="8385900" cy="90900"/>
-          </a:xfrm>
-        </p:grpSpPr>
-        <p:cxnSp>
-          <p:nvCxnSpPr>
-            <p:cNvPr id="422" name="Google Shape;422;p43"/>
-            <p:cNvCxnSpPr/>
-            <p:nvPr/>
-          </p:nvCxnSpPr>
-          <p:spPr>
-            <a:xfrm>
-              <a:off x="160950" y="571500"/>
-              <a:ext cx="8385900" cy="0"/>
-            </a:xfrm>
-            <a:prstGeom prst="straightConnector1">
-              <a:avLst/>
-            </a:prstGeom>
-            <a:noFill/>
-            <a:ln w="9525" cap="flat" cmpd="sng">
-              <a:solidFill>
-                <a:schemeClr val="lt1"/>
-              </a:solidFill>
-              <a:prstDash val="solid"/>
-              <a:round/>
-              <a:headEnd type="none" w="med" len="med"/>
-              <a:tailEnd type="none" w="med" len="med"/>
-            </a:ln>
-          </p:spPr>
-        </p:cxnSp>
-        <p:sp>
-          <p:nvSpPr>
-            <p:cNvPr id="423" name="Google Shape;423;p43"/>
-            <p:cNvSpPr/>
-            <p:nvPr/>
-          </p:nvSpPr>
-          <p:spPr>
-            <a:xfrm>
-              <a:off x="8041650" y="480600"/>
-              <a:ext cx="505200" cy="90900"/>
-            </a:xfrm>
-            <a:prstGeom prst="rect">
-              <a:avLst/>
-            </a:prstGeom>
-            <a:solidFill>
-              <a:schemeClr val="lt1"/>
-            </a:solidFill>
-            <a:ln>
-              <a:noFill/>
-            </a:ln>
-          </p:spPr>
-          <p:txBody>
-            <a:bodyPr spcFirstLastPara="1" wrap="square" lIns="91425" tIns="91425" rIns="91425" bIns="91425" anchor="ctr" anchorCtr="0">
-              <a:noAutofit/>
-            </a:bodyPr>
-            <a:lstStyle/>
-            <a:p>
-              <a:pPr marL="0" lvl="0" indent="0" algn="l" rtl="0">
-                <a:spcBef>
-                  <a:spcPts val="0"/>
-                </a:spcBef>
-                <a:spcAft>
-                  <a:spcPts val="0"/>
-                </a:spcAft>
-                <a:buNone/>
-              </a:pPr>
-              <a:endParaRPr/>
-            </a:p>
-          </p:txBody>
-        </p:sp>
-      </p:grpSp>
-      <p:grpSp>
-        <p:nvGrpSpPr>
-          <p:cNvPr id="424" name="Google Shape;424;p43"/>
-          <p:cNvGrpSpPr/>
-          <p:nvPr/>
-        </p:nvGrpSpPr>
-        <p:grpSpPr>
-          <a:xfrm>
-            <a:off x="1113520" y="156298"/>
-            <a:ext cx="90900" cy="3697200"/>
-            <a:chOff x="1113520" y="156298"/>
-            <a:chExt cx="90900" cy="3697200"/>
-          </a:xfrm>
-        </p:grpSpPr>
-        <p:sp>
-          <p:nvSpPr>
-            <p:cNvPr id="425" name="Google Shape;425;p43"/>
-            <p:cNvSpPr/>
-            <p:nvPr/>
-          </p:nvSpPr>
-          <p:spPr>
-            <a:xfrm rot="-5400000">
-              <a:off x="906370" y="3555448"/>
-              <a:ext cx="505200" cy="90900"/>
-            </a:xfrm>
-            <a:prstGeom prst="rect">
-              <a:avLst/>
-            </a:prstGeom>
-            <a:solidFill>
-              <a:schemeClr val="lt1"/>
-            </a:solidFill>
-            <a:ln>
-              <a:noFill/>
-            </a:ln>
-          </p:spPr>
-          <p:txBody>
-            <a:bodyPr spcFirstLastPara="1" wrap="square" lIns="91425" tIns="91425" rIns="91425" bIns="91425" anchor="ctr" anchorCtr="0">
-              <a:noAutofit/>
-            </a:bodyPr>
-            <a:lstStyle/>
-            <a:p>
-              <a:pPr marL="0" lvl="0" indent="0" algn="l" rtl="0">
-                <a:spcBef>
-                  <a:spcPts val="0"/>
-                </a:spcBef>
-                <a:spcAft>
-                  <a:spcPts val="0"/>
-                </a:spcAft>
-                <a:buNone/>
-              </a:pPr>
-              <a:endParaRPr/>
-            </a:p>
-          </p:txBody>
-        </p:sp>
-        <p:cxnSp>
-          <p:nvCxnSpPr>
-            <p:cNvPr id="426" name="Google Shape;426;p43"/>
-            <p:cNvCxnSpPr/>
-            <p:nvPr/>
-          </p:nvCxnSpPr>
-          <p:spPr>
-            <a:xfrm rot="10800000">
-              <a:off x="1121185" y="156298"/>
-              <a:ext cx="0" cy="3434700"/>
-            </a:xfrm>
-            <a:prstGeom prst="straightConnector1">
-              <a:avLst/>
-            </a:prstGeom>
-            <a:noFill/>
-            <a:ln w="9525" cap="flat" cmpd="sng">
-              <a:solidFill>
-                <a:schemeClr val="lt1"/>
-              </a:solidFill>
-              <a:prstDash val="solid"/>
-              <a:round/>
-              <a:headEnd type="none" w="med" len="med"/>
-              <a:tailEnd type="none" w="med" len="med"/>
-            </a:ln>
-          </p:spPr>
-        </p:cxnSp>
-      </p:grpSp>
-      <p:pic>
-        <p:nvPicPr>
-          <p:cNvPr id="2" name="Picture 1"/>
-          <p:cNvPicPr>
-            <a:picLocks noChangeAspect="1"/>
-          </p:cNvPicPr>
-          <p:nvPr/>
-        </p:nvPicPr>
-        <p:blipFill>
-          <a:blip r:embed="rId3">
-            <a:extLst>
-              <a:ext uri="{28A0092B-C50C-407E-A947-70E740481C1C}">
-                <a14:useLocalDpi xmlns:a14="http://schemas.microsoft.com/office/drawing/2010/main" val="0"/>
-              </a:ext>
-            </a:extLst>
-          </a:blip>
-          <a:stretch>
-            <a:fillRect/>
-          </a:stretch>
-        </p:blipFill>
-        <p:spPr>
-          <a:xfrm>
-            <a:off x="1113519" y="783551"/>
-            <a:ext cx="4231372" cy="3940057"/>
+            <a:off x="797546" y="1297913"/>
+            <a:ext cx="4925919" cy="2991473"/>
           </a:xfrm>
           <a:prstGeom prst="rect">
             <a:avLst/>
@@ -6966,460 +7400,9 @@
         </p:spPr>
       </p:pic>
     </p:spTree>
-  </p:cSld>
-  <p:clrMapOvr>
-    <a:masterClrMapping/>
-  </p:clrMapOvr>
-  <p:transition spd="med">
-    <p:pull/>
-  </p:transition>
-  <p:timing>
-    <p:tnLst>
-      <p:par>
-        <p:cTn id="1" dur="indefinite" restart="never" nodeType="tmRoot"/>
-      </p:par>
-    </p:tnLst>
-  </p:timing>
-</p:sld>
-</file>
-
-<file path=ppt/slides/slide4.xml><?xml version="1.0" encoding="utf-8"?>
-<p:sld xmlns:a="http://schemas.openxmlformats.org/drawingml/2006/main" xmlns:r="http://schemas.openxmlformats.org/officeDocument/2006/relationships" xmlns:p="http://schemas.openxmlformats.org/presentationml/2006/main">
-  <p:cSld>
-    <p:spTree>
-      <p:nvGrpSpPr>
-        <p:cNvPr id="1" name="Shape 430"/>
-        <p:cNvGrpSpPr/>
-        <p:nvPr/>
-      </p:nvGrpSpPr>
-      <p:grpSpPr>
-        <a:xfrm>
-          <a:off x="0" y="0"/>
-          <a:ext cx="0" cy="0"/>
-          <a:chOff x="0" y="0"/>
-          <a:chExt cx="0" cy="0"/>
-        </a:xfrm>
-      </p:grpSpPr>
-      <p:sp>
-        <p:nvSpPr>
-          <p:cNvPr id="431" name="Google Shape;431;p44"/>
-          <p:cNvSpPr txBox="1">
-            <a:spLocks noGrp="1"/>
-          </p:cNvSpPr>
-          <p:nvPr>
-            <p:ph type="title"/>
-          </p:nvPr>
-        </p:nvSpPr>
-        <p:spPr>
-          <a:xfrm>
-            <a:off x="662030" y="1928048"/>
-            <a:ext cx="4360200" cy="1282500"/>
-          </a:xfrm>
-          <a:prstGeom prst="rect">
-            <a:avLst/>
-          </a:prstGeom>
-        </p:spPr>
-        <p:txBody>
-          <a:bodyPr spcFirstLastPara="1" wrap="square" lIns="91425" tIns="91425" rIns="91425" bIns="91425" anchor="b" anchorCtr="0">
-            <a:noAutofit/>
-          </a:bodyPr>
-          <a:lstStyle/>
-          <a:p>
-            <a:pPr marL="0" lvl="0" indent="0" algn="l" rtl="0">
-              <a:spcBef>
-                <a:spcPts val="0"/>
-              </a:spcBef>
-              <a:spcAft>
-                <a:spcPts val="0"/>
-              </a:spcAft>
-              <a:buNone/>
-            </a:pPr>
-            <a:r>
-              <a:rPr lang="en-US" sz="3000" dirty="0" smtClean="0"/>
-              <a:t>Users </a:t>
-            </a:r>
-            <a:br>
-              <a:rPr lang="en-US" sz="3000" dirty="0" smtClean="0"/>
-            </a:br>
-            <a:r>
-              <a:rPr lang="en-US" sz="3000" dirty="0" smtClean="0"/>
-              <a:t>Management </a:t>
-            </a:r>
-            <a:br>
-              <a:rPr lang="en-US" sz="3000" dirty="0" smtClean="0"/>
-            </a:br>
-            <a:r>
-              <a:rPr lang="en-US" sz="3000" dirty="0" smtClean="0"/>
-              <a:t>System </a:t>
-            </a:r>
-            <a:br>
-              <a:rPr lang="en-US" sz="3000" dirty="0" smtClean="0"/>
-            </a:br>
-            <a:r>
-              <a:rPr lang="en-US" sz="3000" dirty="0" smtClean="0"/>
-              <a:t>(Admin only)</a:t>
-            </a:r>
-            <a:endParaRPr sz="3000" dirty="0"/>
-          </a:p>
-        </p:txBody>
-      </p:sp>
-      <p:sp>
-        <p:nvSpPr>
-          <p:cNvPr id="432" name="Google Shape;432;p44"/>
-          <p:cNvSpPr txBox="1">
-            <a:spLocks noGrp="1"/>
-          </p:cNvSpPr>
-          <p:nvPr>
-            <p:ph type="subTitle" idx="1"/>
-          </p:nvPr>
-        </p:nvSpPr>
-        <p:spPr>
-          <a:xfrm>
-            <a:off x="662030" y="3210548"/>
-            <a:ext cx="4360200" cy="403800"/>
-          </a:xfrm>
-          <a:prstGeom prst="rect">
-            <a:avLst/>
-          </a:prstGeom>
-        </p:spPr>
-        <p:txBody>
-          <a:bodyPr spcFirstLastPara="1" wrap="square" lIns="91425" tIns="91425" rIns="91425" bIns="91425" anchor="t" anchorCtr="0">
-            <a:noAutofit/>
-          </a:bodyPr>
-          <a:lstStyle/>
-          <a:p>
-            <a:pPr marL="285750" lvl="0" indent="-285750" algn="l" rtl="0">
-              <a:spcBef>
-                <a:spcPts val="0"/>
-              </a:spcBef>
-              <a:spcAft>
-                <a:spcPts val="0"/>
-              </a:spcAft>
-              <a:buClrTx/>
-              <a:buFont typeface="Wingdings" panose="05000000000000000000" pitchFamily="2" charset="2"/>
-              <a:buChar char="q"/>
-            </a:pPr>
-            <a:r>
-              <a:rPr lang="en-US" dirty="0" smtClean="0">
-                <a:latin typeface="Ebrima" panose="02000000000000000000" pitchFamily="2" charset="0"/>
-                <a:ea typeface="Ebrima" panose="02000000000000000000" pitchFamily="2" charset="0"/>
-                <a:cs typeface="Ebrima" panose="02000000000000000000" pitchFamily="2" charset="0"/>
-              </a:rPr>
-              <a:t>View All Users</a:t>
-            </a:r>
-            <a:endParaRPr lang="en-US" dirty="0">
-              <a:latin typeface="Calibri" panose="020F0502020204030204" pitchFamily="34" charset="0"/>
-              <a:ea typeface="Calibri" panose="020F0502020204030204" pitchFamily="34" charset="0"/>
-              <a:cs typeface="Calibri" panose="020F0502020204030204" pitchFamily="34" charset="0"/>
-            </a:endParaRPr>
-          </a:p>
-          <a:p>
-            <a:pPr marL="285750" lvl="0" indent="-285750" algn="l" rtl="0">
-              <a:spcBef>
-                <a:spcPts val="0"/>
-              </a:spcBef>
-              <a:spcAft>
-                <a:spcPts val="0"/>
-              </a:spcAft>
-              <a:buClrTx/>
-              <a:buFont typeface="Wingdings" panose="05000000000000000000" pitchFamily="2" charset="2"/>
-              <a:buChar char="q"/>
-            </a:pPr>
-            <a:r>
-              <a:rPr lang="en-US" dirty="0" smtClean="0">
-                <a:latin typeface="Calibri" panose="020F0502020204030204" pitchFamily="34" charset="0"/>
-                <a:ea typeface="Calibri" panose="020F0502020204030204" pitchFamily="34" charset="0"/>
-                <a:cs typeface="Calibri" panose="020F0502020204030204" pitchFamily="34" charset="0"/>
-              </a:rPr>
-              <a:t>Search User by Name, Username etc.</a:t>
-            </a:r>
-          </a:p>
-          <a:p>
-            <a:pPr marL="285750" lvl="0" indent="-285750" algn="l" rtl="0">
-              <a:spcBef>
-                <a:spcPts val="0"/>
-              </a:spcBef>
-              <a:spcAft>
-                <a:spcPts val="0"/>
-              </a:spcAft>
-              <a:buClrTx/>
-              <a:buFont typeface="Wingdings" panose="05000000000000000000" pitchFamily="2" charset="2"/>
-              <a:buChar char="q"/>
-            </a:pPr>
-            <a:r>
-              <a:rPr lang="en-US" dirty="0" smtClean="0">
-                <a:latin typeface="Calibri" panose="020F0502020204030204" pitchFamily="34" charset="0"/>
-                <a:ea typeface="Calibri" panose="020F0502020204030204" pitchFamily="34" charset="0"/>
-                <a:cs typeface="Calibri" panose="020F0502020204030204" pitchFamily="34" charset="0"/>
-              </a:rPr>
-              <a:t>Delete User</a:t>
-            </a:r>
-          </a:p>
-          <a:p>
-            <a:pPr marL="285750" lvl="0" indent="-285750" algn="l" rtl="0">
-              <a:spcBef>
-                <a:spcPts val="0"/>
-              </a:spcBef>
-              <a:spcAft>
-                <a:spcPts val="0"/>
-              </a:spcAft>
-              <a:buClrTx/>
-              <a:buFont typeface="Wingdings" panose="05000000000000000000" pitchFamily="2" charset="2"/>
-              <a:buChar char="q"/>
-            </a:pPr>
-            <a:r>
-              <a:rPr lang="en-US" dirty="0" smtClean="0">
-                <a:latin typeface="Calibri" panose="020F0502020204030204" pitchFamily="34" charset="0"/>
-                <a:ea typeface="Calibri" panose="020F0502020204030204" pitchFamily="34" charset="0"/>
-                <a:cs typeface="Calibri" panose="020F0502020204030204" pitchFamily="34" charset="0"/>
-              </a:rPr>
-              <a:t>Update User</a:t>
-            </a:r>
-          </a:p>
-          <a:p>
-            <a:pPr marL="285750" lvl="0" indent="-285750" algn="l" rtl="0">
-              <a:spcBef>
-                <a:spcPts val="0"/>
-              </a:spcBef>
-              <a:spcAft>
-                <a:spcPts val="0"/>
-              </a:spcAft>
-              <a:buClrTx/>
-              <a:buFont typeface="Wingdings" panose="05000000000000000000" pitchFamily="2" charset="2"/>
-              <a:buChar char="q"/>
-            </a:pPr>
-            <a:r>
-              <a:rPr lang="en-US" dirty="0" smtClean="0">
-                <a:latin typeface="Calibri" panose="020F0502020204030204" pitchFamily="34" charset="0"/>
-                <a:ea typeface="Calibri" panose="020F0502020204030204" pitchFamily="34" charset="0"/>
-                <a:cs typeface="Calibri" panose="020F0502020204030204" pitchFamily="34" charset="0"/>
-              </a:rPr>
-              <a:t>View Workers(Admin, Manager, Staff)</a:t>
-            </a:r>
-            <a:endParaRPr dirty="0">
-              <a:latin typeface="Ebrima" panose="02000000000000000000" pitchFamily="2" charset="0"/>
-              <a:ea typeface="Ebrima" panose="02000000000000000000" pitchFamily="2" charset="0"/>
-              <a:cs typeface="Ebrima" panose="02000000000000000000" pitchFamily="2" charset="0"/>
-            </a:endParaRPr>
-          </a:p>
-        </p:txBody>
-      </p:sp>
-      <p:grpSp>
-        <p:nvGrpSpPr>
-          <p:cNvPr id="434" name="Google Shape;434;p44"/>
-          <p:cNvGrpSpPr/>
-          <p:nvPr/>
-        </p:nvGrpSpPr>
-        <p:grpSpPr>
-          <a:xfrm flipH="1">
-            <a:off x="576156" y="508623"/>
-            <a:ext cx="8385900" cy="90900"/>
-            <a:chOff x="160950" y="480600"/>
-            <a:chExt cx="8385900" cy="90900"/>
-          </a:xfrm>
-        </p:grpSpPr>
-        <p:cxnSp>
-          <p:nvCxnSpPr>
-            <p:cNvPr id="435" name="Google Shape;435;p44"/>
-            <p:cNvCxnSpPr/>
-            <p:nvPr/>
-          </p:nvCxnSpPr>
-          <p:spPr>
-            <a:xfrm>
-              <a:off x="160950" y="571500"/>
-              <a:ext cx="8385900" cy="0"/>
-            </a:xfrm>
-            <a:prstGeom prst="straightConnector1">
-              <a:avLst/>
-            </a:prstGeom>
-            <a:noFill/>
-            <a:ln w="9525" cap="flat" cmpd="sng">
-              <a:solidFill>
-                <a:schemeClr val="lt1"/>
-              </a:solidFill>
-              <a:prstDash val="solid"/>
-              <a:round/>
-              <a:headEnd type="none" w="med" len="med"/>
-              <a:tailEnd type="none" w="med" len="med"/>
-            </a:ln>
-          </p:spPr>
-        </p:cxnSp>
-        <p:sp>
-          <p:nvSpPr>
-            <p:cNvPr id="436" name="Google Shape;436;p44"/>
-            <p:cNvSpPr/>
-            <p:nvPr/>
-          </p:nvSpPr>
-          <p:spPr>
-            <a:xfrm>
-              <a:off x="8041650" y="480600"/>
-              <a:ext cx="505200" cy="90900"/>
-            </a:xfrm>
-            <a:prstGeom prst="rect">
-              <a:avLst/>
-            </a:prstGeom>
-            <a:solidFill>
-              <a:schemeClr val="lt1"/>
-            </a:solidFill>
-            <a:ln>
-              <a:noFill/>
-            </a:ln>
-          </p:spPr>
-          <p:txBody>
-            <a:bodyPr spcFirstLastPara="1" wrap="square" lIns="91425" tIns="91425" rIns="91425" bIns="91425" anchor="ctr" anchorCtr="0">
-              <a:noAutofit/>
-            </a:bodyPr>
-            <a:lstStyle/>
-            <a:p>
-              <a:pPr marL="0" lvl="0" indent="0" algn="l" rtl="0">
-                <a:spcBef>
-                  <a:spcPts val="0"/>
-                </a:spcBef>
-                <a:spcAft>
-                  <a:spcPts val="0"/>
-                </a:spcAft>
-                <a:buNone/>
-              </a:pPr>
-              <a:endParaRPr/>
-            </a:p>
-          </p:txBody>
-        </p:sp>
-      </p:grpSp>
-      <p:grpSp>
-        <p:nvGrpSpPr>
-          <p:cNvPr id="437" name="Google Shape;437;p44"/>
-          <p:cNvGrpSpPr/>
-          <p:nvPr/>
-        </p:nvGrpSpPr>
-        <p:grpSpPr>
-          <a:xfrm rot="10800000">
-            <a:off x="7961770" y="1295598"/>
-            <a:ext cx="90900" cy="3697200"/>
-            <a:chOff x="1113520" y="156298"/>
-            <a:chExt cx="90900" cy="3697200"/>
-          </a:xfrm>
-        </p:grpSpPr>
-        <p:sp>
-          <p:nvSpPr>
-            <p:cNvPr id="438" name="Google Shape;438;p44"/>
-            <p:cNvSpPr/>
-            <p:nvPr/>
-          </p:nvSpPr>
-          <p:spPr>
-            <a:xfrm rot="-5400000">
-              <a:off x="906370" y="3555448"/>
-              <a:ext cx="505200" cy="90900"/>
-            </a:xfrm>
-            <a:prstGeom prst="rect">
-              <a:avLst/>
-            </a:prstGeom>
-            <a:solidFill>
-              <a:schemeClr val="lt1"/>
-            </a:solidFill>
-            <a:ln>
-              <a:noFill/>
-            </a:ln>
-          </p:spPr>
-          <p:txBody>
-            <a:bodyPr spcFirstLastPara="1" wrap="square" lIns="91425" tIns="91425" rIns="91425" bIns="91425" anchor="ctr" anchorCtr="0">
-              <a:noAutofit/>
-            </a:bodyPr>
-            <a:lstStyle/>
-            <a:p>
-              <a:pPr marL="0" lvl="0" indent="0" algn="l" rtl="0">
-                <a:spcBef>
-                  <a:spcPts val="0"/>
-                </a:spcBef>
-                <a:spcAft>
-                  <a:spcPts val="0"/>
-                </a:spcAft>
-                <a:buNone/>
-              </a:pPr>
-              <a:endParaRPr/>
-            </a:p>
-          </p:txBody>
-        </p:sp>
-        <p:cxnSp>
-          <p:nvCxnSpPr>
-            <p:cNvPr id="439" name="Google Shape;439;p44"/>
-            <p:cNvCxnSpPr/>
-            <p:nvPr/>
-          </p:nvCxnSpPr>
-          <p:spPr>
-            <a:xfrm rot="10800000">
-              <a:off x="1121185" y="156298"/>
-              <a:ext cx="0" cy="3434700"/>
-            </a:xfrm>
-            <a:prstGeom prst="straightConnector1">
-              <a:avLst/>
-            </a:prstGeom>
-            <a:noFill/>
-            <a:ln w="9525" cap="flat" cmpd="sng">
-              <a:solidFill>
-                <a:schemeClr val="lt1"/>
-              </a:solidFill>
-              <a:prstDash val="solid"/>
-              <a:round/>
-              <a:headEnd type="none" w="med" len="med"/>
-              <a:tailEnd type="none" w="med" len="med"/>
-            </a:ln>
-          </p:spPr>
-        </p:cxnSp>
-      </p:grpSp>
-      <p:pic>
-        <p:nvPicPr>
-          <p:cNvPr id="2" name="Picture 1"/>
-          <p:cNvPicPr>
-            <a:picLocks noChangeAspect="1"/>
-          </p:cNvPicPr>
-          <p:nvPr/>
-        </p:nvPicPr>
-        <p:blipFill>
-          <a:blip r:embed="rId3"/>
-          <a:stretch>
-            <a:fillRect/>
-          </a:stretch>
-        </p:blipFill>
-        <p:spPr>
-          <a:xfrm>
-            <a:off x="4140040" y="1022083"/>
-            <a:ext cx="4392777" cy="3067237"/>
-          </a:xfrm>
-          <a:prstGeom prst="roundRect">
-            <a:avLst>
-              <a:gd name="adj" fmla="val 4167"/>
-            </a:avLst>
-          </a:prstGeom>
-          <a:solidFill>
-            <a:srgbClr val="FFFFFF"/>
-          </a:solidFill>
-          <a:ln w="76200" cap="sq">
-            <a:solidFill>
-              <a:srgbClr val="EAEAEA"/>
-            </a:solidFill>
-            <a:miter lim="800000"/>
-          </a:ln>
-          <a:effectLst>
-            <a:reflection blurRad="12700" stA="33000" endPos="28000" dist="5000" dir="5400000" sy="-100000" algn="bl" rotWithShape="0"/>
-          </a:effectLst>
-          <a:scene3d>
-            <a:camera prst="orthographicFront"/>
-            <a:lightRig rig="threePt" dir="t">
-              <a:rot lat="0" lon="0" rev="2700000"/>
-            </a:lightRig>
-          </a:scene3d>
-          <a:sp3d contourW="6350">
-            <a:bevelT h="38100"/>
-            <a:contourClr>
-              <a:srgbClr val="C0C0C0"/>
-            </a:contourClr>
-          </a:sp3d>
-        </p:spPr>
-      </p:pic>
-    </p:spTree>
     <p:extLst>
       <p:ext uri="{BB962C8B-B14F-4D97-AF65-F5344CB8AC3E}">
-        <p14:creationId xmlns:p14="http://schemas.microsoft.com/office/powerpoint/2010/main" val="1500649986"/>
+        <p14:creationId xmlns:p14="http://schemas.microsoft.com/office/powerpoint/2010/main" val="2480069136"/>
       </p:ext>
     </p:extLst>
   </p:cSld>
@@ -7429,1842 +7412,6 @@
   <p:transition spd="med">
     <p:pull/>
   </p:transition>
-  <p:timing>
-    <p:tnLst>
-      <p:par>
-        <p:cTn id="1" dur="indefinite" restart="never" nodeType="tmRoot"/>
-      </p:par>
-    </p:tnLst>
-  </p:timing>
-</p:sld>
-</file>
-
-<file path=ppt/slides/slide5.xml><?xml version="1.0" encoding="utf-8"?>
-<p:sld xmlns:a="http://schemas.openxmlformats.org/drawingml/2006/main" xmlns:r="http://schemas.openxmlformats.org/officeDocument/2006/relationships" xmlns:p="http://schemas.openxmlformats.org/presentationml/2006/main">
-  <p:cSld>
-    <p:spTree>
-      <p:nvGrpSpPr>
-        <p:cNvPr id="1" name="Shape 533"/>
-        <p:cNvGrpSpPr/>
-        <p:nvPr/>
-      </p:nvGrpSpPr>
-      <p:grpSpPr>
-        <a:xfrm>
-          <a:off x="0" y="0"/>
-          <a:ext cx="0" cy="0"/>
-          <a:chOff x="0" y="0"/>
-          <a:chExt cx="0" cy="0"/>
-        </a:xfrm>
-      </p:grpSpPr>
-      <p:sp>
-        <p:nvSpPr>
-          <p:cNvPr id="4" name="Google Shape;620;p62"/>
-          <p:cNvSpPr txBox="1">
-            <a:spLocks noGrp="1"/>
-          </p:cNvSpPr>
-          <p:nvPr>
-            <p:ph type="title"/>
-          </p:nvPr>
-        </p:nvSpPr>
-        <p:spPr>
-          <a:xfrm>
-            <a:off x="1539230" y="400512"/>
-            <a:ext cx="5879050" cy="572700"/>
-          </a:xfrm>
-          <a:prstGeom prst="rect">
-            <a:avLst/>
-          </a:prstGeom>
-        </p:spPr>
-        <p:txBody>
-          <a:bodyPr spcFirstLastPara="1" wrap="square" lIns="91425" tIns="91425" rIns="91425" bIns="91425" anchor="t" anchorCtr="0">
-            <a:noAutofit/>
-          </a:bodyPr>
-          <a:lstStyle/>
-          <a:p>
-            <a:pPr marL="0" lvl="0" indent="0" algn="ctr" rtl="0">
-              <a:spcBef>
-                <a:spcPts val="0"/>
-              </a:spcBef>
-              <a:spcAft>
-                <a:spcPts val="0"/>
-              </a:spcAft>
-              <a:buNone/>
-            </a:pPr>
-            <a:r>
-              <a:rPr lang="en" sz="3000" dirty="0" smtClean="0"/>
-              <a:t>Users and Session Data Save</a:t>
-            </a:r>
-            <a:endParaRPr sz="3000" dirty="0"/>
-          </a:p>
-        </p:txBody>
-      </p:sp>
-      <p:grpSp>
-        <p:nvGrpSpPr>
-          <p:cNvPr id="6" name="Google Shape;622;p62"/>
-          <p:cNvGrpSpPr/>
-          <p:nvPr/>
-        </p:nvGrpSpPr>
-        <p:grpSpPr>
-          <a:xfrm>
-            <a:off x="2688620" y="1247222"/>
-            <a:ext cx="3766539" cy="2619239"/>
-            <a:chOff x="2266050" y="662750"/>
-            <a:chExt cx="4611900" cy="3207100"/>
-          </a:xfrm>
-        </p:grpSpPr>
-        <p:sp>
-          <p:nvSpPr>
-            <p:cNvPr id="7" name="Google Shape;623;p62"/>
-            <p:cNvSpPr/>
-            <p:nvPr/>
-          </p:nvSpPr>
-          <p:spPr>
-            <a:xfrm>
-              <a:off x="2266050" y="662750"/>
-              <a:ext cx="4611900" cy="2804700"/>
-            </a:xfrm>
-            <a:prstGeom prst="rect">
-              <a:avLst/>
-            </a:prstGeom>
-            <a:solidFill>
-              <a:schemeClr val="dk1"/>
-            </a:solidFill>
-            <a:ln>
-              <a:noFill/>
-            </a:ln>
-          </p:spPr>
-          <p:txBody>
-            <a:bodyPr spcFirstLastPara="1" wrap="square" lIns="91425" tIns="91425" rIns="91425" bIns="91425" anchor="ctr" anchorCtr="0">
-              <a:noAutofit/>
-            </a:bodyPr>
-            <a:lstStyle/>
-            <a:p>
-              <a:pPr marL="0" lvl="0" indent="0" algn="l" rtl="0">
-                <a:spcBef>
-                  <a:spcPts val="0"/>
-                </a:spcBef>
-                <a:spcAft>
-                  <a:spcPts val="0"/>
-                </a:spcAft>
-                <a:buNone/>
-              </a:pPr>
-              <a:endParaRPr/>
-            </a:p>
-          </p:txBody>
-        </p:sp>
-        <p:sp>
-          <p:nvSpPr>
-            <p:cNvPr id="8" name="Google Shape;624;p62"/>
-            <p:cNvSpPr/>
-            <p:nvPr/>
-          </p:nvSpPr>
-          <p:spPr>
-            <a:xfrm>
-              <a:off x="4126950" y="3467550"/>
-              <a:ext cx="890100" cy="288900"/>
-            </a:xfrm>
-            <a:prstGeom prst="trapezoid">
-              <a:avLst>
-                <a:gd name="adj" fmla="val 25000"/>
-              </a:avLst>
-            </a:prstGeom>
-            <a:solidFill>
-              <a:schemeClr val="dk1"/>
-            </a:solidFill>
-            <a:ln>
-              <a:noFill/>
-            </a:ln>
-          </p:spPr>
-          <p:txBody>
-            <a:bodyPr spcFirstLastPara="1" wrap="square" lIns="91425" tIns="91425" rIns="91425" bIns="91425" anchor="ctr" anchorCtr="0">
-              <a:noAutofit/>
-            </a:bodyPr>
-            <a:lstStyle/>
-            <a:p>
-              <a:pPr marL="0" lvl="0" indent="0" algn="l" rtl="0">
-                <a:spcBef>
-                  <a:spcPts val="0"/>
-                </a:spcBef>
-                <a:spcAft>
-                  <a:spcPts val="0"/>
-                </a:spcAft>
-                <a:buNone/>
-              </a:pPr>
-              <a:endParaRPr/>
-            </a:p>
-          </p:txBody>
-        </p:sp>
-        <p:sp>
-          <p:nvSpPr>
-            <p:cNvPr id="9" name="Google Shape;625;p62"/>
-            <p:cNvSpPr/>
-            <p:nvPr/>
-          </p:nvSpPr>
-          <p:spPr>
-            <a:xfrm>
-              <a:off x="3839400" y="3756450"/>
-              <a:ext cx="1465200" cy="113400"/>
-            </a:xfrm>
-            <a:prstGeom prst="rect">
-              <a:avLst/>
-            </a:prstGeom>
-            <a:solidFill>
-              <a:schemeClr val="dk1"/>
-            </a:solidFill>
-            <a:ln>
-              <a:noFill/>
-            </a:ln>
-          </p:spPr>
-          <p:txBody>
-            <a:bodyPr spcFirstLastPara="1" wrap="square" lIns="91425" tIns="91425" rIns="91425" bIns="91425" anchor="ctr" anchorCtr="0">
-              <a:noAutofit/>
-            </a:bodyPr>
-            <a:lstStyle/>
-            <a:p>
-              <a:pPr marL="0" lvl="0" indent="0" algn="l" rtl="0">
-                <a:spcBef>
-                  <a:spcPts val="0"/>
-                </a:spcBef>
-                <a:spcAft>
-                  <a:spcPts val="0"/>
-                </a:spcAft>
-                <a:buNone/>
-              </a:pPr>
-              <a:endParaRPr/>
-            </a:p>
-          </p:txBody>
-        </p:sp>
-        <p:sp>
-          <p:nvSpPr>
-            <p:cNvPr id="10" name="Google Shape;626;p62"/>
-            <p:cNvSpPr/>
-            <p:nvPr/>
-          </p:nvSpPr>
-          <p:spPr>
-            <a:xfrm>
-              <a:off x="2266050" y="3354150"/>
-              <a:ext cx="4611900" cy="113400"/>
-            </a:xfrm>
-            <a:prstGeom prst="rect">
-              <a:avLst/>
-            </a:prstGeom>
-            <a:solidFill>
-              <a:schemeClr val="lt2"/>
-            </a:solidFill>
-            <a:ln>
-              <a:noFill/>
-            </a:ln>
-          </p:spPr>
-          <p:txBody>
-            <a:bodyPr spcFirstLastPara="1" wrap="square" lIns="91425" tIns="91425" rIns="91425" bIns="91425" anchor="ctr" anchorCtr="0">
-              <a:noAutofit/>
-            </a:bodyPr>
-            <a:lstStyle/>
-            <a:p>
-              <a:pPr marL="0" lvl="0" indent="0" algn="l" rtl="0">
-                <a:spcBef>
-                  <a:spcPts val="0"/>
-                </a:spcBef>
-                <a:spcAft>
-                  <a:spcPts val="0"/>
-                </a:spcAft>
-                <a:buNone/>
-              </a:pPr>
-              <a:endParaRPr/>
-            </a:p>
-          </p:txBody>
-        </p:sp>
-      </p:grpSp>
-      <p:pic>
-        <p:nvPicPr>
-          <p:cNvPr id="11" name="Google Shape;627;p62"/>
-          <p:cNvPicPr preferRelativeResize="0"/>
-          <p:nvPr/>
-        </p:nvPicPr>
-        <p:blipFill rotWithShape="1">
-          <a:blip r:embed="rId3">
-            <a:alphaModFix/>
-          </a:blip>
-          <a:srcRect/>
-          <a:stretch/>
-        </p:blipFill>
-        <p:spPr>
-          <a:xfrm>
-            <a:off x="2764590" y="1344224"/>
-            <a:ext cx="3614822" cy="2033344"/>
-          </a:xfrm>
-          <a:prstGeom prst="rect">
-            <a:avLst/>
-          </a:prstGeom>
-          <a:noFill/>
-          <a:ln>
-            <a:noFill/>
-          </a:ln>
-        </p:spPr>
-      </p:pic>
-      <p:pic>
-        <p:nvPicPr>
-          <p:cNvPr id="3" name="Picture 2"/>
-          <p:cNvPicPr>
-            <a:picLocks noChangeAspect="1"/>
-          </p:cNvPicPr>
-          <p:nvPr/>
-        </p:nvPicPr>
-        <p:blipFill>
-          <a:blip r:embed="rId4"/>
-          <a:stretch>
-            <a:fillRect/>
-          </a:stretch>
-        </p:blipFill>
-        <p:spPr>
-          <a:xfrm>
-            <a:off x="994281" y="994865"/>
-            <a:ext cx="7155215" cy="3732987"/>
-          </a:xfrm>
-          <a:prstGeom prst="rect">
-            <a:avLst/>
-          </a:prstGeom>
-          <a:ln w="127000" cap="rnd">
-            <a:solidFill>
-              <a:srgbClr val="FFFFFF"/>
-            </a:solidFill>
-          </a:ln>
-          <a:effectLst>
-            <a:outerShdw blurRad="76200" dist="95250" dir="10500000" sx="97000" sy="23000" kx="900000" algn="br" rotWithShape="0">
-              <a:srgbClr val="000000">
-                <a:alpha val="20000"/>
-              </a:srgbClr>
-            </a:outerShdw>
-          </a:effectLst>
-          <a:scene3d>
-            <a:camera prst="orthographicFront"/>
-            <a:lightRig rig="twoPt" dir="t">
-              <a:rot lat="0" lon="0" rev="7800000"/>
-            </a:lightRig>
-          </a:scene3d>
-          <a:sp3d contourW="6350">
-            <a:bevelT w="50800" h="16510"/>
-            <a:contourClr>
-              <a:srgbClr val="C0C0C0"/>
-            </a:contourClr>
-          </a:sp3d>
-        </p:spPr>
-      </p:pic>
-    </p:spTree>
-  </p:cSld>
-  <p:clrMapOvr>
-    <a:masterClrMapping/>
-  </p:clrMapOvr>
-  <p:transition spd="med">
-    <p:pull/>
-  </p:transition>
-  <p:timing>
-    <p:tnLst>
-      <p:par>
-        <p:cTn id="1" dur="indefinite" restart="never" nodeType="tmRoot"/>
-      </p:par>
-    </p:tnLst>
-  </p:timing>
-</p:sld>
-</file>
-
-<file path=ppt/slides/slide6.xml><?xml version="1.0" encoding="utf-8"?>
-<p:sld xmlns:a="http://schemas.openxmlformats.org/drawingml/2006/main" xmlns:r="http://schemas.openxmlformats.org/officeDocument/2006/relationships" xmlns:p="http://schemas.openxmlformats.org/presentationml/2006/main">
-  <p:cSld>
-    <p:spTree>
-      <p:nvGrpSpPr>
-        <p:cNvPr id="1" name="Shape 418"/>
-        <p:cNvGrpSpPr/>
-        <p:nvPr/>
-      </p:nvGrpSpPr>
-      <p:grpSpPr>
-        <a:xfrm>
-          <a:off x="0" y="0"/>
-          <a:ext cx="0" cy="0"/>
-          <a:chOff x="0" y="0"/>
-          <a:chExt cx="0" cy="0"/>
-        </a:xfrm>
-      </p:grpSpPr>
-      <p:sp>
-        <p:nvSpPr>
-          <p:cNvPr id="420" name="Google Shape;420;p43"/>
-          <p:cNvSpPr txBox="1">
-            <a:spLocks noGrp="1"/>
-          </p:cNvSpPr>
-          <p:nvPr>
-            <p:ph type="title"/>
-          </p:nvPr>
-        </p:nvSpPr>
-        <p:spPr>
-          <a:xfrm>
-            <a:off x="5731932" y="2076848"/>
-            <a:ext cx="3064933" cy="1948606"/>
-          </a:xfrm>
-          <a:prstGeom prst="rect">
-            <a:avLst/>
-          </a:prstGeom>
-        </p:spPr>
-        <p:txBody>
-          <a:bodyPr spcFirstLastPara="1" wrap="square" lIns="91425" tIns="91425" rIns="91425" bIns="91425" anchor="b" anchorCtr="0">
-            <a:noAutofit/>
-          </a:bodyPr>
-          <a:lstStyle/>
-          <a:p>
-            <a:pPr marL="0" lvl="0" indent="0" algn="r" rtl="0">
-              <a:spcBef>
-                <a:spcPts val="0"/>
-              </a:spcBef>
-              <a:spcAft>
-                <a:spcPts val="0"/>
-              </a:spcAft>
-              <a:buNone/>
-            </a:pPr>
-            <a:r>
-              <a:rPr lang="en-US" sz="3500" dirty="0" smtClean="0"/>
-              <a:t>Inventory Management (Products </a:t>
-            </a:r>
-            <a:r>
-              <a:rPr lang="en-US" sz="3500" dirty="0" err="1" smtClean="0"/>
-              <a:t>BackEnd</a:t>
-            </a:r>
-            <a:r>
-              <a:rPr lang="en-US" sz="3500" dirty="0" smtClean="0"/>
-              <a:t>)</a:t>
-            </a:r>
-            <a:endParaRPr sz="3500" dirty="0"/>
-          </a:p>
-        </p:txBody>
-      </p:sp>
-      <p:grpSp>
-        <p:nvGrpSpPr>
-          <p:cNvPr id="421" name="Google Shape;421;p43"/>
-          <p:cNvGrpSpPr/>
-          <p:nvPr/>
-        </p:nvGrpSpPr>
-        <p:grpSpPr>
-          <a:xfrm>
-            <a:off x="181160" y="508623"/>
-            <a:ext cx="8385900" cy="90900"/>
-            <a:chOff x="160950" y="480600"/>
-            <a:chExt cx="8385900" cy="90900"/>
-          </a:xfrm>
-        </p:grpSpPr>
-        <p:cxnSp>
-          <p:nvCxnSpPr>
-            <p:cNvPr id="422" name="Google Shape;422;p43"/>
-            <p:cNvCxnSpPr/>
-            <p:nvPr/>
-          </p:nvCxnSpPr>
-          <p:spPr>
-            <a:xfrm>
-              <a:off x="160950" y="571500"/>
-              <a:ext cx="8385900" cy="0"/>
-            </a:xfrm>
-            <a:prstGeom prst="straightConnector1">
-              <a:avLst/>
-            </a:prstGeom>
-            <a:noFill/>
-            <a:ln w="9525" cap="flat" cmpd="sng">
-              <a:solidFill>
-                <a:schemeClr val="lt1"/>
-              </a:solidFill>
-              <a:prstDash val="solid"/>
-              <a:round/>
-              <a:headEnd type="none" w="med" len="med"/>
-              <a:tailEnd type="none" w="med" len="med"/>
-            </a:ln>
-          </p:spPr>
-        </p:cxnSp>
-        <p:sp>
-          <p:nvSpPr>
-            <p:cNvPr id="423" name="Google Shape;423;p43"/>
-            <p:cNvSpPr/>
-            <p:nvPr/>
-          </p:nvSpPr>
-          <p:spPr>
-            <a:xfrm>
-              <a:off x="8041650" y="480600"/>
-              <a:ext cx="505200" cy="90900"/>
-            </a:xfrm>
-            <a:prstGeom prst="rect">
-              <a:avLst/>
-            </a:prstGeom>
-            <a:solidFill>
-              <a:schemeClr val="lt1"/>
-            </a:solidFill>
-            <a:ln>
-              <a:noFill/>
-            </a:ln>
-          </p:spPr>
-          <p:txBody>
-            <a:bodyPr spcFirstLastPara="1" wrap="square" lIns="91425" tIns="91425" rIns="91425" bIns="91425" anchor="ctr" anchorCtr="0">
-              <a:noAutofit/>
-            </a:bodyPr>
-            <a:lstStyle/>
-            <a:p>
-              <a:pPr marL="0" lvl="0" indent="0" algn="l" rtl="0">
-                <a:spcBef>
-                  <a:spcPts val="0"/>
-                </a:spcBef>
-                <a:spcAft>
-                  <a:spcPts val="0"/>
-                </a:spcAft>
-                <a:buNone/>
-              </a:pPr>
-              <a:endParaRPr/>
-            </a:p>
-          </p:txBody>
-        </p:sp>
-      </p:grpSp>
-      <p:grpSp>
-        <p:nvGrpSpPr>
-          <p:cNvPr id="424" name="Google Shape;424;p43"/>
-          <p:cNvGrpSpPr/>
-          <p:nvPr/>
-        </p:nvGrpSpPr>
-        <p:grpSpPr>
-          <a:xfrm>
-            <a:off x="1113520" y="156298"/>
-            <a:ext cx="90900" cy="3697200"/>
-            <a:chOff x="1113520" y="156298"/>
-            <a:chExt cx="90900" cy="3697200"/>
-          </a:xfrm>
-        </p:grpSpPr>
-        <p:sp>
-          <p:nvSpPr>
-            <p:cNvPr id="425" name="Google Shape;425;p43"/>
-            <p:cNvSpPr/>
-            <p:nvPr/>
-          </p:nvSpPr>
-          <p:spPr>
-            <a:xfrm rot="-5400000">
-              <a:off x="906370" y="3555448"/>
-              <a:ext cx="505200" cy="90900"/>
-            </a:xfrm>
-            <a:prstGeom prst="rect">
-              <a:avLst/>
-            </a:prstGeom>
-            <a:solidFill>
-              <a:schemeClr val="lt1"/>
-            </a:solidFill>
-            <a:ln>
-              <a:noFill/>
-            </a:ln>
-          </p:spPr>
-          <p:txBody>
-            <a:bodyPr spcFirstLastPara="1" wrap="square" lIns="91425" tIns="91425" rIns="91425" bIns="91425" anchor="ctr" anchorCtr="0">
-              <a:noAutofit/>
-            </a:bodyPr>
-            <a:lstStyle/>
-            <a:p>
-              <a:pPr marL="0" lvl="0" indent="0" algn="l" rtl="0">
-                <a:spcBef>
-                  <a:spcPts val="0"/>
-                </a:spcBef>
-                <a:spcAft>
-                  <a:spcPts val="0"/>
-                </a:spcAft>
-                <a:buNone/>
-              </a:pPr>
-              <a:endParaRPr/>
-            </a:p>
-          </p:txBody>
-        </p:sp>
-        <p:cxnSp>
-          <p:nvCxnSpPr>
-            <p:cNvPr id="426" name="Google Shape;426;p43"/>
-            <p:cNvCxnSpPr/>
-            <p:nvPr/>
-          </p:nvCxnSpPr>
-          <p:spPr>
-            <a:xfrm rot="10800000">
-              <a:off x="1121185" y="156298"/>
-              <a:ext cx="0" cy="3434700"/>
-            </a:xfrm>
-            <a:prstGeom prst="straightConnector1">
-              <a:avLst/>
-            </a:prstGeom>
-            <a:noFill/>
-            <a:ln w="9525" cap="flat" cmpd="sng">
-              <a:solidFill>
-                <a:schemeClr val="lt1"/>
-              </a:solidFill>
-              <a:prstDash val="solid"/>
-              <a:round/>
-              <a:headEnd type="none" w="med" len="med"/>
-              <a:tailEnd type="none" w="med" len="med"/>
-            </a:ln>
-          </p:spPr>
-        </p:cxnSp>
-      </p:grpSp>
-      <p:pic>
-        <p:nvPicPr>
-          <p:cNvPr id="3" name="Picture 2"/>
-          <p:cNvPicPr>
-            <a:picLocks noChangeAspect="1"/>
-          </p:cNvPicPr>
-          <p:nvPr/>
-        </p:nvPicPr>
-        <p:blipFill>
-          <a:blip r:embed="rId3"/>
-          <a:stretch>
-            <a:fillRect/>
-          </a:stretch>
-        </p:blipFill>
-        <p:spPr>
-          <a:xfrm>
-            <a:off x="773641" y="918103"/>
-            <a:ext cx="5091042" cy="3260053"/>
-          </a:xfrm>
-          <a:prstGeom prst="roundRect">
-            <a:avLst>
-              <a:gd name="adj" fmla="val 4167"/>
-            </a:avLst>
-          </a:prstGeom>
-          <a:solidFill>
-            <a:srgbClr val="FFFFFF"/>
-          </a:solidFill>
-          <a:ln w="76200" cap="sq">
-            <a:solidFill>
-              <a:srgbClr val="EAEAEA"/>
-            </a:solidFill>
-            <a:miter lim="800000"/>
-          </a:ln>
-          <a:effectLst>
-            <a:reflection blurRad="12700" stA="33000" endPos="28000" dist="5000" dir="5400000" sy="-100000" algn="bl" rotWithShape="0"/>
-          </a:effectLst>
-          <a:scene3d>
-            <a:camera prst="orthographicFront"/>
-            <a:lightRig rig="threePt" dir="t">
-              <a:rot lat="0" lon="0" rev="2700000"/>
-            </a:lightRig>
-          </a:scene3d>
-          <a:sp3d contourW="6350">
-            <a:bevelT h="38100"/>
-            <a:contourClr>
-              <a:srgbClr val="C0C0C0"/>
-            </a:contourClr>
-          </a:sp3d>
-        </p:spPr>
-      </p:pic>
-    </p:spTree>
-    <p:extLst>
-      <p:ext uri="{BB962C8B-B14F-4D97-AF65-F5344CB8AC3E}">
-        <p14:creationId xmlns:p14="http://schemas.microsoft.com/office/powerpoint/2010/main" val="73784244"/>
-      </p:ext>
-    </p:extLst>
-  </p:cSld>
-  <p:clrMapOvr>
-    <a:masterClrMapping/>
-  </p:clrMapOvr>
-  <p:transition spd="med">
-    <p:pull/>
-  </p:transition>
-  <p:timing>
-    <p:tnLst>
-      <p:par>
-        <p:cTn id="1" dur="indefinite" restart="never" nodeType="tmRoot"/>
-      </p:par>
-    </p:tnLst>
-  </p:timing>
-</p:sld>
-</file>
-
-<file path=ppt/slides/slide7.xml><?xml version="1.0" encoding="utf-8"?>
-<p:sld xmlns:a="http://schemas.openxmlformats.org/drawingml/2006/main" xmlns:r="http://schemas.openxmlformats.org/officeDocument/2006/relationships" xmlns:p="http://schemas.openxmlformats.org/presentationml/2006/main">
-  <p:cSld>
-    <p:spTree>
-      <p:nvGrpSpPr>
-        <p:cNvPr id="1" name="Shape 430"/>
-        <p:cNvGrpSpPr/>
-        <p:nvPr/>
-      </p:nvGrpSpPr>
-      <p:grpSpPr>
-        <a:xfrm>
-          <a:off x="0" y="0"/>
-          <a:ext cx="0" cy="0"/>
-          <a:chOff x="0" y="0"/>
-          <a:chExt cx="0" cy="0"/>
-        </a:xfrm>
-      </p:grpSpPr>
-      <p:sp>
-        <p:nvSpPr>
-          <p:cNvPr id="431" name="Google Shape;431;p44"/>
-          <p:cNvSpPr txBox="1">
-            <a:spLocks noGrp="1"/>
-          </p:cNvSpPr>
-          <p:nvPr>
-            <p:ph type="title"/>
-          </p:nvPr>
-        </p:nvSpPr>
-        <p:spPr>
-          <a:xfrm>
-            <a:off x="662030" y="1490626"/>
-            <a:ext cx="4360200" cy="1282500"/>
-          </a:xfrm>
-          <a:prstGeom prst="rect">
-            <a:avLst/>
-          </a:prstGeom>
-        </p:spPr>
-        <p:txBody>
-          <a:bodyPr spcFirstLastPara="1" wrap="square" lIns="91425" tIns="91425" rIns="91425" bIns="91425" anchor="b" anchorCtr="0">
-            <a:noAutofit/>
-          </a:bodyPr>
-          <a:lstStyle/>
-          <a:p>
-            <a:pPr marL="0" lvl="0" indent="0" algn="l" rtl="0">
-              <a:spcBef>
-                <a:spcPts val="0"/>
-              </a:spcBef>
-              <a:spcAft>
-                <a:spcPts val="0"/>
-              </a:spcAft>
-              <a:buNone/>
-            </a:pPr>
-            <a:r>
-              <a:rPr lang="en-US" sz="3000" dirty="0" smtClean="0"/>
-              <a:t>Inventory Management</a:t>
-            </a:r>
-            <a:endParaRPr sz="3000" dirty="0"/>
-          </a:p>
-        </p:txBody>
-      </p:sp>
-      <p:sp>
-        <p:nvSpPr>
-          <p:cNvPr id="432" name="Google Shape;432;p44"/>
-          <p:cNvSpPr txBox="1">
-            <a:spLocks noGrp="1"/>
-          </p:cNvSpPr>
-          <p:nvPr>
-            <p:ph type="subTitle" idx="1"/>
-          </p:nvPr>
-        </p:nvSpPr>
-        <p:spPr>
-          <a:xfrm>
-            <a:off x="662030" y="2871648"/>
-            <a:ext cx="4360200" cy="403800"/>
-          </a:xfrm>
-          <a:prstGeom prst="rect">
-            <a:avLst/>
-          </a:prstGeom>
-        </p:spPr>
-        <p:txBody>
-          <a:bodyPr spcFirstLastPara="1" wrap="square" lIns="91425" tIns="91425" rIns="91425" bIns="91425" anchor="t" anchorCtr="0">
-            <a:noAutofit/>
-          </a:bodyPr>
-          <a:lstStyle/>
-          <a:p>
-            <a:pPr marL="285750" lvl="0" indent="-285750" algn="l" rtl="0">
-              <a:spcBef>
-                <a:spcPts val="0"/>
-              </a:spcBef>
-              <a:spcAft>
-                <a:spcPts val="0"/>
-              </a:spcAft>
-              <a:buClrTx/>
-              <a:buFont typeface="Wingdings" panose="05000000000000000000" pitchFamily="2" charset="2"/>
-              <a:buChar char="q"/>
-            </a:pPr>
-            <a:r>
-              <a:rPr lang="en-US" dirty="0" smtClean="0">
-                <a:latin typeface="Calibri" panose="020F0502020204030204" pitchFamily="34" charset="0"/>
-                <a:ea typeface="Calibri" panose="020F0502020204030204" pitchFamily="34" charset="0"/>
-                <a:cs typeface="Calibri" panose="020F0502020204030204" pitchFamily="34" charset="0"/>
-              </a:rPr>
-              <a:t>Add Product</a:t>
-            </a:r>
-            <a:endParaRPr lang="en-US" dirty="0">
-              <a:latin typeface="Calibri" panose="020F0502020204030204" pitchFamily="34" charset="0"/>
-              <a:ea typeface="Calibri" panose="020F0502020204030204" pitchFamily="34" charset="0"/>
-              <a:cs typeface="Calibri" panose="020F0502020204030204" pitchFamily="34" charset="0"/>
-            </a:endParaRPr>
-          </a:p>
-          <a:p>
-            <a:pPr marL="285750" lvl="0" indent="-285750" algn="l" rtl="0">
-              <a:spcBef>
-                <a:spcPts val="0"/>
-              </a:spcBef>
-              <a:spcAft>
-                <a:spcPts val="0"/>
-              </a:spcAft>
-              <a:buClrTx/>
-              <a:buFont typeface="Wingdings" panose="05000000000000000000" pitchFamily="2" charset="2"/>
-              <a:buChar char="q"/>
-            </a:pPr>
-            <a:r>
-              <a:rPr lang="en-US" dirty="0" smtClean="0">
-                <a:latin typeface="Calibri" panose="020F0502020204030204" pitchFamily="34" charset="0"/>
-                <a:ea typeface="Calibri" panose="020F0502020204030204" pitchFamily="34" charset="0"/>
-                <a:cs typeface="Calibri" panose="020F0502020204030204" pitchFamily="34" charset="0"/>
-              </a:rPr>
-              <a:t>View All Products</a:t>
-            </a:r>
-          </a:p>
-          <a:p>
-            <a:pPr marL="285750" lvl="0" indent="-285750" algn="l" rtl="0">
-              <a:spcBef>
-                <a:spcPts val="0"/>
-              </a:spcBef>
-              <a:spcAft>
-                <a:spcPts val="0"/>
-              </a:spcAft>
-              <a:buClrTx/>
-              <a:buFont typeface="Wingdings" panose="05000000000000000000" pitchFamily="2" charset="2"/>
-              <a:buChar char="q"/>
-            </a:pPr>
-            <a:r>
-              <a:rPr lang="en-US" dirty="0" smtClean="0">
-                <a:latin typeface="Calibri" panose="020F0502020204030204" pitchFamily="34" charset="0"/>
-                <a:ea typeface="Calibri" panose="020F0502020204030204" pitchFamily="34" charset="0"/>
-                <a:cs typeface="Calibri" panose="020F0502020204030204" pitchFamily="34" charset="0"/>
-              </a:rPr>
-              <a:t>Search Product</a:t>
-            </a:r>
-          </a:p>
-          <a:p>
-            <a:pPr marL="285750" lvl="0" indent="-285750" algn="l" rtl="0">
-              <a:spcBef>
-                <a:spcPts val="0"/>
-              </a:spcBef>
-              <a:spcAft>
-                <a:spcPts val="0"/>
-              </a:spcAft>
-              <a:buClrTx/>
-              <a:buFont typeface="Wingdings" panose="05000000000000000000" pitchFamily="2" charset="2"/>
-              <a:buChar char="q"/>
-            </a:pPr>
-            <a:r>
-              <a:rPr lang="en-US" dirty="0" smtClean="0">
-                <a:latin typeface="Calibri" panose="020F0502020204030204" pitchFamily="34" charset="0"/>
-                <a:ea typeface="Calibri" panose="020F0502020204030204" pitchFamily="34" charset="0"/>
-                <a:cs typeface="Calibri" panose="020F0502020204030204" pitchFamily="34" charset="0"/>
-              </a:rPr>
-              <a:t>Update Product</a:t>
-            </a:r>
-          </a:p>
-          <a:p>
-            <a:pPr marL="285750" lvl="0" indent="-285750" algn="l" rtl="0">
-              <a:spcBef>
-                <a:spcPts val="0"/>
-              </a:spcBef>
-              <a:spcAft>
-                <a:spcPts val="0"/>
-              </a:spcAft>
-              <a:buClrTx/>
-              <a:buFont typeface="Wingdings" panose="05000000000000000000" pitchFamily="2" charset="2"/>
-              <a:buChar char="q"/>
-            </a:pPr>
-            <a:r>
-              <a:rPr lang="en-US" dirty="0" smtClean="0">
-                <a:latin typeface="Calibri" panose="020F0502020204030204" pitchFamily="34" charset="0"/>
-                <a:ea typeface="Calibri" panose="020F0502020204030204" pitchFamily="34" charset="0"/>
-                <a:cs typeface="Calibri" panose="020F0502020204030204" pitchFamily="34" charset="0"/>
-              </a:rPr>
-              <a:t>Delete Product</a:t>
-            </a:r>
-            <a:endParaRPr dirty="0">
-              <a:latin typeface="Calibri" panose="020F0502020204030204" pitchFamily="34" charset="0"/>
-              <a:ea typeface="Calibri" panose="020F0502020204030204" pitchFamily="34" charset="0"/>
-              <a:cs typeface="Calibri" panose="020F0502020204030204" pitchFamily="34" charset="0"/>
-            </a:endParaRPr>
-          </a:p>
-        </p:txBody>
-      </p:sp>
-      <p:grpSp>
-        <p:nvGrpSpPr>
-          <p:cNvPr id="434" name="Google Shape;434;p44"/>
-          <p:cNvGrpSpPr/>
-          <p:nvPr/>
-        </p:nvGrpSpPr>
-        <p:grpSpPr>
-          <a:xfrm flipH="1">
-            <a:off x="576156" y="508623"/>
-            <a:ext cx="8385900" cy="90900"/>
-            <a:chOff x="160950" y="480600"/>
-            <a:chExt cx="8385900" cy="90900"/>
-          </a:xfrm>
-        </p:grpSpPr>
-        <p:cxnSp>
-          <p:nvCxnSpPr>
-            <p:cNvPr id="435" name="Google Shape;435;p44"/>
-            <p:cNvCxnSpPr/>
-            <p:nvPr/>
-          </p:nvCxnSpPr>
-          <p:spPr>
-            <a:xfrm>
-              <a:off x="160950" y="571500"/>
-              <a:ext cx="8385900" cy="0"/>
-            </a:xfrm>
-            <a:prstGeom prst="straightConnector1">
-              <a:avLst/>
-            </a:prstGeom>
-            <a:noFill/>
-            <a:ln w="9525" cap="flat" cmpd="sng">
-              <a:solidFill>
-                <a:schemeClr val="lt1"/>
-              </a:solidFill>
-              <a:prstDash val="solid"/>
-              <a:round/>
-              <a:headEnd type="none" w="med" len="med"/>
-              <a:tailEnd type="none" w="med" len="med"/>
-            </a:ln>
-          </p:spPr>
-        </p:cxnSp>
-        <p:sp>
-          <p:nvSpPr>
-            <p:cNvPr id="436" name="Google Shape;436;p44"/>
-            <p:cNvSpPr/>
-            <p:nvPr/>
-          </p:nvSpPr>
-          <p:spPr>
-            <a:xfrm>
-              <a:off x="8041650" y="480600"/>
-              <a:ext cx="505200" cy="90900"/>
-            </a:xfrm>
-            <a:prstGeom prst="rect">
-              <a:avLst/>
-            </a:prstGeom>
-            <a:solidFill>
-              <a:schemeClr val="lt1"/>
-            </a:solidFill>
-            <a:ln>
-              <a:noFill/>
-            </a:ln>
-          </p:spPr>
-          <p:txBody>
-            <a:bodyPr spcFirstLastPara="1" wrap="square" lIns="91425" tIns="91425" rIns="91425" bIns="91425" anchor="ctr" anchorCtr="0">
-              <a:noAutofit/>
-            </a:bodyPr>
-            <a:lstStyle/>
-            <a:p>
-              <a:pPr marL="0" lvl="0" indent="0" algn="l" rtl="0">
-                <a:spcBef>
-                  <a:spcPts val="0"/>
-                </a:spcBef>
-                <a:spcAft>
-                  <a:spcPts val="0"/>
-                </a:spcAft>
-                <a:buNone/>
-              </a:pPr>
-              <a:endParaRPr/>
-            </a:p>
-          </p:txBody>
-        </p:sp>
-      </p:grpSp>
-      <p:grpSp>
-        <p:nvGrpSpPr>
-          <p:cNvPr id="437" name="Google Shape;437;p44"/>
-          <p:cNvGrpSpPr/>
-          <p:nvPr/>
-        </p:nvGrpSpPr>
-        <p:grpSpPr>
-          <a:xfrm rot="10800000">
-            <a:off x="7961770" y="1295598"/>
-            <a:ext cx="90900" cy="3697200"/>
-            <a:chOff x="1113520" y="156298"/>
-            <a:chExt cx="90900" cy="3697200"/>
-          </a:xfrm>
-        </p:grpSpPr>
-        <p:sp>
-          <p:nvSpPr>
-            <p:cNvPr id="438" name="Google Shape;438;p44"/>
-            <p:cNvSpPr/>
-            <p:nvPr/>
-          </p:nvSpPr>
-          <p:spPr>
-            <a:xfrm rot="-5400000">
-              <a:off x="906370" y="3555448"/>
-              <a:ext cx="505200" cy="90900"/>
-            </a:xfrm>
-            <a:prstGeom prst="rect">
-              <a:avLst/>
-            </a:prstGeom>
-            <a:solidFill>
-              <a:schemeClr val="lt1"/>
-            </a:solidFill>
-            <a:ln>
-              <a:noFill/>
-            </a:ln>
-          </p:spPr>
-          <p:txBody>
-            <a:bodyPr spcFirstLastPara="1" wrap="square" lIns="91425" tIns="91425" rIns="91425" bIns="91425" anchor="ctr" anchorCtr="0">
-              <a:noAutofit/>
-            </a:bodyPr>
-            <a:lstStyle/>
-            <a:p>
-              <a:pPr marL="0" lvl="0" indent="0" algn="l" rtl="0">
-                <a:spcBef>
-                  <a:spcPts val="0"/>
-                </a:spcBef>
-                <a:spcAft>
-                  <a:spcPts val="0"/>
-                </a:spcAft>
-                <a:buNone/>
-              </a:pPr>
-              <a:endParaRPr/>
-            </a:p>
-          </p:txBody>
-        </p:sp>
-        <p:cxnSp>
-          <p:nvCxnSpPr>
-            <p:cNvPr id="439" name="Google Shape;439;p44"/>
-            <p:cNvCxnSpPr/>
-            <p:nvPr/>
-          </p:nvCxnSpPr>
-          <p:spPr>
-            <a:xfrm rot="10800000">
-              <a:off x="1121185" y="156298"/>
-              <a:ext cx="0" cy="3434700"/>
-            </a:xfrm>
-            <a:prstGeom prst="straightConnector1">
-              <a:avLst/>
-            </a:prstGeom>
-            <a:noFill/>
-            <a:ln w="9525" cap="flat" cmpd="sng">
-              <a:solidFill>
-                <a:schemeClr val="lt1"/>
-              </a:solidFill>
-              <a:prstDash val="solid"/>
-              <a:round/>
-              <a:headEnd type="none" w="med" len="med"/>
-              <a:tailEnd type="none" w="med" len="med"/>
-            </a:ln>
-          </p:spPr>
-        </p:cxnSp>
-      </p:grpSp>
-      <p:pic>
-        <p:nvPicPr>
-          <p:cNvPr id="3" name="Picture 2"/>
-          <p:cNvPicPr>
-            <a:picLocks noChangeAspect="1"/>
-          </p:cNvPicPr>
-          <p:nvPr/>
-        </p:nvPicPr>
-        <p:blipFill>
-          <a:blip r:embed="rId3"/>
-          <a:stretch>
-            <a:fillRect/>
-          </a:stretch>
-        </p:blipFill>
-        <p:spPr>
-          <a:xfrm>
-            <a:off x="3236383" y="811225"/>
-            <a:ext cx="5594351" cy="3881795"/>
-          </a:xfrm>
-          <a:prstGeom prst="rect">
-            <a:avLst/>
-          </a:prstGeom>
-          <a:ln>
-            <a:noFill/>
-          </a:ln>
-          <a:effectLst>
-            <a:outerShdw blurRad="292100" dist="139700" dir="2700000" algn="tl" rotWithShape="0">
-              <a:srgbClr val="333333">
-                <a:alpha val="65000"/>
-              </a:srgbClr>
-            </a:outerShdw>
-          </a:effectLst>
-        </p:spPr>
-      </p:pic>
-    </p:spTree>
-    <p:extLst>
-      <p:ext uri="{BB962C8B-B14F-4D97-AF65-F5344CB8AC3E}">
-        <p14:creationId xmlns:p14="http://schemas.microsoft.com/office/powerpoint/2010/main" val="300682649"/>
-      </p:ext>
-    </p:extLst>
-  </p:cSld>
-  <p:clrMapOvr>
-    <a:masterClrMapping/>
-  </p:clrMapOvr>
-  <p:transition spd="med">
-    <p:pull/>
-  </p:transition>
-  <p:timing>
-    <p:tnLst>
-      <p:par>
-        <p:cTn id="1" dur="indefinite" restart="never" nodeType="tmRoot"/>
-      </p:par>
-    </p:tnLst>
-  </p:timing>
-</p:sld>
-</file>
-
-<file path=ppt/slides/slide8.xml><?xml version="1.0" encoding="utf-8"?>
-<p:sld xmlns:a="http://schemas.openxmlformats.org/drawingml/2006/main" xmlns:r="http://schemas.openxmlformats.org/officeDocument/2006/relationships" xmlns:p="http://schemas.openxmlformats.org/presentationml/2006/main">
-  <p:cSld>
-    <p:spTree>
-      <p:nvGrpSpPr>
-        <p:cNvPr id="1" name="Shape 418"/>
-        <p:cNvGrpSpPr/>
-        <p:nvPr/>
-      </p:nvGrpSpPr>
-      <p:grpSpPr>
-        <a:xfrm>
-          <a:off x="0" y="0"/>
-          <a:ext cx="0" cy="0"/>
-          <a:chOff x="0" y="0"/>
-          <a:chExt cx="0" cy="0"/>
-        </a:xfrm>
-      </p:grpSpPr>
-      <p:sp>
-        <p:nvSpPr>
-          <p:cNvPr id="420" name="Google Shape;420;p43"/>
-          <p:cNvSpPr txBox="1">
-            <a:spLocks noGrp="1"/>
-          </p:cNvSpPr>
-          <p:nvPr>
-            <p:ph type="title"/>
-          </p:nvPr>
-        </p:nvSpPr>
-        <p:spPr>
-          <a:xfrm>
-            <a:off x="6029897" y="1297914"/>
-            <a:ext cx="2758501" cy="1948606"/>
-          </a:xfrm>
-          <a:prstGeom prst="rect">
-            <a:avLst/>
-          </a:prstGeom>
-        </p:spPr>
-        <p:txBody>
-          <a:bodyPr spcFirstLastPara="1" wrap="square" lIns="91425" tIns="91425" rIns="91425" bIns="91425" anchor="b" anchorCtr="0">
-            <a:noAutofit/>
-          </a:bodyPr>
-          <a:lstStyle/>
-          <a:p>
-            <a:pPr marL="0" lvl="0" indent="0" algn="r" rtl="0">
-              <a:spcBef>
-                <a:spcPts val="0"/>
-              </a:spcBef>
-              <a:spcAft>
-                <a:spcPts val="0"/>
-              </a:spcAft>
-              <a:buNone/>
-            </a:pPr>
-            <a:r>
-              <a:rPr lang="en-US" sz="3500" dirty="0" smtClean="0"/>
-              <a:t>Customer Dashboard (</a:t>
-            </a:r>
-            <a:r>
-              <a:rPr lang="en-US" sz="3500" dirty="0" err="1" smtClean="0"/>
-              <a:t>FrontEnd</a:t>
-            </a:r>
-            <a:r>
-              <a:rPr lang="en-US" sz="3500" dirty="0" smtClean="0"/>
-              <a:t>)</a:t>
-            </a:r>
-            <a:endParaRPr sz="3500" dirty="0"/>
-          </a:p>
-        </p:txBody>
-      </p:sp>
-      <p:grpSp>
-        <p:nvGrpSpPr>
-          <p:cNvPr id="421" name="Google Shape;421;p43"/>
-          <p:cNvGrpSpPr/>
-          <p:nvPr/>
-        </p:nvGrpSpPr>
-        <p:grpSpPr>
-          <a:xfrm>
-            <a:off x="181160" y="508623"/>
-            <a:ext cx="8385900" cy="90900"/>
-            <a:chOff x="160950" y="480600"/>
-            <a:chExt cx="8385900" cy="90900"/>
-          </a:xfrm>
-        </p:grpSpPr>
-        <p:cxnSp>
-          <p:nvCxnSpPr>
-            <p:cNvPr id="422" name="Google Shape;422;p43"/>
-            <p:cNvCxnSpPr/>
-            <p:nvPr/>
-          </p:nvCxnSpPr>
-          <p:spPr>
-            <a:xfrm>
-              <a:off x="160950" y="571500"/>
-              <a:ext cx="8385900" cy="0"/>
-            </a:xfrm>
-            <a:prstGeom prst="straightConnector1">
-              <a:avLst/>
-            </a:prstGeom>
-            <a:noFill/>
-            <a:ln w="9525" cap="flat" cmpd="sng">
-              <a:solidFill>
-                <a:schemeClr val="lt1"/>
-              </a:solidFill>
-              <a:prstDash val="solid"/>
-              <a:round/>
-              <a:headEnd type="none" w="med" len="med"/>
-              <a:tailEnd type="none" w="med" len="med"/>
-            </a:ln>
-          </p:spPr>
-        </p:cxnSp>
-        <p:sp>
-          <p:nvSpPr>
-            <p:cNvPr id="423" name="Google Shape;423;p43"/>
-            <p:cNvSpPr/>
-            <p:nvPr/>
-          </p:nvSpPr>
-          <p:spPr>
-            <a:xfrm>
-              <a:off x="8041650" y="480600"/>
-              <a:ext cx="505200" cy="90900"/>
-            </a:xfrm>
-            <a:prstGeom prst="rect">
-              <a:avLst/>
-            </a:prstGeom>
-            <a:solidFill>
-              <a:schemeClr val="lt1"/>
-            </a:solidFill>
-            <a:ln>
-              <a:noFill/>
-            </a:ln>
-          </p:spPr>
-          <p:txBody>
-            <a:bodyPr spcFirstLastPara="1" wrap="square" lIns="91425" tIns="91425" rIns="91425" bIns="91425" anchor="ctr" anchorCtr="0">
-              <a:noAutofit/>
-            </a:bodyPr>
-            <a:lstStyle/>
-            <a:p>
-              <a:pPr marL="0" lvl="0" indent="0" algn="l" rtl="0">
-                <a:spcBef>
-                  <a:spcPts val="0"/>
-                </a:spcBef>
-                <a:spcAft>
-                  <a:spcPts val="0"/>
-                </a:spcAft>
-                <a:buNone/>
-              </a:pPr>
-              <a:endParaRPr/>
-            </a:p>
-          </p:txBody>
-        </p:sp>
-      </p:grpSp>
-      <p:grpSp>
-        <p:nvGrpSpPr>
-          <p:cNvPr id="424" name="Google Shape;424;p43"/>
-          <p:cNvGrpSpPr/>
-          <p:nvPr/>
-        </p:nvGrpSpPr>
-        <p:grpSpPr>
-          <a:xfrm>
-            <a:off x="1113520" y="156298"/>
-            <a:ext cx="90900" cy="3697200"/>
-            <a:chOff x="1113520" y="156298"/>
-            <a:chExt cx="90900" cy="3697200"/>
-          </a:xfrm>
-        </p:grpSpPr>
-        <p:sp>
-          <p:nvSpPr>
-            <p:cNvPr id="425" name="Google Shape;425;p43"/>
-            <p:cNvSpPr/>
-            <p:nvPr/>
-          </p:nvSpPr>
-          <p:spPr>
-            <a:xfrm rot="-5400000">
-              <a:off x="906370" y="3555448"/>
-              <a:ext cx="505200" cy="90900"/>
-            </a:xfrm>
-            <a:prstGeom prst="rect">
-              <a:avLst/>
-            </a:prstGeom>
-            <a:solidFill>
-              <a:schemeClr val="lt1"/>
-            </a:solidFill>
-            <a:ln>
-              <a:noFill/>
-            </a:ln>
-          </p:spPr>
-          <p:txBody>
-            <a:bodyPr spcFirstLastPara="1" wrap="square" lIns="91425" tIns="91425" rIns="91425" bIns="91425" anchor="ctr" anchorCtr="0">
-              <a:noAutofit/>
-            </a:bodyPr>
-            <a:lstStyle/>
-            <a:p>
-              <a:pPr marL="0" lvl="0" indent="0" algn="l" rtl="0">
-                <a:spcBef>
-                  <a:spcPts val="0"/>
-                </a:spcBef>
-                <a:spcAft>
-                  <a:spcPts val="0"/>
-                </a:spcAft>
-                <a:buNone/>
-              </a:pPr>
-              <a:endParaRPr/>
-            </a:p>
-          </p:txBody>
-        </p:sp>
-        <p:cxnSp>
-          <p:nvCxnSpPr>
-            <p:cNvPr id="426" name="Google Shape;426;p43"/>
-            <p:cNvCxnSpPr/>
-            <p:nvPr/>
-          </p:nvCxnSpPr>
-          <p:spPr>
-            <a:xfrm rot="10800000">
-              <a:off x="1121185" y="156298"/>
-              <a:ext cx="0" cy="3434700"/>
-            </a:xfrm>
-            <a:prstGeom prst="straightConnector1">
-              <a:avLst/>
-            </a:prstGeom>
-            <a:noFill/>
-            <a:ln w="9525" cap="flat" cmpd="sng">
-              <a:solidFill>
-                <a:schemeClr val="lt1"/>
-              </a:solidFill>
-              <a:prstDash val="solid"/>
-              <a:round/>
-              <a:headEnd type="none" w="med" len="med"/>
-              <a:tailEnd type="none" w="med" len="med"/>
-            </a:ln>
-          </p:spPr>
-        </p:cxnSp>
-      </p:grpSp>
-      <p:sp>
-        <p:nvSpPr>
-          <p:cNvPr id="12" name="Google Shape;432;p44"/>
-          <p:cNvSpPr txBox="1">
-            <a:spLocks noGrp="1"/>
-          </p:cNvSpPr>
-          <p:nvPr>
-            <p:ph type="subTitle" idx="1"/>
-          </p:nvPr>
-        </p:nvSpPr>
-        <p:spPr>
-          <a:xfrm>
-            <a:off x="6029897" y="3146398"/>
-            <a:ext cx="4360200" cy="403800"/>
-          </a:xfrm>
-          <a:prstGeom prst="rect">
-            <a:avLst/>
-          </a:prstGeom>
-        </p:spPr>
-        <p:txBody>
-          <a:bodyPr spcFirstLastPara="1" wrap="square" lIns="91425" tIns="91425" rIns="91425" bIns="91425" anchor="t" anchorCtr="0">
-            <a:noAutofit/>
-          </a:bodyPr>
-          <a:lstStyle/>
-          <a:p>
-            <a:pPr marL="285750" lvl="0" indent="-285750" algn="l" rtl="0">
-              <a:spcBef>
-                <a:spcPts val="0"/>
-              </a:spcBef>
-              <a:spcAft>
-                <a:spcPts val="0"/>
-              </a:spcAft>
-              <a:buClrTx/>
-              <a:buFont typeface="Wingdings" panose="05000000000000000000" pitchFamily="2" charset="2"/>
-              <a:buChar char="q"/>
-            </a:pPr>
-            <a:r>
-              <a:rPr lang="en-US" dirty="0" smtClean="0">
-                <a:latin typeface="Calibri" panose="020F0502020204030204" pitchFamily="34" charset="0"/>
-                <a:ea typeface="Calibri" panose="020F0502020204030204" pitchFamily="34" charset="0"/>
-                <a:cs typeface="Calibri" panose="020F0502020204030204" pitchFamily="34" charset="0"/>
-              </a:rPr>
-              <a:t>Placing New Order</a:t>
-            </a:r>
-          </a:p>
-          <a:p>
-            <a:pPr marL="285750" lvl="0" indent="-285750" algn="l" rtl="0">
-              <a:spcBef>
-                <a:spcPts val="0"/>
-              </a:spcBef>
-              <a:spcAft>
-                <a:spcPts val="0"/>
-              </a:spcAft>
-              <a:buClrTx/>
-              <a:buFont typeface="Wingdings" panose="05000000000000000000" pitchFamily="2" charset="2"/>
-              <a:buChar char="q"/>
-            </a:pPr>
-            <a:r>
-              <a:rPr lang="en-US" dirty="0" smtClean="0">
-                <a:latin typeface="Calibri" panose="020F0502020204030204" pitchFamily="34" charset="0"/>
-                <a:ea typeface="Calibri" panose="020F0502020204030204" pitchFamily="34" charset="0"/>
-                <a:cs typeface="Calibri" panose="020F0502020204030204" pitchFamily="34" charset="0"/>
-              </a:rPr>
-              <a:t>View My Orders (current users)</a:t>
-            </a:r>
-          </a:p>
-          <a:p>
-            <a:pPr marL="285750" lvl="0" indent="-285750" algn="l" rtl="0">
-              <a:spcBef>
-                <a:spcPts val="0"/>
-              </a:spcBef>
-              <a:spcAft>
-                <a:spcPts val="0"/>
-              </a:spcAft>
-              <a:buClrTx/>
-              <a:buFont typeface="Wingdings" panose="05000000000000000000" pitchFamily="2" charset="2"/>
-              <a:buChar char="q"/>
-            </a:pPr>
-            <a:r>
-              <a:rPr lang="en-US" dirty="0" smtClean="0">
-                <a:latin typeface="Calibri" panose="020F0502020204030204" pitchFamily="34" charset="0"/>
-                <a:ea typeface="Calibri" panose="020F0502020204030204" pitchFamily="34" charset="0"/>
-                <a:cs typeface="Calibri" panose="020F0502020204030204" pitchFamily="34" charset="0"/>
-              </a:rPr>
-              <a:t>Update Order(Cancelling current</a:t>
-            </a:r>
-            <a:r>
-              <a:rPr lang="en-US" dirty="0">
-                <a:latin typeface="Calibri" panose="020F0502020204030204" pitchFamily="34" charset="0"/>
-                <a:ea typeface="Calibri" panose="020F0502020204030204" pitchFamily="34" charset="0"/>
-                <a:cs typeface="Calibri" panose="020F0502020204030204" pitchFamily="34" charset="0"/>
-              </a:rPr>
-              <a:t/>
-            </a:r>
-            <a:br>
-              <a:rPr lang="en-US" dirty="0">
-                <a:latin typeface="Calibri" panose="020F0502020204030204" pitchFamily="34" charset="0"/>
-                <a:ea typeface="Calibri" panose="020F0502020204030204" pitchFamily="34" charset="0"/>
-                <a:cs typeface="Calibri" panose="020F0502020204030204" pitchFamily="34" charset="0"/>
-              </a:rPr>
-            </a:br>
-            <a:r>
-              <a:rPr lang="en-US" dirty="0" smtClean="0">
-                <a:latin typeface="Calibri" panose="020F0502020204030204" pitchFamily="34" charset="0"/>
-                <a:ea typeface="Calibri" panose="020F0502020204030204" pitchFamily="34" charset="0"/>
-                <a:cs typeface="Calibri" panose="020F0502020204030204" pitchFamily="34" charset="0"/>
-              </a:rPr>
-              <a:t>and placing new one</a:t>
-            </a:r>
-          </a:p>
-          <a:p>
-            <a:pPr marL="285750" lvl="0" indent="-285750" algn="l" rtl="0">
-              <a:spcBef>
-                <a:spcPts val="0"/>
-              </a:spcBef>
-              <a:spcAft>
-                <a:spcPts val="0"/>
-              </a:spcAft>
-              <a:buClrTx/>
-              <a:buFont typeface="Wingdings" panose="05000000000000000000" pitchFamily="2" charset="2"/>
-              <a:buChar char="q"/>
-            </a:pPr>
-            <a:r>
-              <a:rPr lang="en-US" dirty="0" smtClean="0">
-                <a:latin typeface="Calibri" panose="020F0502020204030204" pitchFamily="34" charset="0"/>
-                <a:ea typeface="Calibri" panose="020F0502020204030204" pitchFamily="34" charset="0"/>
-                <a:cs typeface="Calibri" panose="020F0502020204030204" pitchFamily="34" charset="0"/>
-              </a:rPr>
-              <a:t>Cancel Order</a:t>
-            </a:r>
-          </a:p>
-        </p:txBody>
-      </p:sp>
-      <p:pic>
-        <p:nvPicPr>
-          <p:cNvPr id="3" name="Picture 2"/>
-          <p:cNvPicPr>
-            <a:picLocks noChangeAspect="1"/>
-          </p:cNvPicPr>
-          <p:nvPr/>
-        </p:nvPicPr>
-        <p:blipFill>
-          <a:blip r:embed="rId3"/>
-          <a:stretch>
-            <a:fillRect/>
-          </a:stretch>
-        </p:blipFill>
-        <p:spPr>
-          <a:xfrm>
-            <a:off x="685771" y="813423"/>
-            <a:ext cx="4884478" cy="3703155"/>
-          </a:xfrm>
-          <a:prstGeom prst="roundRect">
-            <a:avLst>
-              <a:gd name="adj" fmla="val 4167"/>
-            </a:avLst>
-          </a:prstGeom>
-          <a:solidFill>
-            <a:srgbClr val="FFFFFF"/>
-          </a:solidFill>
-          <a:ln w="76200" cap="sq">
-            <a:solidFill>
-              <a:srgbClr val="EAEAEA"/>
-            </a:solidFill>
-            <a:miter lim="800000"/>
-          </a:ln>
-          <a:effectLst>
-            <a:reflection blurRad="12700" stA="33000" endPos="28000" dist="5000" dir="5400000" sy="-100000" algn="bl" rotWithShape="0"/>
-          </a:effectLst>
-          <a:scene3d>
-            <a:camera prst="orthographicFront"/>
-            <a:lightRig rig="threePt" dir="t">
-              <a:rot lat="0" lon="0" rev="2700000"/>
-            </a:lightRig>
-          </a:scene3d>
-          <a:sp3d contourW="6350">
-            <a:bevelT h="38100"/>
-            <a:contourClr>
-              <a:srgbClr val="C0C0C0"/>
-            </a:contourClr>
-          </a:sp3d>
-        </p:spPr>
-      </p:pic>
-    </p:spTree>
-    <p:extLst>
-      <p:ext uri="{BB962C8B-B14F-4D97-AF65-F5344CB8AC3E}">
-        <p14:creationId xmlns:p14="http://schemas.microsoft.com/office/powerpoint/2010/main" val="2602400844"/>
-      </p:ext>
-    </p:extLst>
-  </p:cSld>
-  <p:clrMapOvr>
-    <a:masterClrMapping/>
-  </p:clrMapOvr>
-  <p:transition spd="med">
-    <p:pull/>
-  </p:transition>
-  <p:timing>
-    <p:tnLst>
-      <p:par>
-        <p:cTn id="1" dur="indefinite" restart="never" nodeType="tmRoot"/>
-      </p:par>
-    </p:tnLst>
-  </p:timing>
-</p:sld>
-</file>
-
-<file path=ppt/slides/slide9.xml><?xml version="1.0" encoding="utf-8"?>
-<p:sld xmlns:a="http://schemas.openxmlformats.org/drawingml/2006/main" xmlns:r="http://schemas.openxmlformats.org/officeDocument/2006/relationships" xmlns:p="http://schemas.openxmlformats.org/presentationml/2006/main">
-  <p:cSld>
-    <p:spTree>
-      <p:nvGrpSpPr>
-        <p:cNvPr id="1" name="Shape 430"/>
-        <p:cNvGrpSpPr/>
-        <p:nvPr/>
-      </p:nvGrpSpPr>
-      <p:grpSpPr>
-        <a:xfrm>
-          <a:off x="0" y="0"/>
-          <a:ext cx="0" cy="0"/>
-          <a:chOff x="0" y="0"/>
-          <a:chExt cx="0" cy="0"/>
-        </a:xfrm>
-      </p:grpSpPr>
-      <p:grpSp>
-        <p:nvGrpSpPr>
-          <p:cNvPr id="434" name="Google Shape;434;p44"/>
-          <p:cNvGrpSpPr/>
-          <p:nvPr/>
-        </p:nvGrpSpPr>
-        <p:grpSpPr>
-          <a:xfrm flipH="1">
-            <a:off x="576156" y="508623"/>
-            <a:ext cx="8385900" cy="90900"/>
-            <a:chOff x="160950" y="480600"/>
-            <a:chExt cx="8385900" cy="90900"/>
-          </a:xfrm>
-        </p:grpSpPr>
-        <p:cxnSp>
-          <p:nvCxnSpPr>
-            <p:cNvPr id="435" name="Google Shape;435;p44"/>
-            <p:cNvCxnSpPr/>
-            <p:nvPr/>
-          </p:nvCxnSpPr>
-          <p:spPr>
-            <a:xfrm>
-              <a:off x="160950" y="571500"/>
-              <a:ext cx="8385900" cy="0"/>
-            </a:xfrm>
-            <a:prstGeom prst="straightConnector1">
-              <a:avLst/>
-            </a:prstGeom>
-            <a:noFill/>
-            <a:ln w="9525" cap="flat" cmpd="sng">
-              <a:solidFill>
-                <a:schemeClr val="lt1"/>
-              </a:solidFill>
-              <a:prstDash val="solid"/>
-              <a:round/>
-              <a:headEnd type="none" w="med" len="med"/>
-              <a:tailEnd type="none" w="med" len="med"/>
-            </a:ln>
-          </p:spPr>
-        </p:cxnSp>
-        <p:sp>
-          <p:nvSpPr>
-            <p:cNvPr id="436" name="Google Shape;436;p44"/>
-            <p:cNvSpPr/>
-            <p:nvPr/>
-          </p:nvSpPr>
-          <p:spPr>
-            <a:xfrm>
-              <a:off x="8041650" y="480600"/>
-              <a:ext cx="505200" cy="90900"/>
-            </a:xfrm>
-            <a:prstGeom prst="rect">
-              <a:avLst/>
-            </a:prstGeom>
-            <a:solidFill>
-              <a:schemeClr val="lt1"/>
-            </a:solidFill>
-            <a:ln>
-              <a:noFill/>
-            </a:ln>
-          </p:spPr>
-          <p:txBody>
-            <a:bodyPr spcFirstLastPara="1" wrap="square" lIns="91425" tIns="91425" rIns="91425" bIns="91425" anchor="ctr" anchorCtr="0">
-              <a:noAutofit/>
-            </a:bodyPr>
-            <a:lstStyle/>
-            <a:p>
-              <a:pPr marL="0" lvl="0" indent="0" algn="l" rtl="0">
-                <a:spcBef>
-                  <a:spcPts val="0"/>
-                </a:spcBef>
-                <a:spcAft>
-                  <a:spcPts val="0"/>
-                </a:spcAft>
-                <a:buNone/>
-              </a:pPr>
-              <a:endParaRPr/>
-            </a:p>
-          </p:txBody>
-        </p:sp>
-      </p:grpSp>
-      <p:grpSp>
-        <p:nvGrpSpPr>
-          <p:cNvPr id="437" name="Google Shape;437;p44"/>
-          <p:cNvGrpSpPr/>
-          <p:nvPr/>
-        </p:nvGrpSpPr>
-        <p:grpSpPr>
-          <a:xfrm rot="10800000">
-            <a:off x="7961770" y="1295598"/>
-            <a:ext cx="90900" cy="3697200"/>
-            <a:chOff x="1113520" y="156298"/>
-            <a:chExt cx="90900" cy="3697200"/>
-          </a:xfrm>
-        </p:grpSpPr>
-        <p:sp>
-          <p:nvSpPr>
-            <p:cNvPr id="438" name="Google Shape;438;p44"/>
-            <p:cNvSpPr/>
-            <p:nvPr/>
-          </p:nvSpPr>
-          <p:spPr>
-            <a:xfrm rot="-5400000">
-              <a:off x="906370" y="3555448"/>
-              <a:ext cx="505200" cy="90900"/>
-            </a:xfrm>
-            <a:prstGeom prst="rect">
-              <a:avLst/>
-            </a:prstGeom>
-            <a:solidFill>
-              <a:schemeClr val="lt1"/>
-            </a:solidFill>
-            <a:ln>
-              <a:noFill/>
-            </a:ln>
-          </p:spPr>
-          <p:txBody>
-            <a:bodyPr spcFirstLastPara="1" wrap="square" lIns="91425" tIns="91425" rIns="91425" bIns="91425" anchor="ctr" anchorCtr="0">
-              <a:noAutofit/>
-            </a:bodyPr>
-            <a:lstStyle/>
-            <a:p>
-              <a:pPr marL="0" lvl="0" indent="0" algn="l" rtl="0">
-                <a:spcBef>
-                  <a:spcPts val="0"/>
-                </a:spcBef>
-                <a:spcAft>
-                  <a:spcPts val="0"/>
-                </a:spcAft>
-                <a:buNone/>
-              </a:pPr>
-              <a:endParaRPr/>
-            </a:p>
-          </p:txBody>
-        </p:sp>
-        <p:cxnSp>
-          <p:nvCxnSpPr>
-            <p:cNvPr id="439" name="Google Shape;439;p44"/>
-            <p:cNvCxnSpPr/>
-            <p:nvPr/>
-          </p:nvCxnSpPr>
-          <p:spPr>
-            <a:xfrm rot="10800000">
-              <a:off x="1121185" y="156298"/>
-              <a:ext cx="0" cy="3434700"/>
-            </a:xfrm>
-            <a:prstGeom prst="straightConnector1">
-              <a:avLst/>
-            </a:prstGeom>
-            <a:noFill/>
-            <a:ln w="9525" cap="flat" cmpd="sng">
-              <a:solidFill>
-                <a:schemeClr val="lt1"/>
-              </a:solidFill>
-              <a:prstDash val="solid"/>
-              <a:round/>
-              <a:headEnd type="none" w="med" len="med"/>
-              <a:tailEnd type="none" w="med" len="med"/>
-            </a:ln>
-          </p:spPr>
-        </p:cxnSp>
-      </p:grpSp>
-      <p:pic>
-        <p:nvPicPr>
-          <p:cNvPr id="3" name="Picture 2"/>
-          <p:cNvPicPr>
-            <a:picLocks noChangeAspect="1"/>
-          </p:cNvPicPr>
-          <p:nvPr/>
-        </p:nvPicPr>
-        <p:blipFill>
-          <a:blip r:embed="rId3"/>
-          <a:stretch>
-            <a:fillRect/>
-          </a:stretch>
-        </p:blipFill>
-        <p:spPr>
-          <a:xfrm>
-            <a:off x="709162" y="1244609"/>
-            <a:ext cx="3616244" cy="3349065"/>
-          </a:xfrm>
-          <a:prstGeom prst="rect">
-            <a:avLst/>
-          </a:prstGeom>
-          <a:ln w="127000" cap="rnd">
-            <a:solidFill>
-              <a:srgbClr val="FFFFFF"/>
-            </a:solidFill>
-          </a:ln>
-          <a:effectLst>
-            <a:outerShdw blurRad="76200" dist="95250" dir="10500000" sx="97000" sy="23000" kx="900000" algn="br" rotWithShape="0">
-              <a:srgbClr val="000000">
-                <a:alpha val="20000"/>
-              </a:srgbClr>
-            </a:outerShdw>
-          </a:effectLst>
-          <a:scene3d>
-            <a:camera prst="orthographicFront"/>
-            <a:lightRig rig="twoPt" dir="t">
-              <a:rot lat="0" lon="0" rev="7800000"/>
-            </a:lightRig>
-          </a:scene3d>
-          <a:sp3d contourW="6350">
-            <a:bevelT w="50800" h="16510"/>
-            <a:contourClr>
-              <a:srgbClr val="C0C0C0"/>
-            </a:contourClr>
-          </a:sp3d>
-        </p:spPr>
-      </p:pic>
-      <p:pic>
-        <p:nvPicPr>
-          <p:cNvPr id="4" name="Picture 3"/>
-          <p:cNvPicPr>
-            <a:picLocks noChangeAspect="1"/>
-          </p:cNvPicPr>
-          <p:nvPr/>
-        </p:nvPicPr>
-        <p:blipFill>
-          <a:blip r:embed="rId4"/>
-          <a:stretch>
-            <a:fillRect/>
-          </a:stretch>
-        </p:blipFill>
-        <p:spPr>
-          <a:xfrm>
-            <a:off x="4675406" y="1700884"/>
-            <a:ext cx="4112976" cy="2886935"/>
-          </a:xfrm>
-          <a:prstGeom prst="rect">
-            <a:avLst/>
-          </a:prstGeom>
-          <a:ln w="127000" cap="rnd">
-            <a:solidFill>
-              <a:srgbClr val="FFFFFF"/>
-            </a:solidFill>
-          </a:ln>
-          <a:effectLst>
-            <a:outerShdw blurRad="76200" dist="95250" dir="10500000" sx="97000" sy="23000" kx="900000" algn="br" rotWithShape="0">
-              <a:srgbClr val="000000">
-                <a:alpha val="20000"/>
-              </a:srgbClr>
-            </a:outerShdw>
-          </a:effectLst>
-          <a:scene3d>
-            <a:camera prst="orthographicFront"/>
-            <a:lightRig rig="twoPt" dir="t">
-              <a:rot lat="0" lon="0" rev="7800000"/>
-            </a:lightRig>
-          </a:scene3d>
-          <a:sp3d contourW="6350">
-            <a:bevelT w="50800" h="16510"/>
-            <a:contourClr>
-              <a:srgbClr val="C0C0C0"/>
-            </a:contourClr>
-          </a:sp3d>
-        </p:spPr>
-      </p:pic>
-      <p:sp>
-        <p:nvSpPr>
-          <p:cNvPr id="16" name="Google Shape;420;p43"/>
-          <p:cNvSpPr txBox="1">
-            <a:spLocks noGrp="1"/>
-          </p:cNvSpPr>
-          <p:nvPr>
-            <p:ph type="title"/>
-          </p:nvPr>
-        </p:nvSpPr>
-        <p:spPr>
-          <a:xfrm>
-            <a:off x="784317" y="468304"/>
-            <a:ext cx="7969577" cy="725531"/>
-          </a:xfrm>
-          <a:prstGeom prst="rect">
-            <a:avLst/>
-          </a:prstGeom>
-        </p:spPr>
-        <p:txBody>
-          <a:bodyPr spcFirstLastPara="1" wrap="square" lIns="91425" tIns="91425" rIns="91425" bIns="91425" anchor="b" anchorCtr="0">
-            <a:noAutofit/>
-          </a:bodyPr>
-          <a:lstStyle/>
-          <a:p>
-            <a:pPr marL="0" lvl="0" indent="0" algn="ctr" rtl="0">
-              <a:spcBef>
-                <a:spcPts val="0"/>
-              </a:spcBef>
-              <a:spcAft>
-                <a:spcPts val="0"/>
-              </a:spcAft>
-              <a:buNone/>
-            </a:pPr>
-            <a:r>
-              <a:rPr lang="en-US" sz="3000" dirty="0" smtClean="0"/>
-              <a:t>Order Placin</a:t>
-            </a:r>
-            <a:r>
-              <a:rPr lang="en-US" sz="3000" dirty="0" smtClean="0"/>
-              <a:t>g with Unique ID #SP****</a:t>
-            </a:r>
-            <a:endParaRPr sz="3000" dirty="0"/>
-          </a:p>
-        </p:txBody>
-      </p:sp>
-    </p:spTree>
-    <p:extLst>
-      <p:ext uri="{BB962C8B-B14F-4D97-AF65-F5344CB8AC3E}">
-        <p14:creationId xmlns:p14="http://schemas.microsoft.com/office/powerpoint/2010/main" val="3894554203"/>
-      </p:ext>
-    </p:extLst>
-  </p:cSld>
-  <p:clrMapOvr>
-    <a:masterClrMapping/>
-  </p:clrMapOvr>
-  <p:transition spd="med">
-    <p:pull/>
-  </p:transition>
-  <p:timing>
-    <p:tnLst>
-      <p:par>
-        <p:cTn id="1" dur="indefinite" restart="never" nodeType="tmRoot"/>
-      </p:par>
-    </p:tnLst>
-  </p:timing>
 </p:sld>
 </file>
 
